--- a/Optimize Datacenter.pptx
+++ b/Optimize Datacenter.pptx
@@ -144,2598 +144,6 @@
     <p1510:client id="{514C5F3D-6B4E-4B78-B9D3-D5CDB336FC85}" v="1128" dt="2024-07-17T13:48:39.103"/>
   </p1510:revLst>
 </p1510:revInfo>
-</file>
-
-<file path=ppt/changesInfos/changesInfo1.xml><?xml version="1.0" encoding="utf-8"?>
-<pc:chgInfo xmlns:a="http://schemas.openxmlformats.org/drawingml/2006/main" xmlns:r="http://schemas.openxmlformats.org/officeDocument/2006/relationships" xmlns:ac="http://schemas.microsoft.com/office/drawing/2013/main/command" xmlns:pc="http://schemas.microsoft.com/office/powerpoint/2013/main/command">
-  <pc:docChgLst>
-    <pc:chgData name="Alberto Petillo" userId="dd35f5627cdd12a4" providerId="LiveId" clId="{0B3DB415-368A-4086-AC28-02713D578A9A}"/>
-    <pc:docChg chg="undo custSel modSld">
-      <pc:chgData name="Alberto Petillo" userId="dd35f5627cdd12a4" providerId="LiveId" clId="{0B3DB415-368A-4086-AC28-02713D578A9A}" dt="2024-07-16T23:27:59.011" v="12" actId="478"/>
-      <pc:docMkLst>
-        <pc:docMk/>
-      </pc:docMkLst>
-      <pc:sldChg chg="addSp delSp modSp mod">
-        <pc:chgData name="Alberto Petillo" userId="dd35f5627cdd12a4" providerId="LiveId" clId="{0B3DB415-368A-4086-AC28-02713D578A9A}" dt="2024-07-16T23:27:59.011" v="12" actId="478"/>
-        <pc:sldMkLst>
-          <pc:docMk/>
-          <pc:sldMk cId="1353340343" sldId="256"/>
-        </pc:sldMkLst>
-        <pc:spChg chg="mod">
-          <ac:chgData name="Alberto Petillo" userId="dd35f5627cdd12a4" providerId="LiveId" clId="{0B3DB415-368A-4086-AC28-02713D578A9A}" dt="2024-07-16T23:27:58.291" v="10" actId="20577"/>
-          <ac:spMkLst>
-            <pc:docMk/>
-            <pc:sldMk cId="1353340343" sldId="256"/>
-            <ac:spMk id="2" creationId="{A486B46F-918C-F7C8-4C80-F9CDC58D35B3}"/>
-          </ac:spMkLst>
-        </pc:spChg>
-        <pc:picChg chg="add del">
-          <ac:chgData name="Alberto Petillo" userId="dd35f5627cdd12a4" providerId="LiveId" clId="{0B3DB415-368A-4086-AC28-02713D578A9A}" dt="2024-07-16T23:27:58.494" v="11" actId="478"/>
-          <ac:picMkLst>
-            <pc:docMk/>
-            <pc:sldMk cId="1353340343" sldId="256"/>
-            <ac:picMk id="8" creationId="{501D5C93-2E23-554F-8DA7-EA50F7ED4574}"/>
-          </ac:picMkLst>
-        </pc:picChg>
-        <pc:picChg chg="add del">
-          <ac:chgData name="Alberto Petillo" userId="dd35f5627cdd12a4" providerId="LiveId" clId="{0B3DB415-368A-4086-AC28-02713D578A9A}" dt="2024-07-16T23:27:59.011" v="12" actId="478"/>
-          <ac:picMkLst>
-            <pc:docMk/>
-            <pc:sldMk cId="1353340343" sldId="256"/>
-            <ac:picMk id="10" creationId="{8F509758-911F-DD16-C67F-D2936B0393B5}"/>
-          </ac:picMkLst>
-        </pc:picChg>
-      </pc:sldChg>
-    </pc:docChg>
-  </pc:docChgLst>
-  <pc:docChgLst>
-    <pc:chgData name="Alberto Petillo" userId="dd35f5627cdd12a4" providerId="LiveId" clId="{80F707BF-F180-41AA-AB1F-EBE8ACAFAFE1}"/>
-    <pc:docChg chg="undo redo custSel addSld delSld modSld">
-      <pc:chgData name="Alberto Petillo" userId="dd35f5627cdd12a4" providerId="LiveId" clId="{80F707BF-F180-41AA-AB1F-EBE8ACAFAFE1}" dt="2024-07-10T10:54:21.172" v="4501" actId="20577"/>
-      <pc:docMkLst>
-        <pc:docMk/>
-      </pc:docMkLst>
-      <pc:sldChg chg="modSp mod">
-        <pc:chgData name="Alberto Petillo" userId="dd35f5627cdd12a4" providerId="LiveId" clId="{80F707BF-F180-41AA-AB1F-EBE8ACAFAFE1}" dt="2024-07-09T13:01:56.755" v="25" actId="14100"/>
-        <pc:sldMkLst>
-          <pc:docMk/>
-          <pc:sldMk cId="1353340343" sldId="256"/>
-        </pc:sldMkLst>
-        <pc:spChg chg="mod">
-          <ac:chgData name="Alberto Petillo" userId="dd35f5627cdd12a4" providerId="LiveId" clId="{80F707BF-F180-41AA-AB1F-EBE8ACAFAFE1}" dt="2024-07-09T13:00:32.301" v="21" actId="14100"/>
-          <ac:spMkLst>
-            <pc:docMk/>
-            <pc:sldMk cId="1353340343" sldId="256"/>
-            <ac:spMk id="2" creationId="{A486B46F-918C-F7C8-4C80-F9CDC58D35B3}"/>
-          </ac:spMkLst>
-        </pc:spChg>
-        <pc:picChg chg="mod">
-          <ac:chgData name="Alberto Petillo" userId="dd35f5627cdd12a4" providerId="LiveId" clId="{80F707BF-F180-41AA-AB1F-EBE8ACAFAFE1}" dt="2024-07-09T13:01:48.900" v="24" actId="1076"/>
-          <ac:picMkLst>
-            <pc:docMk/>
-            <pc:sldMk cId="1353340343" sldId="256"/>
-            <ac:picMk id="8" creationId="{501D5C93-2E23-554F-8DA7-EA50F7ED4574}"/>
-          </ac:picMkLst>
-        </pc:picChg>
-        <pc:picChg chg="mod">
-          <ac:chgData name="Alberto Petillo" userId="dd35f5627cdd12a4" providerId="LiveId" clId="{80F707BF-F180-41AA-AB1F-EBE8ACAFAFE1}" dt="2024-07-09T13:01:56.755" v="25" actId="14100"/>
-          <ac:picMkLst>
-            <pc:docMk/>
-            <pc:sldMk cId="1353340343" sldId="256"/>
-            <ac:picMk id="10" creationId="{8F509758-911F-DD16-C67F-D2936B0393B5}"/>
-          </ac:picMkLst>
-        </pc:picChg>
-      </pc:sldChg>
-      <pc:sldChg chg="modSp mod">
-        <pc:chgData name="Alberto Petillo" userId="dd35f5627cdd12a4" providerId="LiveId" clId="{80F707BF-F180-41AA-AB1F-EBE8ACAFAFE1}" dt="2024-07-09T13:49:45.371" v="1501" actId="123"/>
-        <pc:sldMkLst>
-          <pc:docMk/>
-          <pc:sldMk cId="4282777845" sldId="257"/>
-        </pc:sldMkLst>
-        <pc:spChg chg="mod">
-          <ac:chgData name="Alberto Petillo" userId="dd35f5627cdd12a4" providerId="LiveId" clId="{80F707BF-F180-41AA-AB1F-EBE8ACAFAFE1}" dt="2024-07-09T13:49:45.371" v="1501" actId="123"/>
-          <ac:spMkLst>
-            <pc:docMk/>
-            <pc:sldMk cId="4282777845" sldId="257"/>
-            <ac:spMk id="3" creationId="{1F48F4C7-40E7-FCC0-C281-8918CEEBF74D}"/>
-          </ac:spMkLst>
-        </pc:spChg>
-        <pc:picChg chg="mod">
-          <ac:chgData name="Alberto Petillo" userId="dd35f5627cdd12a4" providerId="LiveId" clId="{80F707BF-F180-41AA-AB1F-EBE8ACAFAFE1}" dt="2024-07-09T13:14:18.921" v="367" actId="1076"/>
-          <ac:picMkLst>
-            <pc:docMk/>
-            <pc:sldMk cId="4282777845" sldId="257"/>
-            <ac:picMk id="7" creationId="{448FB7F0-3C8E-48C5-70CF-C38C7F9F6C44}"/>
-          </ac:picMkLst>
-        </pc:picChg>
-      </pc:sldChg>
-      <pc:sldChg chg="modSp mod">
-        <pc:chgData name="Alberto Petillo" userId="dd35f5627cdd12a4" providerId="LiveId" clId="{80F707BF-F180-41AA-AB1F-EBE8ACAFAFE1}" dt="2024-07-09T15:06:50.929" v="3261" actId="14826"/>
-        <pc:sldMkLst>
-          <pc:docMk/>
-          <pc:sldMk cId="873735008" sldId="260"/>
-        </pc:sldMkLst>
-        <pc:spChg chg="mod">
-          <ac:chgData name="Alberto Petillo" userId="dd35f5627cdd12a4" providerId="LiveId" clId="{80F707BF-F180-41AA-AB1F-EBE8ACAFAFE1}" dt="2024-07-09T13:50:54.118" v="1516" actId="20577"/>
-          <ac:spMkLst>
-            <pc:docMk/>
-            <pc:sldMk cId="873735008" sldId="260"/>
-            <ac:spMk id="9" creationId="{36D428A2-8A4C-CE49-3A5E-CBB40FD872D0}"/>
-          </ac:spMkLst>
-        </pc:spChg>
-        <pc:spChg chg="mod">
-          <ac:chgData name="Alberto Petillo" userId="dd35f5627cdd12a4" providerId="LiveId" clId="{80F707BF-F180-41AA-AB1F-EBE8ACAFAFE1}" dt="2024-07-09T13:50:57.624" v="1519" actId="20577"/>
-          <ac:spMkLst>
-            <pc:docMk/>
-            <pc:sldMk cId="873735008" sldId="260"/>
-            <ac:spMk id="11" creationId="{4475F6FD-2463-ADB6-EA34-015DC7CAF8F3}"/>
-          </ac:spMkLst>
-        </pc:spChg>
-        <pc:spChg chg="mod">
-          <ac:chgData name="Alberto Petillo" userId="dd35f5627cdd12a4" providerId="LiveId" clId="{80F707BF-F180-41AA-AB1F-EBE8ACAFAFE1}" dt="2024-07-09T13:51:01.140" v="1525" actId="20577"/>
-          <ac:spMkLst>
-            <pc:docMk/>
-            <pc:sldMk cId="873735008" sldId="260"/>
-            <ac:spMk id="13" creationId="{5A76815C-F29C-1CC0-1984-5145B3A91550}"/>
-          </ac:spMkLst>
-        </pc:spChg>
-        <pc:spChg chg="mod">
-          <ac:chgData name="Alberto Petillo" userId="dd35f5627cdd12a4" providerId="LiveId" clId="{80F707BF-F180-41AA-AB1F-EBE8ACAFAFE1}" dt="2024-07-09T13:51:07.520" v="1537" actId="313"/>
-          <ac:spMkLst>
-            <pc:docMk/>
-            <pc:sldMk cId="873735008" sldId="260"/>
-            <ac:spMk id="15" creationId="{AB43B3C9-79FB-529A-FE28-B875E462B044}"/>
-          </ac:spMkLst>
-        </pc:spChg>
-        <pc:picChg chg="mod">
-          <ac:chgData name="Alberto Petillo" userId="dd35f5627cdd12a4" providerId="LiveId" clId="{80F707BF-F180-41AA-AB1F-EBE8ACAFAFE1}" dt="2024-07-09T15:06:50.929" v="3261" actId="14826"/>
-          <ac:picMkLst>
-            <pc:docMk/>
-            <pc:sldMk cId="873735008" sldId="260"/>
-            <ac:picMk id="36" creationId="{36315388-C7A8-C316-F71A-E27A7975FD71}"/>
-          </ac:picMkLst>
-        </pc:picChg>
-      </pc:sldChg>
-      <pc:sldChg chg="addSp delSp modSp mod">
-        <pc:chgData name="Alberto Petillo" userId="dd35f5627cdd12a4" providerId="LiveId" clId="{80F707BF-F180-41AA-AB1F-EBE8ACAFAFE1}" dt="2024-07-09T19:59:11.900" v="3415" actId="14100"/>
-        <pc:sldMkLst>
-          <pc:docMk/>
-          <pc:sldMk cId="2717282040" sldId="261"/>
-        </pc:sldMkLst>
-        <pc:spChg chg="add mod">
-          <ac:chgData name="Alberto Petillo" userId="dd35f5627cdd12a4" providerId="LiveId" clId="{80F707BF-F180-41AA-AB1F-EBE8ACAFAFE1}" dt="2024-07-09T15:28:57.309" v="3315" actId="1076"/>
-          <ac:spMkLst>
-            <pc:docMk/>
-            <pc:sldMk cId="2717282040" sldId="261"/>
-            <ac:spMk id="15" creationId="{E3E3DB95-9824-D85F-8C59-8C6ADA213809}"/>
-          </ac:spMkLst>
-        </pc:spChg>
-        <pc:spChg chg="add mod">
-          <ac:chgData name="Alberto Petillo" userId="dd35f5627cdd12a4" providerId="LiveId" clId="{80F707BF-F180-41AA-AB1F-EBE8ACAFAFE1}" dt="2024-07-09T15:33:37.178" v="3342" actId="1076"/>
-          <ac:spMkLst>
-            <pc:docMk/>
-            <pc:sldMk cId="2717282040" sldId="261"/>
-            <ac:spMk id="25" creationId="{52991539-AD64-265A-A35E-607540F6B80D}"/>
-          </ac:spMkLst>
-        </pc:spChg>
-        <pc:spChg chg="add mod">
-          <ac:chgData name="Alberto Petillo" userId="dd35f5627cdd12a4" providerId="LiveId" clId="{80F707BF-F180-41AA-AB1F-EBE8ACAFAFE1}" dt="2024-07-09T15:34:05.395" v="3359" actId="14100"/>
-          <ac:spMkLst>
-            <pc:docMk/>
-            <pc:sldMk cId="2717282040" sldId="261"/>
-            <ac:spMk id="26" creationId="{B5B4A5FC-3F28-6F74-A21E-425659F8439F}"/>
-          </ac:spMkLst>
-        </pc:spChg>
-        <pc:spChg chg="add mod">
-          <ac:chgData name="Alberto Petillo" userId="dd35f5627cdd12a4" providerId="LiveId" clId="{80F707BF-F180-41AA-AB1F-EBE8ACAFAFE1}" dt="2024-07-09T15:34:16.965" v="3366" actId="1076"/>
-          <ac:spMkLst>
-            <pc:docMk/>
-            <pc:sldMk cId="2717282040" sldId="261"/>
-            <ac:spMk id="28" creationId="{1DE6F09F-57FB-F43A-10A3-EABAB609014E}"/>
-          </ac:spMkLst>
-        </pc:spChg>
-        <pc:spChg chg="add mod">
-          <ac:chgData name="Alberto Petillo" userId="dd35f5627cdd12a4" providerId="LiveId" clId="{80F707BF-F180-41AA-AB1F-EBE8ACAFAFE1}" dt="2024-07-09T14:26:48.437" v="3031" actId="1076"/>
-          <ac:spMkLst>
-            <pc:docMk/>
-            <pc:sldMk cId="2717282040" sldId="261"/>
-            <ac:spMk id="31" creationId="{D6A9520F-76B7-0898-5F1D-654D3AA2E6B4}"/>
-          </ac:spMkLst>
-        </pc:spChg>
-        <pc:spChg chg="add mod">
-          <ac:chgData name="Alberto Petillo" userId="dd35f5627cdd12a4" providerId="LiveId" clId="{80F707BF-F180-41AA-AB1F-EBE8ACAFAFE1}" dt="2024-07-09T14:32:42.561" v="3169" actId="207"/>
-          <ac:spMkLst>
-            <pc:docMk/>
-            <pc:sldMk cId="2717282040" sldId="261"/>
-            <ac:spMk id="32" creationId="{48824D27-8F9D-356A-0BE6-6AACC80C5F40}"/>
-          </ac:spMkLst>
-        </pc:spChg>
-        <pc:spChg chg="add mod">
-          <ac:chgData name="Alberto Petillo" userId="dd35f5627cdd12a4" providerId="LiveId" clId="{80F707BF-F180-41AA-AB1F-EBE8ACAFAFE1}" dt="2024-07-09T14:32:46.537" v="3170" actId="207"/>
-          <ac:spMkLst>
-            <pc:docMk/>
-            <pc:sldMk cId="2717282040" sldId="261"/>
-            <ac:spMk id="33" creationId="{FC5664F6-CE4A-8C14-3695-CAAAC600187C}"/>
-          </ac:spMkLst>
-        </pc:spChg>
-        <pc:spChg chg="add mod">
-          <ac:chgData name="Alberto Petillo" userId="dd35f5627cdd12a4" providerId="LiveId" clId="{80F707BF-F180-41AA-AB1F-EBE8ACAFAFE1}" dt="2024-07-09T14:28:40.726" v="3086" actId="1076"/>
-          <ac:spMkLst>
-            <pc:docMk/>
-            <pc:sldMk cId="2717282040" sldId="261"/>
-            <ac:spMk id="37" creationId="{105C7653-9F88-F5DA-E53D-13B07F585539}"/>
-          </ac:spMkLst>
-        </pc:spChg>
-        <pc:spChg chg="add mod">
-          <ac:chgData name="Alberto Petillo" userId="dd35f5627cdd12a4" providerId="LiveId" clId="{80F707BF-F180-41AA-AB1F-EBE8ACAFAFE1}" dt="2024-07-09T14:29:36.873" v="3121" actId="1076"/>
-          <ac:spMkLst>
-            <pc:docMk/>
-            <pc:sldMk cId="2717282040" sldId="261"/>
-            <ac:spMk id="38" creationId="{0EEBA6B3-911E-29E6-7AB9-7A780E140C35}"/>
-          </ac:spMkLst>
-        </pc:spChg>
-        <pc:spChg chg="add mod">
-          <ac:chgData name="Alberto Petillo" userId="dd35f5627cdd12a4" providerId="LiveId" clId="{80F707BF-F180-41AA-AB1F-EBE8ACAFAFE1}" dt="2024-07-09T14:31:46.668" v="3166" actId="1076"/>
-          <ac:spMkLst>
-            <pc:docMk/>
-            <pc:sldMk cId="2717282040" sldId="261"/>
-            <ac:spMk id="40" creationId="{29EFD983-963E-0FED-6F58-0E863BE3DA07}"/>
-          </ac:spMkLst>
-        </pc:spChg>
-        <pc:spChg chg="add del mod">
-          <ac:chgData name="Alberto Petillo" userId="dd35f5627cdd12a4" providerId="LiveId" clId="{80F707BF-F180-41AA-AB1F-EBE8ACAFAFE1}" dt="2024-07-09T14:30:16.459" v="3138" actId="478"/>
-          <ac:spMkLst>
-            <pc:docMk/>
-            <pc:sldMk cId="2717282040" sldId="261"/>
-            <ac:spMk id="41" creationId="{49715891-841E-C4C7-B4A6-1E5F5E44A6E3}"/>
-          </ac:spMkLst>
-        </pc:spChg>
-        <pc:spChg chg="add del">
-          <ac:chgData name="Alberto Petillo" userId="dd35f5627cdd12a4" providerId="LiveId" clId="{80F707BF-F180-41AA-AB1F-EBE8ACAFAFE1}" dt="2024-07-09T14:30:24.077" v="3142" actId="22"/>
-          <ac:spMkLst>
-            <pc:docMk/>
-            <pc:sldMk cId="2717282040" sldId="261"/>
-            <ac:spMk id="43" creationId="{46188528-694F-321B-3097-68D919059E4A}"/>
-          </ac:spMkLst>
-        </pc:spChg>
-        <pc:spChg chg="add mod">
-          <ac:chgData name="Alberto Petillo" userId="dd35f5627cdd12a4" providerId="LiveId" clId="{80F707BF-F180-41AA-AB1F-EBE8ACAFAFE1}" dt="2024-07-09T14:31:29.898" v="3165" actId="1076"/>
-          <ac:spMkLst>
-            <pc:docMk/>
-            <pc:sldMk cId="2717282040" sldId="261"/>
-            <ac:spMk id="45" creationId="{8C559D4D-AE03-2296-34C8-A1F1C7D3FEB3}"/>
-          </ac:spMkLst>
-        </pc:spChg>
-        <pc:spChg chg="add mod">
-          <ac:chgData name="Alberto Petillo" userId="dd35f5627cdd12a4" providerId="LiveId" clId="{80F707BF-F180-41AA-AB1F-EBE8ACAFAFE1}" dt="2024-07-09T14:32:49.541" v="3171" actId="207"/>
-          <ac:spMkLst>
-            <pc:docMk/>
-            <pc:sldMk cId="2717282040" sldId="261"/>
-            <ac:spMk id="47" creationId="{FD6DBE6E-C5EC-AE5E-E08A-89743B507A49}"/>
-          </ac:spMkLst>
-        </pc:spChg>
-        <pc:spChg chg="add mod">
-          <ac:chgData name="Alberto Petillo" userId="dd35f5627cdd12a4" providerId="LiveId" clId="{80F707BF-F180-41AA-AB1F-EBE8ACAFAFE1}" dt="2024-07-09T14:34:22.521" v="3201" actId="207"/>
-          <ac:spMkLst>
-            <pc:docMk/>
-            <pc:sldMk cId="2717282040" sldId="261"/>
-            <ac:spMk id="48" creationId="{6DF97E3D-7038-5C7E-671F-1D58C5974778}"/>
-          </ac:spMkLst>
-        </pc:spChg>
-        <pc:spChg chg="add mod">
-          <ac:chgData name="Alberto Petillo" userId="dd35f5627cdd12a4" providerId="LiveId" clId="{80F707BF-F180-41AA-AB1F-EBE8ACAFAFE1}" dt="2024-07-09T14:34:54.835" v="3225" actId="1076"/>
-          <ac:spMkLst>
-            <pc:docMk/>
-            <pc:sldMk cId="2717282040" sldId="261"/>
-            <ac:spMk id="50" creationId="{52777C97-3C85-553A-28F7-FDD3B98E4AE5}"/>
-          </ac:spMkLst>
-        </pc:spChg>
-        <pc:spChg chg="add mod">
-          <ac:chgData name="Alberto Petillo" userId="dd35f5627cdd12a4" providerId="LiveId" clId="{80F707BF-F180-41AA-AB1F-EBE8ACAFAFE1}" dt="2024-07-09T14:35:00.618" v="3226" actId="1076"/>
-          <ac:spMkLst>
-            <pc:docMk/>
-            <pc:sldMk cId="2717282040" sldId="261"/>
-            <ac:spMk id="51" creationId="{2E6B065F-8170-2388-0C0F-3855F2A934D9}"/>
-          </ac:spMkLst>
-        </pc:spChg>
-        <pc:spChg chg="add del mod">
-          <ac:chgData name="Alberto Petillo" userId="dd35f5627cdd12a4" providerId="LiveId" clId="{80F707BF-F180-41AA-AB1F-EBE8ACAFAFE1}" dt="2024-07-09T19:59:11.900" v="3415" actId="14100"/>
-          <ac:spMkLst>
-            <pc:docMk/>
-            <pc:sldMk cId="2717282040" sldId="261"/>
-            <ac:spMk id="52" creationId="{55689D89-3665-6CAB-2059-618ABF98A86B}"/>
-          </ac:spMkLst>
-        </pc:spChg>
-        <pc:picChg chg="add mod">
-          <ac:chgData name="Alberto Petillo" userId="dd35f5627cdd12a4" providerId="LiveId" clId="{80F707BF-F180-41AA-AB1F-EBE8ACAFAFE1}" dt="2024-07-09T14:21:52.365" v="2932" actId="1076"/>
-          <ac:picMkLst>
-            <pc:docMk/>
-            <pc:sldMk cId="2717282040" sldId="261"/>
-            <ac:picMk id="3" creationId="{24986B83-923E-3773-3551-21A3DBF171E5}"/>
-          </ac:picMkLst>
-        </pc:picChg>
-        <pc:picChg chg="add mod">
-          <ac:chgData name="Alberto Petillo" userId="dd35f5627cdd12a4" providerId="LiveId" clId="{80F707BF-F180-41AA-AB1F-EBE8ACAFAFE1}" dt="2024-07-09T14:20:34.106" v="2917" actId="1076"/>
-          <ac:picMkLst>
-            <pc:docMk/>
-            <pc:sldMk cId="2717282040" sldId="261"/>
-            <ac:picMk id="6" creationId="{16744E4C-4D10-070E-8B40-0246DE3E4677}"/>
-          </ac:picMkLst>
-        </pc:picChg>
-        <pc:picChg chg="add mod">
-          <ac:chgData name="Alberto Petillo" userId="dd35f5627cdd12a4" providerId="LiveId" clId="{80F707BF-F180-41AA-AB1F-EBE8ACAFAFE1}" dt="2024-07-09T19:56:52.692" v="3367" actId="14826"/>
-          <ac:picMkLst>
-            <pc:docMk/>
-            <pc:sldMk cId="2717282040" sldId="261"/>
-            <ac:picMk id="8" creationId="{D6EAE19F-891A-7666-B20F-AFD5279FC348}"/>
-          </ac:picMkLst>
-        </pc:picChg>
-        <pc:picChg chg="add mod">
-          <ac:chgData name="Alberto Petillo" userId="dd35f5627cdd12a4" providerId="LiveId" clId="{80F707BF-F180-41AA-AB1F-EBE8ACAFAFE1}" dt="2024-07-09T15:28:19.522" v="3288" actId="1076"/>
-          <ac:picMkLst>
-            <pc:docMk/>
-            <pc:sldMk cId="2717282040" sldId="261"/>
-            <ac:picMk id="9" creationId="{1FE8E761-2F4E-5100-30DC-2DF2DC27E4CD}"/>
-          </ac:picMkLst>
-        </pc:picChg>
-        <pc:picChg chg="del">
-          <ac:chgData name="Alberto Petillo" userId="dd35f5627cdd12a4" providerId="LiveId" clId="{80F707BF-F180-41AA-AB1F-EBE8ACAFAFE1}" dt="2024-07-09T13:35:48.224" v="756" actId="478"/>
-          <ac:picMkLst>
-            <pc:docMk/>
-            <pc:sldMk cId="2717282040" sldId="261"/>
-            <ac:picMk id="10" creationId="{C877B6A6-4B48-3A92-058C-E0817EF20BA1}"/>
-          </ac:picMkLst>
-        </pc:picChg>
-        <pc:picChg chg="add del mod">
-          <ac:chgData name="Alberto Petillo" userId="dd35f5627cdd12a4" providerId="LiveId" clId="{80F707BF-F180-41AA-AB1F-EBE8ACAFAFE1}" dt="2024-07-09T14:20:48.006" v="2922" actId="478"/>
-          <ac:picMkLst>
-            <pc:docMk/>
-            <pc:sldMk cId="2717282040" sldId="261"/>
-            <ac:picMk id="11" creationId="{DAF4B336-A697-8823-AA7C-5F81BAA62AF8}"/>
-          </ac:picMkLst>
-        </pc:picChg>
-        <pc:picChg chg="add mod">
-          <ac:chgData name="Alberto Petillo" userId="dd35f5627cdd12a4" providerId="LiveId" clId="{80F707BF-F180-41AA-AB1F-EBE8ACAFAFE1}" dt="2024-07-09T15:33:23.251" v="3335" actId="1076"/>
-          <ac:picMkLst>
-            <pc:docMk/>
-            <pc:sldMk cId="2717282040" sldId="261"/>
-            <ac:picMk id="21" creationId="{12026642-04C9-F107-1554-8D536AA1E4CC}"/>
-          </ac:picMkLst>
-        </pc:picChg>
-        <pc:picChg chg="del mod">
-          <ac:chgData name="Alberto Petillo" userId="dd35f5627cdd12a4" providerId="LiveId" clId="{80F707BF-F180-41AA-AB1F-EBE8ACAFAFE1}" dt="2024-07-09T14:32:01.238" v="3168" actId="478"/>
-          <ac:picMkLst>
-            <pc:docMk/>
-            <pc:sldMk cId="2717282040" sldId="261"/>
-            <ac:picMk id="36" creationId="{36315388-C7A8-C316-F71A-E27A7975FD71}"/>
-          </ac:picMkLst>
-        </pc:picChg>
-        <pc:picChg chg="add mod">
-          <ac:chgData name="Alberto Petillo" userId="dd35f5627cdd12a4" providerId="LiveId" clId="{80F707BF-F180-41AA-AB1F-EBE8ACAFAFE1}" dt="2024-07-09T14:21:23.234" v="2928" actId="1076"/>
-          <ac:picMkLst>
-            <pc:docMk/>
-            <pc:sldMk cId="2717282040" sldId="261"/>
-            <ac:picMk id="1026" creationId="{9A0DA9DC-0730-83FC-1F81-1FC298BB807C}"/>
-          </ac:picMkLst>
-        </pc:picChg>
-        <pc:picChg chg="add del">
-          <ac:chgData name="Alberto Petillo" userId="dd35f5627cdd12a4" providerId="LiveId" clId="{80F707BF-F180-41AA-AB1F-EBE8ACAFAFE1}" dt="2024-07-09T15:28:25.252" v="3290" actId="478"/>
-          <ac:picMkLst>
-            <pc:docMk/>
-            <pc:sldMk cId="2717282040" sldId="261"/>
-            <ac:picMk id="1028" creationId="{7999872D-B1C7-728D-9B58-26EAA6429BE4}"/>
-          </ac:picMkLst>
-        </pc:picChg>
-        <pc:cxnChg chg="add mod">
-          <ac:chgData name="Alberto Petillo" userId="dd35f5627cdd12a4" providerId="LiveId" clId="{80F707BF-F180-41AA-AB1F-EBE8ACAFAFE1}" dt="2024-07-09T15:28:19.522" v="3288" actId="1076"/>
-          <ac:cxnSpMkLst>
-            <pc:docMk/>
-            <pc:sldMk cId="2717282040" sldId="261"/>
-            <ac:cxnSpMk id="2" creationId="{4675FCFC-C9F4-3E17-FA11-4088E26A8DF8}"/>
-          </ac:cxnSpMkLst>
-        </pc:cxnChg>
-        <pc:cxnChg chg="add mod">
-          <ac:chgData name="Alberto Petillo" userId="dd35f5627cdd12a4" providerId="LiveId" clId="{80F707BF-F180-41AA-AB1F-EBE8ACAFAFE1}" dt="2024-07-09T14:25:09.105" v="2969" actId="692"/>
-          <ac:cxnSpMkLst>
-            <pc:docMk/>
-            <pc:sldMk cId="2717282040" sldId="261"/>
-            <ac:cxnSpMk id="13" creationId="{440BD6E9-1ADC-C8C7-CDC9-D3D12E1B523F}"/>
-          </ac:cxnSpMkLst>
-        </pc:cxnChg>
-        <pc:cxnChg chg="add mod">
-          <ac:chgData name="Alberto Petillo" userId="dd35f5627cdd12a4" providerId="LiveId" clId="{80F707BF-F180-41AA-AB1F-EBE8ACAFAFE1}" dt="2024-07-09T14:28:05.574" v="3076" actId="1076"/>
-          <ac:cxnSpMkLst>
-            <pc:docMk/>
-            <pc:sldMk cId="2717282040" sldId="261"/>
-            <ac:cxnSpMk id="16" creationId="{4165FECF-2463-3CD3-20EB-AF7016743DAE}"/>
-          </ac:cxnSpMkLst>
-        </pc:cxnChg>
-        <pc:cxnChg chg="add mod">
-          <ac:chgData name="Alberto Petillo" userId="dd35f5627cdd12a4" providerId="LiveId" clId="{80F707BF-F180-41AA-AB1F-EBE8ACAFAFE1}" dt="2024-07-09T15:33:23.251" v="3335" actId="1076"/>
-          <ac:cxnSpMkLst>
-            <pc:docMk/>
-            <pc:sldMk cId="2717282040" sldId="261"/>
-            <ac:cxnSpMk id="17" creationId="{FA69C446-7F58-531B-7F5B-28002A205049}"/>
-          </ac:cxnSpMkLst>
-        </pc:cxnChg>
-        <pc:cxnChg chg="add del mod">
-          <ac:chgData name="Alberto Petillo" userId="dd35f5627cdd12a4" providerId="LiveId" clId="{80F707BF-F180-41AA-AB1F-EBE8ACAFAFE1}" dt="2024-07-09T14:22:56.115" v="2942" actId="478"/>
-          <ac:cxnSpMkLst>
-            <pc:docMk/>
-            <pc:sldMk cId="2717282040" sldId="261"/>
-            <ac:cxnSpMk id="23" creationId="{155C9397-2B0A-BF86-7749-C31297043372}"/>
-          </ac:cxnSpMkLst>
-        </pc:cxnChg>
-        <pc:cxnChg chg="add mod">
-          <ac:chgData name="Alberto Petillo" userId="dd35f5627cdd12a4" providerId="LiveId" clId="{80F707BF-F180-41AA-AB1F-EBE8ACAFAFE1}" dt="2024-07-09T14:28:52.483" v="3088" actId="1076"/>
-          <ac:cxnSpMkLst>
-            <pc:docMk/>
-            <pc:sldMk cId="2717282040" sldId="261"/>
-            <ac:cxnSpMk id="27" creationId="{07D10BD3-6157-731B-334D-A7B004E22BFE}"/>
-          </ac:cxnSpMkLst>
-        </pc:cxnChg>
-        <pc:cxnChg chg="add mod">
-          <ac:chgData name="Alberto Petillo" userId="dd35f5627cdd12a4" providerId="LiveId" clId="{80F707BF-F180-41AA-AB1F-EBE8ACAFAFE1}" dt="2024-07-09T14:29:48.707" v="3122" actId="1076"/>
-          <ac:cxnSpMkLst>
-            <pc:docMk/>
-            <pc:sldMk cId="2717282040" sldId="261"/>
-            <ac:cxnSpMk id="30" creationId="{C7CAA3A0-752F-A787-453B-5BCC28887461}"/>
-          </ac:cxnSpMkLst>
-        </pc:cxnChg>
-        <pc:cxnChg chg="add mod">
-          <ac:chgData name="Alberto Petillo" userId="dd35f5627cdd12a4" providerId="LiveId" clId="{80F707BF-F180-41AA-AB1F-EBE8ACAFAFE1}" dt="2024-07-09T14:29:56.296" v="3124" actId="1076"/>
-          <ac:cxnSpMkLst>
-            <pc:docMk/>
-            <pc:sldMk cId="2717282040" sldId="261"/>
-            <ac:cxnSpMk id="39" creationId="{7890BC5B-EDDE-C947-C7C3-2FED7BFB00D4}"/>
-          </ac:cxnSpMkLst>
-        </pc:cxnChg>
-      </pc:sldChg>
-      <pc:sldChg chg="modSp mod">
-        <pc:chgData name="Alberto Petillo" userId="dd35f5627cdd12a4" providerId="LiveId" clId="{80F707BF-F180-41AA-AB1F-EBE8ACAFAFE1}" dt="2024-07-09T15:07:14.195" v="3263" actId="14826"/>
-        <pc:sldMkLst>
-          <pc:docMk/>
-          <pc:sldMk cId="2262218340" sldId="262"/>
-        </pc:sldMkLst>
-        <pc:spChg chg="mod">
-          <ac:chgData name="Alberto Petillo" userId="dd35f5627cdd12a4" providerId="LiveId" clId="{80F707BF-F180-41AA-AB1F-EBE8ACAFAFE1}" dt="2024-07-09T13:52:17.797" v="1588" actId="20577"/>
-          <ac:spMkLst>
-            <pc:docMk/>
-            <pc:sldMk cId="2262218340" sldId="262"/>
-            <ac:spMk id="9" creationId="{36D428A2-8A4C-CE49-3A5E-CBB40FD872D0}"/>
-          </ac:spMkLst>
-        </pc:spChg>
-        <pc:spChg chg="mod">
-          <ac:chgData name="Alberto Petillo" userId="dd35f5627cdd12a4" providerId="LiveId" clId="{80F707BF-F180-41AA-AB1F-EBE8ACAFAFE1}" dt="2024-07-09T13:52:21.865" v="1591" actId="20577"/>
-          <ac:spMkLst>
-            <pc:docMk/>
-            <pc:sldMk cId="2262218340" sldId="262"/>
-            <ac:spMk id="11" creationId="{4475F6FD-2463-ADB6-EA34-015DC7CAF8F3}"/>
-          </ac:spMkLst>
-        </pc:spChg>
-        <pc:spChg chg="mod">
-          <ac:chgData name="Alberto Petillo" userId="dd35f5627cdd12a4" providerId="LiveId" clId="{80F707BF-F180-41AA-AB1F-EBE8ACAFAFE1}" dt="2024-07-09T13:52:26.382" v="1597" actId="20577"/>
-          <ac:spMkLst>
-            <pc:docMk/>
-            <pc:sldMk cId="2262218340" sldId="262"/>
-            <ac:spMk id="13" creationId="{5A76815C-F29C-1CC0-1984-5145B3A91550}"/>
-          </ac:spMkLst>
-        </pc:spChg>
-        <pc:spChg chg="mod">
-          <ac:chgData name="Alberto Petillo" userId="dd35f5627cdd12a4" providerId="LiveId" clId="{80F707BF-F180-41AA-AB1F-EBE8ACAFAFE1}" dt="2024-07-09T13:52:33.778" v="1613" actId="313"/>
-          <ac:spMkLst>
-            <pc:docMk/>
-            <pc:sldMk cId="2262218340" sldId="262"/>
-            <ac:spMk id="15" creationId="{AB43B3C9-79FB-529A-FE28-B875E462B044}"/>
-          </ac:spMkLst>
-        </pc:spChg>
-        <pc:picChg chg="mod">
-          <ac:chgData name="Alberto Petillo" userId="dd35f5627cdd12a4" providerId="LiveId" clId="{80F707BF-F180-41AA-AB1F-EBE8ACAFAFE1}" dt="2024-07-09T15:07:14.195" v="3263" actId="14826"/>
-          <ac:picMkLst>
-            <pc:docMk/>
-            <pc:sldMk cId="2262218340" sldId="262"/>
-            <ac:picMk id="36" creationId="{36315388-C7A8-C316-F71A-E27A7975FD71}"/>
-          </ac:picMkLst>
-        </pc:picChg>
-      </pc:sldChg>
-      <pc:sldChg chg="modSp mod">
-        <pc:chgData name="Alberto Petillo" userId="dd35f5627cdd12a4" providerId="LiveId" clId="{80F707BF-F180-41AA-AB1F-EBE8ACAFAFE1}" dt="2024-07-09T20:00:17.112" v="3481" actId="20577"/>
-        <pc:sldMkLst>
-          <pc:docMk/>
-          <pc:sldMk cId="1762465598" sldId="263"/>
-        </pc:sldMkLst>
-        <pc:spChg chg="mod">
-          <ac:chgData name="Alberto Petillo" userId="dd35f5627cdd12a4" providerId="LiveId" clId="{80F707BF-F180-41AA-AB1F-EBE8ACAFAFE1}" dt="2024-07-09T20:00:17.112" v="3481" actId="20577"/>
-          <ac:spMkLst>
-            <pc:docMk/>
-            <pc:sldMk cId="1762465598" sldId="263"/>
-            <ac:spMk id="3" creationId="{4183AB8D-563B-D207-2DB6-2B7EEBACAE59}"/>
-          </ac:spMkLst>
-        </pc:spChg>
-        <pc:picChg chg="mod">
-          <ac:chgData name="Alberto Petillo" userId="dd35f5627cdd12a4" providerId="LiveId" clId="{80F707BF-F180-41AA-AB1F-EBE8ACAFAFE1}" dt="2024-07-09T15:07:23.898" v="3264" actId="14826"/>
-          <ac:picMkLst>
-            <pc:docMk/>
-            <pc:sldMk cId="1762465598" sldId="263"/>
-            <ac:picMk id="36" creationId="{36315388-C7A8-C316-F71A-E27A7975FD71}"/>
-          </ac:picMkLst>
-        </pc:picChg>
-      </pc:sldChg>
-      <pc:sldChg chg="modSp mod">
-        <pc:chgData name="Alberto Petillo" userId="dd35f5627cdd12a4" providerId="LiveId" clId="{80F707BF-F180-41AA-AB1F-EBE8ACAFAFE1}" dt="2024-07-09T15:07:38.463" v="3266" actId="14826"/>
-        <pc:sldMkLst>
-          <pc:docMk/>
-          <pc:sldMk cId="3596977676" sldId="264"/>
-        </pc:sldMkLst>
-        <pc:spChg chg="mod">
-          <ac:chgData name="Alberto Petillo" userId="dd35f5627cdd12a4" providerId="LiveId" clId="{80F707BF-F180-41AA-AB1F-EBE8ACAFAFE1}" dt="2024-07-09T13:21:25.276" v="404" actId="20577"/>
-          <ac:spMkLst>
-            <pc:docMk/>
-            <pc:sldMk cId="3596977676" sldId="264"/>
-            <ac:spMk id="9" creationId="{36D428A2-8A4C-CE49-3A5E-CBB40FD872D0}"/>
-          </ac:spMkLst>
-        </pc:spChg>
-        <pc:spChg chg="mod">
-          <ac:chgData name="Alberto Petillo" userId="dd35f5627cdd12a4" providerId="LiveId" clId="{80F707BF-F180-41AA-AB1F-EBE8ACAFAFE1}" dt="2024-07-09T13:21:38.108" v="407" actId="20577"/>
-          <ac:spMkLst>
-            <pc:docMk/>
-            <pc:sldMk cId="3596977676" sldId="264"/>
-            <ac:spMk id="11" creationId="{4475F6FD-2463-ADB6-EA34-015DC7CAF8F3}"/>
-          </ac:spMkLst>
-        </pc:spChg>
-        <pc:spChg chg="mod">
-          <ac:chgData name="Alberto Petillo" userId="dd35f5627cdd12a4" providerId="LiveId" clId="{80F707BF-F180-41AA-AB1F-EBE8ACAFAFE1}" dt="2024-07-09T13:21:45.569" v="416" actId="20577"/>
-          <ac:spMkLst>
-            <pc:docMk/>
-            <pc:sldMk cId="3596977676" sldId="264"/>
-            <ac:spMk id="13" creationId="{5A76815C-F29C-1CC0-1984-5145B3A91550}"/>
-          </ac:spMkLst>
-        </pc:spChg>
-        <pc:spChg chg="mod">
-          <ac:chgData name="Alberto Petillo" userId="dd35f5627cdd12a4" providerId="LiveId" clId="{80F707BF-F180-41AA-AB1F-EBE8ACAFAFE1}" dt="2024-07-09T13:22:23.330" v="417" actId="20577"/>
-          <ac:spMkLst>
-            <pc:docMk/>
-            <pc:sldMk cId="3596977676" sldId="264"/>
-            <ac:spMk id="15" creationId="{AB43B3C9-79FB-529A-FE28-B875E462B044}"/>
-          </ac:spMkLst>
-        </pc:spChg>
-        <pc:picChg chg="mod">
-          <ac:chgData name="Alberto Petillo" userId="dd35f5627cdd12a4" providerId="LiveId" clId="{80F707BF-F180-41AA-AB1F-EBE8ACAFAFE1}" dt="2024-07-09T15:07:38.463" v="3266" actId="14826"/>
-          <ac:picMkLst>
-            <pc:docMk/>
-            <pc:sldMk cId="3596977676" sldId="264"/>
-            <ac:picMk id="36" creationId="{36315388-C7A8-C316-F71A-E27A7975FD71}"/>
-          </ac:picMkLst>
-        </pc:picChg>
-      </pc:sldChg>
-      <pc:sldChg chg="addSp delSp modSp mod">
-        <pc:chgData name="Alberto Petillo" userId="dd35f5627cdd12a4" providerId="LiveId" clId="{80F707BF-F180-41AA-AB1F-EBE8ACAFAFE1}" dt="2024-07-09T15:07:58.608" v="3267" actId="14826"/>
-        <pc:sldMkLst>
-          <pc:docMk/>
-          <pc:sldMk cId="2664025553" sldId="265"/>
-        </pc:sldMkLst>
-        <pc:spChg chg="mod">
-          <ac:chgData name="Alberto Petillo" userId="dd35f5627cdd12a4" providerId="LiveId" clId="{80F707BF-F180-41AA-AB1F-EBE8ACAFAFE1}" dt="2024-07-09T13:23:11.530" v="428" actId="20577"/>
-          <ac:spMkLst>
-            <pc:docMk/>
-            <pc:sldMk cId="2664025553" sldId="265"/>
-            <ac:spMk id="5" creationId="{F14A83D6-31A8-DD28-D043-F9A554DE18A2}"/>
-          </ac:spMkLst>
-        </pc:spChg>
-        <pc:graphicFrameChg chg="del">
-          <ac:chgData name="Alberto Petillo" userId="dd35f5627cdd12a4" providerId="LiveId" clId="{80F707BF-F180-41AA-AB1F-EBE8ACAFAFE1}" dt="2024-07-09T13:23:22.981" v="429" actId="478"/>
-          <ac:graphicFrameMkLst>
-            <pc:docMk/>
-            <pc:sldMk cId="2664025553" sldId="265"/>
-            <ac:graphicFrameMk id="3" creationId="{69C4DC61-F53C-DB9F-74AE-6895427893BB}"/>
-          </ac:graphicFrameMkLst>
-        </pc:graphicFrameChg>
-        <pc:picChg chg="add mod">
-          <ac:chgData name="Alberto Petillo" userId="dd35f5627cdd12a4" providerId="LiveId" clId="{80F707BF-F180-41AA-AB1F-EBE8ACAFAFE1}" dt="2024-07-09T15:05:35.102" v="3260" actId="14826"/>
-          <ac:picMkLst>
-            <pc:docMk/>
-            <pc:sldMk cId="2664025553" sldId="265"/>
-            <ac:picMk id="4" creationId="{A573CA6D-7F7E-DB25-D160-DB48DDBB92CE}"/>
-          </ac:picMkLst>
-        </pc:picChg>
-        <pc:picChg chg="mod">
-          <ac:chgData name="Alberto Petillo" userId="dd35f5627cdd12a4" providerId="LiveId" clId="{80F707BF-F180-41AA-AB1F-EBE8ACAFAFE1}" dt="2024-07-09T15:07:58.608" v="3267" actId="14826"/>
-          <ac:picMkLst>
-            <pc:docMk/>
-            <pc:sldMk cId="2664025553" sldId="265"/>
-            <ac:picMk id="36" creationId="{36315388-C7A8-C316-F71A-E27A7975FD71}"/>
-          </ac:picMkLst>
-        </pc:picChg>
-      </pc:sldChg>
-      <pc:sldChg chg="delSp modSp del mod">
-        <pc:chgData name="Alberto Petillo" userId="dd35f5627cdd12a4" providerId="LiveId" clId="{80F707BF-F180-41AA-AB1F-EBE8ACAFAFE1}" dt="2024-07-09T13:25:19.453" v="475" actId="2696"/>
-        <pc:sldMkLst>
-          <pc:docMk/>
-          <pc:sldMk cId="1118885839" sldId="266"/>
-        </pc:sldMkLst>
-        <pc:spChg chg="del mod">
-          <ac:chgData name="Alberto Petillo" userId="dd35f5627cdd12a4" providerId="LiveId" clId="{80F707BF-F180-41AA-AB1F-EBE8ACAFAFE1}" dt="2024-07-09T13:24:36.637" v="473"/>
-          <ac:spMkLst>
-            <pc:docMk/>
-            <pc:sldMk cId="1118885839" sldId="266"/>
-            <ac:spMk id="9" creationId="{36D428A2-8A4C-CE49-3A5E-CBB40FD872D0}"/>
-          </ac:spMkLst>
-        </pc:spChg>
-      </pc:sldChg>
-      <pc:sldChg chg="modSp mod">
-        <pc:chgData name="Alberto Petillo" userId="dd35f5627cdd12a4" providerId="LiveId" clId="{80F707BF-F180-41AA-AB1F-EBE8ACAFAFE1}" dt="2024-07-09T20:48:36.791" v="4035" actId="20577"/>
-        <pc:sldMkLst>
-          <pc:docMk/>
-          <pc:sldMk cId="3808001517" sldId="267"/>
-        </pc:sldMkLst>
-        <pc:spChg chg="mod">
-          <ac:chgData name="Alberto Petillo" userId="dd35f5627cdd12a4" providerId="LiveId" clId="{80F707BF-F180-41AA-AB1F-EBE8ACAFAFE1}" dt="2024-07-09T20:48:36.791" v="4035" actId="20577"/>
-          <ac:spMkLst>
-            <pc:docMk/>
-            <pc:sldMk cId="3808001517" sldId="267"/>
-            <ac:spMk id="2" creationId="{C8B23DC9-4A7D-3C23-0A51-792080647F5D}"/>
-          </ac:spMkLst>
-        </pc:spChg>
-        <pc:spChg chg="mod">
-          <ac:chgData name="Alberto Petillo" userId="dd35f5627cdd12a4" providerId="LiveId" clId="{80F707BF-F180-41AA-AB1F-EBE8ACAFAFE1}" dt="2024-07-09T13:25:38.313" v="479" actId="20577"/>
-          <ac:spMkLst>
-            <pc:docMk/>
-            <pc:sldMk cId="3808001517" sldId="267"/>
-            <ac:spMk id="5" creationId="{F14A83D6-31A8-DD28-D043-F9A554DE18A2}"/>
-          </ac:spMkLst>
-        </pc:spChg>
-        <pc:picChg chg="mod">
-          <ac:chgData name="Alberto Petillo" userId="dd35f5627cdd12a4" providerId="LiveId" clId="{80F707BF-F180-41AA-AB1F-EBE8ACAFAFE1}" dt="2024-07-09T15:08:36.474" v="3271" actId="14826"/>
-          <ac:picMkLst>
-            <pc:docMk/>
-            <pc:sldMk cId="3808001517" sldId="267"/>
-            <ac:picMk id="36" creationId="{36315388-C7A8-C316-F71A-E27A7975FD71}"/>
-          </ac:picMkLst>
-        </pc:picChg>
-      </pc:sldChg>
-      <pc:sldChg chg="modSp mod">
-        <pc:chgData name="Alberto Petillo" userId="dd35f5627cdd12a4" providerId="LiveId" clId="{80F707BF-F180-41AA-AB1F-EBE8ACAFAFE1}" dt="2024-07-09T15:08:51.156" v="3273" actId="14826"/>
-        <pc:sldMkLst>
-          <pc:docMk/>
-          <pc:sldMk cId="3004536009" sldId="268"/>
-        </pc:sldMkLst>
-        <pc:spChg chg="mod">
-          <ac:chgData name="Alberto Petillo" userId="dd35f5627cdd12a4" providerId="LiveId" clId="{80F707BF-F180-41AA-AB1F-EBE8ACAFAFE1}" dt="2024-07-09T13:26:45.099" v="534" actId="20577"/>
-          <ac:spMkLst>
-            <pc:docMk/>
-            <pc:sldMk cId="3004536009" sldId="268"/>
-            <ac:spMk id="9" creationId="{36D428A2-8A4C-CE49-3A5E-CBB40FD872D0}"/>
-          </ac:spMkLst>
-        </pc:spChg>
-        <pc:spChg chg="mod">
-          <ac:chgData name="Alberto Petillo" userId="dd35f5627cdd12a4" providerId="LiveId" clId="{80F707BF-F180-41AA-AB1F-EBE8ACAFAFE1}" dt="2024-07-09T13:26:49.254" v="537" actId="20577"/>
-          <ac:spMkLst>
-            <pc:docMk/>
-            <pc:sldMk cId="3004536009" sldId="268"/>
-            <ac:spMk id="11" creationId="{4475F6FD-2463-ADB6-EA34-015DC7CAF8F3}"/>
-          </ac:spMkLst>
-        </pc:spChg>
-        <pc:spChg chg="mod">
-          <ac:chgData name="Alberto Petillo" userId="dd35f5627cdd12a4" providerId="LiveId" clId="{80F707BF-F180-41AA-AB1F-EBE8ACAFAFE1}" dt="2024-07-09T13:26:55.302" v="543" actId="20577"/>
-          <ac:spMkLst>
-            <pc:docMk/>
-            <pc:sldMk cId="3004536009" sldId="268"/>
-            <ac:spMk id="13" creationId="{5A76815C-F29C-1CC0-1984-5145B3A91550}"/>
-          </ac:spMkLst>
-        </pc:spChg>
-        <pc:spChg chg="mod">
-          <ac:chgData name="Alberto Petillo" userId="dd35f5627cdd12a4" providerId="LiveId" clId="{80F707BF-F180-41AA-AB1F-EBE8ACAFAFE1}" dt="2024-07-09T13:27:02.633" v="555" actId="313"/>
-          <ac:spMkLst>
-            <pc:docMk/>
-            <pc:sldMk cId="3004536009" sldId="268"/>
-            <ac:spMk id="15" creationId="{AB43B3C9-79FB-529A-FE28-B875E462B044}"/>
-          </ac:spMkLst>
-        </pc:spChg>
-        <pc:picChg chg="mod">
-          <ac:chgData name="Alberto Petillo" userId="dd35f5627cdd12a4" providerId="LiveId" clId="{80F707BF-F180-41AA-AB1F-EBE8ACAFAFE1}" dt="2024-07-09T15:08:51.156" v="3273" actId="14826"/>
-          <ac:picMkLst>
-            <pc:docMk/>
-            <pc:sldMk cId="3004536009" sldId="268"/>
-            <ac:picMk id="36" creationId="{36315388-C7A8-C316-F71A-E27A7975FD71}"/>
-          </ac:picMkLst>
-        </pc:picChg>
-      </pc:sldChg>
-      <pc:sldChg chg="modSp mod">
-        <pc:chgData name="Alberto Petillo" userId="dd35f5627cdd12a4" providerId="LiveId" clId="{80F707BF-F180-41AA-AB1F-EBE8ACAFAFE1}" dt="2024-07-09T20:48:57.950" v="4046" actId="20577"/>
-        <pc:sldMkLst>
-          <pc:docMk/>
-          <pc:sldMk cId="3366925797" sldId="269"/>
-        </pc:sldMkLst>
-        <pc:spChg chg="mod">
-          <ac:chgData name="Alberto Petillo" userId="dd35f5627cdd12a4" providerId="LiveId" clId="{80F707BF-F180-41AA-AB1F-EBE8ACAFAFE1}" dt="2024-07-09T20:48:57.950" v="4046" actId="20577"/>
-          <ac:spMkLst>
-            <pc:docMk/>
-            <pc:sldMk cId="3366925797" sldId="269"/>
-            <ac:spMk id="3" creationId="{584223DC-2E07-B9A1-B7D6-B6819DF0E8CD}"/>
-          </ac:spMkLst>
-        </pc:spChg>
-        <pc:spChg chg="mod">
-          <ac:chgData name="Alberto Petillo" userId="dd35f5627cdd12a4" providerId="LiveId" clId="{80F707BF-F180-41AA-AB1F-EBE8ACAFAFE1}" dt="2024-07-09T13:27:14.552" v="561" actId="20577"/>
-          <ac:spMkLst>
-            <pc:docMk/>
-            <pc:sldMk cId="3366925797" sldId="269"/>
-            <ac:spMk id="5" creationId="{F14A83D6-31A8-DD28-D043-F9A554DE18A2}"/>
-          </ac:spMkLst>
-        </pc:spChg>
-        <pc:picChg chg="mod">
-          <ac:chgData name="Alberto Petillo" userId="dd35f5627cdd12a4" providerId="LiveId" clId="{80F707BF-F180-41AA-AB1F-EBE8ACAFAFE1}" dt="2024-07-09T15:08:58.389" v="3274" actId="14826"/>
-          <ac:picMkLst>
-            <pc:docMk/>
-            <pc:sldMk cId="3366925797" sldId="269"/>
-            <ac:picMk id="36" creationId="{36315388-C7A8-C316-F71A-E27A7975FD71}"/>
-          </ac:picMkLst>
-        </pc:picChg>
-      </pc:sldChg>
-      <pc:sldChg chg="modSp mod">
-        <pc:chgData name="Alberto Petillo" userId="dd35f5627cdd12a4" providerId="LiveId" clId="{80F707BF-F180-41AA-AB1F-EBE8ACAFAFE1}" dt="2024-07-09T15:09:13.661" v="3276" actId="14826"/>
-        <pc:sldMkLst>
-          <pc:docMk/>
-          <pc:sldMk cId="204200013" sldId="270"/>
-        </pc:sldMkLst>
-        <pc:spChg chg="mod">
-          <ac:chgData name="Alberto Petillo" userId="dd35f5627cdd12a4" providerId="LiveId" clId="{80F707BF-F180-41AA-AB1F-EBE8ACAFAFE1}" dt="2024-07-09T13:28:52.604" v="642" actId="20577"/>
-          <ac:spMkLst>
-            <pc:docMk/>
-            <pc:sldMk cId="204200013" sldId="270"/>
-            <ac:spMk id="9" creationId="{36D428A2-8A4C-CE49-3A5E-CBB40FD872D0}"/>
-          </ac:spMkLst>
-        </pc:spChg>
-        <pc:spChg chg="mod">
-          <ac:chgData name="Alberto Petillo" userId="dd35f5627cdd12a4" providerId="LiveId" clId="{80F707BF-F180-41AA-AB1F-EBE8ACAFAFE1}" dt="2024-07-09T13:28:57.665" v="645" actId="20577"/>
-          <ac:spMkLst>
-            <pc:docMk/>
-            <pc:sldMk cId="204200013" sldId="270"/>
-            <ac:spMk id="11" creationId="{4475F6FD-2463-ADB6-EA34-015DC7CAF8F3}"/>
-          </ac:spMkLst>
-        </pc:spChg>
-        <pc:spChg chg="mod">
-          <ac:chgData name="Alberto Petillo" userId="dd35f5627cdd12a4" providerId="LiveId" clId="{80F707BF-F180-41AA-AB1F-EBE8ACAFAFE1}" dt="2024-07-09T13:29:01.835" v="651" actId="20577"/>
-          <ac:spMkLst>
-            <pc:docMk/>
-            <pc:sldMk cId="204200013" sldId="270"/>
-            <ac:spMk id="13" creationId="{5A76815C-F29C-1CC0-1984-5145B3A91550}"/>
-          </ac:spMkLst>
-        </pc:spChg>
-        <pc:spChg chg="mod">
-          <ac:chgData name="Alberto Petillo" userId="dd35f5627cdd12a4" providerId="LiveId" clId="{80F707BF-F180-41AA-AB1F-EBE8ACAFAFE1}" dt="2024-07-09T13:29:07.665" v="663" actId="313"/>
-          <ac:spMkLst>
-            <pc:docMk/>
-            <pc:sldMk cId="204200013" sldId="270"/>
-            <ac:spMk id="15" creationId="{AB43B3C9-79FB-529A-FE28-B875E462B044}"/>
-          </ac:spMkLst>
-        </pc:spChg>
-        <pc:picChg chg="mod">
-          <ac:chgData name="Alberto Petillo" userId="dd35f5627cdd12a4" providerId="LiveId" clId="{80F707BF-F180-41AA-AB1F-EBE8ACAFAFE1}" dt="2024-07-09T15:09:13.661" v="3276" actId="14826"/>
-          <ac:picMkLst>
-            <pc:docMk/>
-            <pc:sldMk cId="204200013" sldId="270"/>
-            <ac:picMk id="36" creationId="{36315388-C7A8-C316-F71A-E27A7975FD71}"/>
-          </ac:picMkLst>
-        </pc:picChg>
-      </pc:sldChg>
-      <pc:sldChg chg="delSp modSp mod">
-        <pc:chgData name="Alberto Petillo" userId="dd35f5627cdd12a4" providerId="LiveId" clId="{80F707BF-F180-41AA-AB1F-EBE8ACAFAFE1}" dt="2024-07-09T20:38:56.059" v="3552" actId="20577"/>
-        <pc:sldMkLst>
-          <pc:docMk/>
-          <pc:sldMk cId="1664662738" sldId="271"/>
-        </pc:sldMkLst>
-        <pc:spChg chg="mod">
-          <ac:chgData name="Alberto Petillo" userId="dd35f5627cdd12a4" providerId="LiveId" clId="{80F707BF-F180-41AA-AB1F-EBE8ACAFAFE1}" dt="2024-07-09T13:29:16.545" v="675" actId="313"/>
-          <ac:spMkLst>
-            <pc:docMk/>
-            <pc:sldMk cId="1664662738" sldId="271"/>
-            <ac:spMk id="5" creationId="{F14A83D6-31A8-DD28-D043-F9A554DE18A2}"/>
-          </ac:spMkLst>
-        </pc:spChg>
-        <pc:spChg chg="mod">
-          <ac:chgData name="Alberto Petillo" userId="dd35f5627cdd12a4" providerId="LiveId" clId="{80F707BF-F180-41AA-AB1F-EBE8ACAFAFE1}" dt="2024-07-09T20:38:56.059" v="3552" actId="20577"/>
-          <ac:spMkLst>
-            <pc:docMk/>
-            <pc:sldMk cId="1664662738" sldId="271"/>
-            <ac:spMk id="6" creationId="{B2FEBC91-CBD3-F511-4423-006C96656076}"/>
-          </ac:spMkLst>
-        </pc:spChg>
-        <pc:spChg chg="del">
-          <ac:chgData name="Alberto Petillo" userId="dd35f5627cdd12a4" providerId="LiveId" clId="{80F707BF-F180-41AA-AB1F-EBE8ACAFAFE1}" dt="2024-07-09T14:37:36.963" v="3237" actId="478"/>
-          <ac:spMkLst>
-            <pc:docMk/>
-            <pc:sldMk cId="1664662738" sldId="271"/>
-            <ac:spMk id="7" creationId="{D06C37FA-7AC8-74C2-D7AE-FE55BD250FEB}"/>
-          </ac:spMkLst>
-        </pc:spChg>
-        <pc:picChg chg="mod">
-          <ac:chgData name="Alberto Petillo" userId="dd35f5627cdd12a4" providerId="LiveId" clId="{80F707BF-F180-41AA-AB1F-EBE8ACAFAFE1}" dt="2024-07-09T15:09:20.310" v="3277" actId="14826"/>
-          <ac:picMkLst>
-            <pc:docMk/>
-            <pc:sldMk cId="1664662738" sldId="271"/>
-            <ac:picMk id="36" creationId="{36315388-C7A8-C316-F71A-E27A7975FD71}"/>
-          </ac:picMkLst>
-        </pc:picChg>
-      </pc:sldChg>
-      <pc:sldChg chg="modSp mod">
-        <pc:chgData name="Alberto Petillo" userId="dd35f5627cdd12a4" providerId="LiveId" clId="{80F707BF-F180-41AA-AB1F-EBE8ACAFAFE1}" dt="2024-07-09T20:40:56.745" v="3589" actId="20577"/>
-        <pc:sldMkLst>
-          <pc:docMk/>
-          <pc:sldMk cId="2668145571" sldId="272"/>
-        </pc:sldMkLst>
-        <pc:spChg chg="mod">
-          <ac:chgData name="Alberto Petillo" userId="dd35f5627cdd12a4" providerId="LiveId" clId="{80F707BF-F180-41AA-AB1F-EBE8ACAFAFE1}" dt="2024-07-09T20:40:56.745" v="3589" actId="20577"/>
-          <ac:spMkLst>
-            <pc:docMk/>
-            <pc:sldMk cId="2668145571" sldId="272"/>
-            <ac:spMk id="3" creationId="{503900EA-DC23-477E-D763-95CAC5B3672E}"/>
-          </ac:spMkLst>
-        </pc:spChg>
-      </pc:sldChg>
-      <pc:sldChg chg="modSp mod">
-        <pc:chgData name="Alberto Petillo" userId="dd35f5627cdd12a4" providerId="LiveId" clId="{80F707BF-F180-41AA-AB1F-EBE8ACAFAFE1}" dt="2024-07-10T10:54:21.172" v="4501" actId="20577"/>
-        <pc:sldMkLst>
-          <pc:docMk/>
-          <pc:sldMk cId="2033737664" sldId="273"/>
-        </pc:sldMkLst>
-        <pc:spChg chg="mod">
-          <ac:chgData name="Alberto Petillo" userId="dd35f5627cdd12a4" providerId="LiveId" clId="{80F707BF-F180-41AA-AB1F-EBE8ACAFAFE1}" dt="2024-07-10T10:54:21.172" v="4501" actId="20577"/>
-          <ac:spMkLst>
-            <pc:docMk/>
-            <pc:sldMk cId="2033737664" sldId="273"/>
-            <ac:spMk id="3" creationId="{503900EA-DC23-477E-D763-95CAC5B3672E}"/>
-          </ac:spMkLst>
-        </pc:spChg>
-      </pc:sldChg>
-      <pc:sldChg chg="modSp mod">
-        <pc:chgData name="Alberto Petillo" userId="dd35f5627cdd12a4" providerId="LiveId" clId="{80F707BF-F180-41AA-AB1F-EBE8ACAFAFE1}" dt="2024-07-09T13:31:14.934" v="755" actId="20577"/>
-        <pc:sldMkLst>
-          <pc:docMk/>
-          <pc:sldMk cId="994272838" sldId="275"/>
-        </pc:sldMkLst>
-        <pc:spChg chg="mod">
-          <ac:chgData name="Alberto Petillo" userId="dd35f5627cdd12a4" providerId="LiveId" clId="{80F707BF-F180-41AA-AB1F-EBE8ACAFAFE1}" dt="2024-07-09T13:31:14.934" v="755" actId="20577"/>
-          <ac:spMkLst>
-            <pc:docMk/>
-            <pc:sldMk cId="994272838" sldId="275"/>
-            <ac:spMk id="4" creationId="{E8735628-8230-BCF2-6A64-392372D3BFFF}"/>
-          </ac:spMkLst>
-        </pc:spChg>
-      </pc:sldChg>
-      <pc:sldChg chg="modSp mod">
-        <pc:chgData name="Alberto Petillo" userId="dd35f5627cdd12a4" providerId="LiveId" clId="{80F707BF-F180-41AA-AB1F-EBE8ACAFAFE1}" dt="2024-07-09T15:07:03.023" v="3262" actId="14826"/>
-        <pc:sldMkLst>
-          <pc:docMk/>
-          <pc:sldMk cId="4164122960" sldId="276"/>
-        </pc:sldMkLst>
-        <pc:spChg chg="mod">
-          <ac:chgData name="Alberto Petillo" userId="dd35f5627cdd12a4" providerId="LiveId" clId="{80F707BF-F180-41AA-AB1F-EBE8ACAFAFE1}" dt="2024-07-09T13:51:36.505" v="1548" actId="20577"/>
-          <ac:spMkLst>
-            <pc:docMk/>
-            <pc:sldMk cId="4164122960" sldId="276"/>
-            <ac:spMk id="9" creationId="{36D428A2-8A4C-CE49-3A5E-CBB40FD872D0}"/>
-          </ac:spMkLst>
-        </pc:spChg>
-        <pc:spChg chg="mod">
-          <ac:chgData name="Alberto Petillo" userId="dd35f5627cdd12a4" providerId="LiveId" clId="{80F707BF-F180-41AA-AB1F-EBE8ACAFAFE1}" dt="2024-07-09T13:51:48.494" v="1557" actId="20577"/>
-          <ac:spMkLst>
-            <pc:docMk/>
-            <pc:sldMk cId="4164122960" sldId="276"/>
-            <ac:spMk id="11" creationId="{4475F6FD-2463-ADB6-EA34-015DC7CAF8F3}"/>
-          </ac:spMkLst>
-        </pc:spChg>
-        <pc:spChg chg="mod">
-          <ac:chgData name="Alberto Petillo" userId="dd35f5627cdd12a4" providerId="LiveId" clId="{80F707BF-F180-41AA-AB1F-EBE8ACAFAFE1}" dt="2024-07-09T13:51:53.650" v="1565" actId="20577"/>
-          <ac:spMkLst>
-            <pc:docMk/>
-            <pc:sldMk cId="4164122960" sldId="276"/>
-            <ac:spMk id="13" creationId="{5A76815C-F29C-1CC0-1984-5145B3A91550}"/>
-          </ac:spMkLst>
-        </pc:spChg>
-        <pc:spChg chg="mod">
-          <ac:chgData name="Alberto Petillo" userId="dd35f5627cdd12a4" providerId="LiveId" clId="{80F707BF-F180-41AA-AB1F-EBE8ACAFAFE1}" dt="2024-07-09T13:52:00.066" v="1577" actId="313"/>
-          <ac:spMkLst>
-            <pc:docMk/>
-            <pc:sldMk cId="4164122960" sldId="276"/>
-            <ac:spMk id="15" creationId="{AB43B3C9-79FB-529A-FE28-B875E462B044}"/>
-          </ac:spMkLst>
-        </pc:spChg>
-        <pc:picChg chg="mod">
-          <ac:chgData name="Alberto Petillo" userId="dd35f5627cdd12a4" providerId="LiveId" clId="{80F707BF-F180-41AA-AB1F-EBE8ACAFAFE1}" dt="2024-07-09T15:07:03.023" v="3262" actId="14826"/>
-          <ac:picMkLst>
-            <pc:docMk/>
-            <pc:sldMk cId="4164122960" sldId="276"/>
-            <ac:picMk id="36" creationId="{36315388-C7A8-C316-F71A-E27A7975FD71}"/>
-          </ac:picMkLst>
-        </pc:picChg>
-      </pc:sldChg>
-      <pc:sldChg chg="modSp mod">
-        <pc:chgData name="Alberto Petillo" userId="dd35f5627cdd12a4" providerId="LiveId" clId="{80F707BF-F180-41AA-AB1F-EBE8ACAFAFE1}" dt="2024-07-09T15:07:32.004" v="3265" actId="14826"/>
-        <pc:sldMkLst>
-          <pc:docMk/>
-          <pc:sldMk cId="2959257463" sldId="277"/>
-        </pc:sldMkLst>
-        <pc:spChg chg="mod">
-          <ac:chgData name="Alberto Petillo" userId="dd35f5627cdd12a4" providerId="LiveId" clId="{80F707BF-F180-41AA-AB1F-EBE8ACAFAFE1}" dt="2024-07-09T13:52:52.282" v="1624" actId="20577"/>
-          <ac:spMkLst>
-            <pc:docMk/>
-            <pc:sldMk cId="2959257463" sldId="277"/>
-            <ac:spMk id="9" creationId="{36D428A2-8A4C-CE49-3A5E-CBB40FD872D0}"/>
-          </ac:spMkLst>
-        </pc:spChg>
-        <pc:spChg chg="mod">
-          <ac:chgData name="Alberto Petillo" userId="dd35f5627cdd12a4" providerId="LiveId" clId="{80F707BF-F180-41AA-AB1F-EBE8ACAFAFE1}" dt="2024-07-09T13:52:56.146" v="1627" actId="20577"/>
-          <ac:spMkLst>
-            <pc:docMk/>
-            <pc:sldMk cId="2959257463" sldId="277"/>
-            <ac:spMk id="11" creationId="{4475F6FD-2463-ADB6-EA34-015DC7CAF8F3}"/>
-          </ac:spMkLst>
-        </pc:spChg>
-        <pc:spChg chg="mod">
-          <ac:chgData name="Alberto Petillo" userId="dd35f5627cdd12a4" providerId="LiveId" clId="{80F707BF-F180-41AA-AB1F-EBE8ACAFAFE1}" dt="2024-07-09T13:53:00.231" v="1633" actId="20577"/>
-          <ac:spMkLst>
-            <pc:docMk/>
-            <pc:sldMk cId="2959257463" sldId="277"/>
-            <ac:spMk id="13" creationId="{5A76815C-F29C-1CC0-1984-5145B3A91550}"/>
-          </ac:spMkLst>
-        </pc:spChg>
-        <pc:spChg chg="mod">
-          <ac:chgData name="Alberto Petillo" userId="dd35f5627cdd12a4" providerId="LiveId" clId="{80F707BF-F180-41AA-AB1F-EBE8ACAFAFE1}" dt="2024-07-09T13:53:04.550" v="1645" actId="313"/>
-          <ac:spMkLst>
-            <pc:docMk/>
-            <pc:sldMk cId="2959257463" sldId="277"/>
-            <ac:spMk id="15" creationId="{AB43B3C9-79FB-529A-FE28-B875E462B044}"/>
-          </ac:spMkLst>
-        </pc:spChg>
-        <pc:picChg chg="mod">
-          <ac:chgData name="Alberto Petillo" userId="dd35f5627cdd12a4" providerId="LiveId" clId="{80F707BF-F180-41AA-AB1F-EBE8ACAFAFE1}" dt="2024-07-09T15:07:32.004" v="3265" actId="14826"/>
-          <ac:picMkLst>
-            <pc:docMk/>
-            <pc:sldMk cId="2959257463" sldId="277"/>
-            <ac:picMk id="36" creationId="{36315388-C7A8-C316-F71A-E27A7975FD71}"/>
-          </ac:picMkLst>
-        </pc:picChg>
-      </pc:sldChg>
-      <pc:sldChg chg="modSp mod">
-        <pc:chgData name="Alberto Petillo" userId="dd35f5627cdd12a4" providerId="LiveId" clId="{80F707BF-F180-41AA-AB1F-EBE8ACAFAFE1}" dt="2024-07-09T15:08:16.234" v="3269" actId="14826"/>
-        <pc:sldMkLst>
-          <pc:docMk/>
-          <pc:sldMk cId="1874150125" sldId="278"/>
-        </pc:sldMkLst>
-        <pc:spChg chg="mod">
-          <ac:chgData name="Alberto Petillo" userId="dd35f5627cdd12a4" providerId="LiveId" clId="{80F707BF-F180-41AA-AB1F-EBE8ACAFAFE1}" dt="2024-07-09T13:23:53.598" v="440" actId="20577"/>
-          <ac:spMkLst>
-            <pc:docMk/>
-            <pc:sldMk cId="1874150125" sldId="278"/>
-            <ac:spMk id="9" creationId="{36D428A2-8A4C-CE49-3A5E-CBB40FD872D0}"/>
-          </ac:spMkLst>
-        </pc:spChg>
-        <pc:spChg chg="mod">
-          <ac:chgData name="Alberto Petillo" userId="dd35f5627cdd12a4" providerId="LiveId" clId="{80F707BF-F180-41AA-AB1F-EBE8ACAFAFE1}" dt="2024-07-09T13:24:00.711" v="443" actId="20577"/>
-          <ac:spMkLst>
-            <pc:docMk/>
-            <pc:sldMk cId="1874150125" sldId="278"/>
-            <ac:spMk id="11" creationId="{4475F6FD-2463-ADB6-EA34-015DC7CAF8F3}"/>
-          </ac:spMkLst>
-        </pc:spChg>
-        <pc:spChg chg="mod">
-          <ac:chgData name="Alberto Petillo" userId="dd35f5627cdd12a4" providerId="LiveId" clId="{80F707BF-F180-41AA-AB1F-EBE8ACAFAFE1}" dt="2024-07-09T13:24:06.311" v="449" actId="20577"/>
-          <ac:spMkLst>
-            <pc:docMk/>
-            <pc:sldMk cId="1874150125" sldId="278"/>
-            <ac:spMk id="13" creationId="{5A76815C-F29C-1CC0-1984-5145B3A91550}"/>
-          </ac:spMkLst>
-        </pc:spChg>
-        <pc:spChg chg="mod">
-          <ac:chgData name="Alberto Petillo" userId="dd35f5627cdd12a4" providerId="LiveId" clId="{80F707BF-F180-41AA-AB1F-EBE8ACAFAFE1}" dt="2024-07-09T13:24:12.710" v="461" actId="313"/>
-          <ac:spMkLst>
-            <pc:docMk/>
-            <pc:sldMk cId="1874150125" sldId="278"/>
-            <ac:spMk id="15" creationId="{AB43B3C9-79FB-529A-FE28-B875E462B044}"/>
-          </ac:spMkLst>
-        </pc:spChg>
-        <pc:picChg chg="mod">
-          <ac:chgData name="Alberto Petillo" userId="dd35f5627cdd12a4" providerId="LiveId" clId="{80F707BF-F180-41AA-AB1F-EBE8ACAFAFE1}" dt="2024-07-09T15:08:16.234" v="3269" actId="14826"/>
-          <ac:picMkLst>
-            <pc:docMk/>
-            <pc:sldMk cId="1874150125" sldId="278"/>
-            <ac:picMk id="36" creationId="{36315388-C7A8-C316-F71A-E27A7975FD71}"/>
-          </ac:picMkLst>
-        </pc:picChg>
-      </pc:sldChg>
-      <pc:sldChg chg="modSp mod">
-        <pc:chgData name="Alberto Petillo" userId="dd35f5627cdd12a4" providerId="LiveId" clId="{80F707BF-F180-41AA-AB1F-EBE8ACAFAFE1}" dt="2024-07-09T15:08:43.978" v="3272" actId="14826"/>
-        <pc:sldMkLst>
-          <pc:docMk/>
-          <pc:sldMk cId="3759172941" sldId="279"/>
-        </pc:sldMkLst>
-        <pc:spChg chg="mod">
-          <ac:chgData name="Alberto Petillo" userId="dd35f5627cdd12a4" providerId="LiveId" clId="{80F707BF-F180-41AA-AB1F-EBE8ACAFAFE1}" dt="2024-07-09T13:25:53.431" v="490" actId="20577"/>
-          <ac:spMkLst>
-            <pc:docMk/>
-            <pc:sldMk cId="3759172941" sldId="279"/>
-            <ac:spMk id="9" creationId="{36D428A2-8A4C-CE49-3A5E-CBB40FD872D0}"/>
-          </ac:spMkLst>
-        </pc:spChg>
-        <pc:spChg chg="mod">
-          <ac:chgData name="Alberto Petillo" userId="dd35f5627cdd12a4" providerId="LiveId" clId="{80F707BF-F180-41AA-AB1F-EBE8ACAFAFE1}" dt="2024-07-09T13:25:57.595" v="493" actId="20577"/>
-          <ac:spMkLst>
-            <pc:docMk/>
-            <pc:sldMk cId="3759172941" sldId="279"/>
-            <ac:spMk id="11" creationId="{4475F6FD-2463-ADB6-EA34-015DC7CAF8F3}"/>
-          </ac:spMkLst>
-        </pc:spChg>
-        <pc:spChg chg="mod">
-          <ac:chgData name="Alberto Petillo" userId="dd35f5627cdd12a4" providerId="LiveId" clId="{80F707BF-F180-41AA-AB1F-EBE8ACAFAFE1}" dt="2024-07-09T13:26:03.664" v="499" actId="20577"/>
-          <ac:spMkLst>
-            <pc:docMk/>
-            <pc:sldMk cId="3759172941" sldId="279"/>
-            <ac:spMk id="13" creationId="{5A76815C-F29C-1CC0-1984-5145B3A91550}"/>
-          </ac:spMkLst>
-        </pc:spChg>
-        <pc:spChg chg="mod">
-          <ac:chgData name="Alberto Petillo" userId="dd35f5627cdd12a4" providerId="LiveId" clId="{80F707BF-F180-41AA-AB1F-EBE8ACAFAFE1}" dt="2024-07-09T13:26:09.971" v="511" actId="313"/>
-          <ac:spMkLst>
-            <pc:docMk/>
-            <pc:sldMk cId="3759172941" sldId="279"/>
-            <ac:spMk id="15" creationId="{AB43B3C9-79FB-529A-FE28-B875E462B044}"/>
-          </ac:spMkLst>
-        </pc:spChg>
-        <pc:picChg chg="mod">
-          <ac:chgData name="Alberto Petillo" userId="dd35f5627cdd12a4" providerId="LiveId" clId="{80F707BF-F180-41AA-AB1F-EBE8ACAFAFE1}" dt="2024-07-09T15:08:43.978" v="3272" actId="14826"/>
-          <ac:picMkLst>
-            <pc:docMk/>
-            <pc:sldMk cId="3759172941" sldId="279"/>
-            <ac:picMk id="36" creationId="{36315388-C7A8-C316-F71A-E27A7975FD71}"/>
-          </ac:picMkLst>
-        </pc:picChg>
-      </pc:sldChg>
-      <pc:sldChg chg="modSp mod">
-        <pc:chgData name="Alberto Petillo" userId="dd35f5627cdd12a4" providerId="LiveId" clId="{80F707BF-F180-41AA-AB1F-EBE8ACAFAFE1}" dt="2024-07-09T15:09:04.625" v="3275" actId="14826"/>
-        <pc:sldMkLst>
-          <pc:docMk/>
-          <pc:sldMk cId="1149479093" sldId="280"/>
-        </pc:sldMkLst>
-        <pc:spChg chg="mod">
-          <ac:chgData name="Alberto Petillo" userId="dd35f5627cdd12a4" providerId="LiveId" clId="{80F707BF-F180-41AA-AB1F-EBE8ACAFAFE1}" dt="2024-07-09T13:27:35.357" v="581" actId="20577"/>
-          <ac:spMkLst>
-            <pc:docMk/>
-            <pc:sldMk cId="1149479093" sldId="280"/>
-            <ac:spMk id="9" creationId="{36D428A2-8A4C-CE49-3A5E-CBB40FD872D0}"/>
-          </ac:spMkLst>
-        </pc:spChg>
-        <pc:spChg chg="mod">
-          <ac:chgData name="Alberto Petillo" userId="dd35f5627cdd12a4" providerId="LiveId" clId="{80F707BF-F180-41AA-AB1F-EBE8ACAFAFE1}" dt="2024-07-09T13:27:39.619" v="584" actId="20577"/>
-          <ac:spMkLst>
-            <pc:docMk/>
-            <pc:sldMk cId="1149479093" sldId="280"/>
-            <ac:spMk id="11" creationId="{4475F6FD-2463-ADB6-EA34-015DC7CAF8F3}"/>
-          </ac:spMkLst>
-        </pc:spChg>
-        <pc:spChg chg="mod">
-          <ac:chgData name="Alberto Petillo" userId="dd35f5627cdd12a4" providerId="LiveId" clId="{80F707BF-F180-41AA-AB1F-EBE8ACAFAFE1}" dt="2024-07-09T13:27:45.705" v="598" actId="20577"/>
-          <ac:spMkLst>
-            <pc:docMk/>
-            <pc:sldMk cId="1149479093" sldId="280"/>
-            <ac:spMk id="13" creationId="{5A76815C-F29C-1CC0-1984-5145B3A91550}"/>
-          </ac:spMkLst>
-        </pc:spChg>
-        <pc:spChg chg="mod">
-          <ac:chgData name="Alberto Petillo" userId="dd35f5627cdd12a4" providerId="LiveId" clId="{80F707BF-F180-41AA-AB1F-EBE8ACAFAFE1}" dt="2024-07-09T13:28:37.717" v="628" actId="313"/>
-          <ac:spMkLst>
-            <pc:docMk/>
-            <pc:sldMk cId="1149479093" sldId="280"/>
-            <ac:spMk id="15" creationId="{AB43B3C9-79FB-529A-FE28-B875E462B044}"/>
-          </ac:spMkLst>
-        </pc:spChg>
-        <pc:picChg chg="mod">
-          <ac:chgData name="Alberto Petillo" userId="dd35f5627cdd12a4" providerId="LiveId" clId="{80F707BF-F180-41AA-AB1F-EBE8ACAFAFE1}" dt="2024-07-09T15:09:04.625" v="3275" actId="14826"/>
-          <ac:picMkLst>
-            <pc:docMk/>
-            <pc:sldMk cId="1149479093" sldId="280"/>
-            <ac:picMk id="36" creationId="{36315388-C7A8-C316-F71A-E27A7975FD71}"/>
-          </ac:picMkLst>
-        </pc:picChg>
-      </pc:sldChg>
-      <pc:sldChg chg="modSp add mod">
-        <pc:chgData name="Alberto Petillo" userId="dd35f5627cdd12a4" providerId="LiveId" clId="{80F707BF-F180-41AA-AB1F-EBE8ACAFAFE1}" dt="2024-07-09T15:08:26.162" v="3270" actId="14826"/>
-        <pc:sldMkLst>
-          <pc:docMk/>
-          <pc:sldMk cId="609982123" sldId="281"/>
-        </pc:sldMkLst>
-        <pc:picChg chg="mod">
-          <ac:chgData name="Alberto Petillo" userId="dd35f5627cdd12a4" providerId="LiveId" clId="{80F707BF-F180-41AA-AB1F-EBE8ACAFAFE1}" dt="2024-07-09T15:08:26.162" v="3270" actId="14826"/>
-          <ac:picMkLst>
-            <pc:docMk/>
-            <pc:sldMk cId="609982123" sldId="281"/>
-            <ac:picMk id="36" creationId="{36315388-C7A8-C316-F71A-E27A7975FD71}"/>
-          </ac:picMkLst>
-        </pc:picChg>
-      </pc:sldChg>
-      <pc:sldChg chg="addSp delSp modSp add mod">
-        <pc:chgData name="Alberto Petillo" userId="dd35f5627cdd12a4" providerId="LiveId" clId="{80F707BF-F180-41AA-AB1F-EBE8ACAFAFE1}" dt="2024-07-09T21:15:09.308" v="4049" actId="1076"/>
-        <pc:sldMkLst>
-          <pc:docMk/>
-          <pc:sldMk cId="352654332" sldId="282"/>
-        </pc:sldMkLst>
-        <pc:spChg chg="del">
-          <ac:chgData name="Alberto Petillo" userId="dd35f5627cdd12a4" providerId="LiveId" clId="{80F707BF-F180-41AA-AB1F-EBE8ACAFAFE1}" dt="2024-07-09T13:41:34.267" v="829" actId="478"/>
-          <ac:spMkLst>
-            <pc:docMk/>
-            <pc:sldMk cId="352654332" sldId="282"/>
-            <ac:spMk id="19" creationId="{DE3D8727-D0CE-5245-F7FE-FA1D53E5B18A}"/>
-          </ac:spMkLst>
-        </pc:spChg>
-        <pc:spChg chg="del">
-          <ac:chgData name="Alberto Petillo" userId="dd35f5627cdd12a4" providerId="LiveId" clId="{80F707BF-F180-41AA-AB1F-EBE8ACAFAFE1}" dt="2024-07-09T13:41:34.267" v="829" actId="478"/>
-          <ac:spMkLst>
-            <pc:docMk/>
-            <pc:sldMk cId="352654332" sldId="282"/>
-            <ac:spMk id="20" creationId="{06FCE0EE-0A36-3044-832D-78BBCED390A5}"/>
-          </ac:spMkLst>
-        </pc:spChg>
-        <pc:spChg chg="del">
-          <ac:chgData name="Alberto Petillo" userId="dd35f5627cdd12a4" providerId="LiveId" clId="{80F707BF-F180-41AA-AB1F-EBE8ACAFAFE1}" dt="2024-07-09T13:41:34.267" v="829" actId="478"/>
-          <ac:spMkLst>
-            <pc:docMk/>
-            <pc:sldMk cId="352654332" sldId="282"/>
-            <ac:spMk id="29" creationId="{1BF09B6D-E38C-C71C-2407-04DA001BCD1F}"/>
-          </ac:spMkLst>
-        </pc:spChg>
-        <pc:picChg chg="add del mod">
-          <ac:chgData name="Alberto Petillo" userId="dd35f5627cdd12a4" providerId="LiveId" clId="{80F707BF-F180-41AA-AB1F-EBE8ACAFAFE1}" dt="2024-07-09T13:42:01.169" v="838" actId="478"/>
-          <ac:picMkLst>
-            <pc:docMk/>
-            <pc:sldMk cId="352654332" sldId="282"/>
-            <ac:picMk id="3" creationId="{793C5C0F-142C-FEEC-14CE-98167A73716B}"/>
-          </ac:picMkLst>
-        </pc:picChg>
-        <pc:picChg chg="del mod">
-          <ac:chgData name="Alberto Petillo" userId="dd35f5627cdd12a4" providerId="LiveId" clId="{80F707BF-F180-41AA-AB1F-EBE8ACAFAFE1}" dt="2024-07-09T13:42:09.538" v="841" actId="478"/>
-          <ac:picMkLst>
-            <pc:docMk/>
-            <pc:sldMk cId="352654332" sldId="282"/>
-            <ac:picMk id="4" creationId="{A573CA6D-7F7E-DB25-D160-DB48DDBB92CE}"/>
-          </ac:picMkLst>
-        </pc:picChg>
-        <pc:picChg chg="add mod">
-          <ac:chgData name="Alberto Petillo" userId="dd35f5627cdd12a4" providerId="LiveId" clId="{80F707BF-F180-41AA-AB1F-EBE8ACAFAFE1}" dt="2024-07-09T15:04:06.215" v="3258" actId="14826"/>
-          <ac:picMkLst>
-            <pc:docMk/>
-            <pc:sldMk cId="352654332" sldId="282"/>
-            <ac:picMk id="7" creationId="{3EA03083-E881-FC6E-88AE-BBD52EA5FB18}"/>
-          </ac:picMkLst>
-        </pc:picChg>
-        <pc:picChg chg="add mod">
-          <ac:chgData name="Alberto Petillo" userId="dd35f5627cdd12a4" providerId="LiveId" clId="{80F707BF-F180-41AA-AB1F-EBE8ACAFAFE1}" dt="2024-07-09T21:15:09.308" v="4049" actId="1076"/>
-          <ac:picMkLst>
-            <pc:docMk/>
-            <pc:sldMk cId="352654332" sldId="282"/>
-            <ac:picMk id="9" creationId="{74BE7EFD-AAC9-C90A-270F-D2FCFEA17B94}"/>
-          </ac:picMkLst>
-        </pc:picChg>
-        <pc:picChg chg="mod">
-          <ac:chgData name="Alberto Petillo" userId="dd35f5627cdd12a4" providerId="LiveId" clId="{80F707BF-F180-41AA-AB1F-EBE8ACAFAFE1}" dt="2024-07-09T15:08:07.966" v="3268" actId="14826"/>
-          <ac:picMkLst>
-            <pc:docMk/>
-            <pc:sldMk cId="352654332" sldId="282"/>
-            <ac:picMk id="36" creationId="{36315388-C7A8-C316-F71A-E27A7975FD71}"/>
-          </ac:picMkLst>
-        </pc:picChg>
-      </pc:sldChg>
-      <pc:sldChg chg="delSp modSp add mod">
-        <pc:chgData name="Alberto Petillo" userId="dd35f5627cdd12a4" providerId="LiveId" clId="{80F707BF-F180-41AA-AB1F-EBE8ACAFAFE1}" dt="2024-07-09T15:09:27.549" v="3278" actId="14826"/>
-        <pc:sldMkLst>
-          <pc:docMk/>
-          <pc:sldMk cId="1395479401" sldId="283"/>
-        </pc:sldMkLst>
-        <pc:spChg chg="mod">
-          <ac:chgData name="Alberto Petillo" userId="dd35f5627cdd12a4" providerId="LiveId" clId="{80F707BF-F180-41AA-AB1F-EBE8ACAFAFE1}" dt="2024-07-09T13:58:47.975" v="2164" actId="20577"/>
-          <ac:spMkLst>
-            <pc:docMk/>
-            <pc:sldMk cId="1395479401" sldId="283"/>
-            <ac:spMk id="6" creationId="{B2FEBC91-CBD3-F511-4423-006C96656076}"/>
-          </ac:spMkLst>
-        </pc:spChg>
-        <pc:spChg chg="del">
-          <ac:chgData name="Alberto Petillo" userId="dd35f5627cdd12a4" providerId="LiveId" clId="{80F707BF-F180-41AA-AB1F-EBE8ACAFAFE1}" dt="2024-07-09T14:37:41.004" v="3238" actId="478"/>
-          <ac:spMkLst>
-            <pc:docMk/>
-            <pc:sldMk cId="1395479401" sldId="283"/>
-            <ac:spMk id="7" creationId="{D06C37FA-7AC8-74C2-D7AE-FE55BD250FEB}"/>
-          </ac:spMkLst>
-        </pc:spChg>
-        <pc:picChg chg="mod">
-          <ac:chgData name="Alberto Petillo" userId="dd35f5627cdd12a4" providerId="LiveId" clId="{80F707BF-F180-41AA-AB1F-EBE8ACAFAFE1}" dt="2024-07-09T15:09:27.549" v="3278" actId="14826"/>
-          <ac:picMkLst>
-            <pc:docMk/>
-            <pc:sldMk cId="1395479401" sldId="283"/>
-            <ac:picMk id="36" creationId="{36315388-C7A8-C316-F71A-E27A7975FD71}"/>
-          </ac:picMkLst>
-        </pc:picChg>
-      </pc:sldChg>
-    </pc:docChg>
-  </pc:docChgLst>
-  <pc:docChgLst>
-    <pc:chgData name="Alberto Petillo" userId="dd35f5627cdd12a4" providerId="LiveId" clId="{514C5F3D-6B4E-4B78-B9D3-D5CDB336FC85}"/>
-    <pc:docChg chg="undo custSel addSld delSld modSld sldOrd">
-      <pc:chgData name="Alberto Petillo" userId="dd35f5627cdd12a4" providerId="LiveId" clId="{514C5F3D-6B4E-4B78-B9D3-D5CDB336FC85}" dt="2024-07-17T13:54:36.450" v="5200" actId="20577"/>
-      <pc:docMkLst>
-        <pc:docMk/>
-      </pc:docMkLst>
-      <pc:sldChg chg="delSp modSp mod">
-        <pc:chgData name="Alberto Petillo" userId="dd35f5627cdd12a4" providerId="LiveId" clId="{514C5F3D-6B4E-4B78-B9D3-D5CDB336FC85}" dt="2024-07-17T00:02:31.880" v="51" actId="478"/>
-        <pc:sldMkLst>
-          <pc:docMk/>
-          <pc:sldMk cId="1353340343" sldId="256"/>
-        </pc:sldMkLst>
-        <pc:spChg chg="mod">
-          <ac:chgData name="Alberto Petillo" userId="dd35f5627cdd12a4" providerId="LiveId" clId="{514C5F3D-6B4E-4B78-B9D3-D5CDB336FC85}" dt="2024-07-17T00:02:24.895" v="47" actId="403"/>
-          <ac:spMkLst>
-            <pc:docMk/>
-            <pc:sldMk cId="1353340343" sldId="256"/>
-            <ac:spMk id="2" creationId="{A486B46F-918C-F7C8-4C80-F9CDC58D35B3}"/>
-          </ac:spMkLst>
-        </pc:spChg>
-        <pc:picChg chg="mod">
-          <ac:chgData name="Alberto Petillo" userId="dd35f5627cdd12a4" providerId="LiveId" clId="{514C5F3D-6B4E-4B78-B9D3-D5CDB336FC85}" dt="2024-07-17T00:02:30.098" v="49" actId="1076"/>
-          <ac:picMkLst>
-            <pc:docMk/>
-            <pc:sldMk cId="1353340343" sldId="256"/>
-            <ac:picMk id="4" creationId="{6AEE48C6-780F-A762-3138-9EB16A901173}"/>
-          </ac:picMkLst>
-        </pc:picChg>
-        <pc:picChg chg="del">
-          <ac:chgData name="Alberto Petillo" userId="dd35f5627cdd12a4" providerId="LiveId" clId="{514C5F3D-6B4E-4B78-B9D3-D5CDB336FC85}" dt="2024-07-17T00:02:31.880" v="51" actId="478"/>
-          <ac:picMkLst>
-            <pc:docMk/>
-            <pc:sldMk cId="1353340343" sldId="256"/>
-            <ac:picMk id="8" creationId="{501D5C93-2E23-554F-8DA7-EA50F7ED4574}"/>
-          </ac:picMkLst>
-        </pc:picChg>
-        <pc:picChg chg="del">
-          <ac:chgData name="Alberto Petillo" userId="dd35f5627cdd12a4" providerId="LiveId" clId="{514C5F3D-6B4E-4B78-B9D3-D5CDB336FC85}" dt="2024-07-17T00:02:31.286" v="50" actId="478"/>
-          <ac:picMkLst>
-            <pc:docMk/>
-            <pc:sldMk cId="1353340343" sldId="256"/>
-            <ac:picMk id="10" creationId="{8F509758-911F-DD16-C67F-D2936B0393B5}"/>
-          </ac:picMkLst>
-        </pc:picChg>
-      </pc:sldChg>
-      <pc:sldChg chg="delSp modSp mod ord">
-        <pc:chgData name="Alberto Petillo" userId="dd35f5627cdd12a4" providerId="LiveId" clId="{514C5F3D-6B4E-4B78-B9D3-D5CDB336FC85}" dt="2024-07-17T01:27:43.259" v="2666" actId="113"/>
-        <pc:sldMkLst>
-          <pc:docMk/>
-          <pc:sldMk cId="4282777845" sldId="257"/>
-        </pc:sldMkLst>
-        <pc:spChg chg="mod">
-          <ac:chgData name="Alberto Petillo" userId="dd35f5627cdd12a4" providerId="LiveId" clId="{514C5F3D-6B4E-4B78-B9D3-D5CDB336FC85}" dt="2024-07-17T01:27:43.259" v="2666" actId="113"/>
-          <ac:spMkLst>
-            <pc:docMk/>
-            <pc:sldMk cId="4282777845" sldId="257"/>
-            <ac:spMk id="2" creationId="{63F93D0A-61E3-D71F-37BE-1443C1F824BE}"/>
-          </ac:spMkLst>
-        </pc:spChg>
-        <pc:spChg chg="mod">
-          <ac:chgData name="Alberto Petillo" userId="dd35f5627cdd12a4" providerId="LiveId" clId="{514C5F3D-6B4E-4B78-B9D3-D5CDB336FC85}" dt="2024-07-17T01:27:41.650" v="2665" actId="113"/>
-          <ac:spMkLst>
-            <pc:docMk/>
-            <pc:sldMk cId="4282777845" sldId="257"/>
-            <ac:spMk id="3" creationId="{1F48F4C7-40E7-FCC0-C281-8918CEEBF74D}"/>
-          </ac:spMkLst>
-        </pc:spChg>
-        <pc:picChg chg="del">
-          <ac:chgData name="Alberto Petillo" userId="dd35f5627cdd12a4" providerId="LiveId" clId="{514C5F3D-6B4E-4B78-B9D3-D5CDB336FC85}" dt="2024-07-17T00:05:48.975" v="198" actId="478"/>
-          <ac:picMkLst>
-            <pc:docMk/>
-            <pc:sldMk cId="4282777845" sldId="257"/>
-            <ac:picMk id="8" creationId="{128AA0A9-5679-7F5B-E62C-DE62B3784691}"/>
-          </ac:picMkLst>
-        </pc:picChg>
-      </pc:sldChg>
-      <pc:sldChg chg="modSp mod">
-        <pc:chgData name="Alberto Petillo" userId="dd35f5627cdd12a4" providerId="LiveId" clId="{514C5F3D-6B4E-4B78-B9D3-D5CDB336FC85}" dt="2024-07-17T00:43:53.898" v="713" actId="14826"/>
-        <pc:sldMkLst>
-          <pc:docMk/>
-          <pc:sldMk cId="873735008" sldId="260"/>
-        </pc:sldMkLst>
-        <pc:spChg chg="mod">
-          <ac:chgData name="Alberto Petillo" userId="dd35f5627cdd12a4" providerId="LiveId" clId="{514C5F3D-6B4E-4B78-B9D3-D5CDB336FC85}" dt="2024-07-17T00:34:13.917" v="692" actId="20577"/>
-          <ac:spMkLst>
-            <pc:docMk/>
-            <pc:sldMk cId="873735008" sldId="260"/>
-            <ac:spMk id="2" creationId="{0B805834-EC27-AEB6-6EA2-9790EC436306}"/>
-          </ac:spMkLst>
-        </pc:spChg>
-        <pc:spChg chg="mod">
-          <ac:chgData name="Alberto Petillo" userId="dd35f5627cdd12a4" providerId="LiveId" clId="{514C5F3D-6B4E-4B78-B9D3-D5CDB336FC85}" dt="2024-07-17T00:11:12.600" v="312" actId="20577"/>
-          <ac:spMkLst>
-            <pc:docMk/>
-            <pc:sldMk cId="873735008" sldId="260"/>
-            <ac:spMk id="5" creationId="{F14A83D6-31A8-DD28-D043-F9A554DE18A2}"/>
-          </ac:spMkLst>
-        </pc:spChg>
-        <pc:spChg chg="mod">
-          <ac:chgData name="Alberto Petillo" userId="dd35f5627cdd12a4" providerId="LiveId" clId="{514C5F3D-6B4E-4B78-B9D3-D5CDB336FC85}" dt="2024-07-17T00:11:18.992" v="328" actId="20577"/>
-          <ac:spMkLst>
-            <pc:docMk/>
-            <pc:sldMk cId="873735008" sldId="260"/>
-            <ac:spMk id="7" creationId="{238C4671-386C-FDC8-68D9-89D0898B4C7A}"/>
-          </ac:spMkLst>
-        </pc:spChg>
-        <pc:spChg chg="mod">
-          <ac:chgData name="Alberto Petillo" userId="dd35f5627cdd12a4" providerId="LiveId" clId="{514C5F3D-6B4E-4B78-B9D3-D5CDB336FC85}" dt="2024-07-17T00:11:45.058" v="381" actId="1076"/>
-          <ac:spMkLst>
-            <pc:docMk/>
-            <pc:sldMk cId="873735008" sldId="260"/>
-            <ac:spMk id="9" creationId="{36D428A2-8A4C-CE49-3A5E-CBB40FD872D0}"/>
-          </ac:spMkLst>
-        </pc:spChg>
-        <pc:spChg chg="mod">
-          <ac:chgData name="Alberto Petillo" userId="dd35f5627cdd12a4" providerId="LiveId" clId="{514C5F3D-6B4E-4B78-B9D3-D5CDB336FC85}" dt="2024-07-17T00:15:39.926" v="397" actId="20577"/>
-          <ac:spMkLst>
-            <pc:docMk/>
-            <pc:sldMk cId="873735008" sldId="260"/>
-            <ac:spMk id="11" creationId="{4475F6FD-2463-ADB6-EA34-015DC7CAF8F3}"/>
-          </ac:spMkLst>
-        </pc:spChg>
-        <pc:spChg chg="mod">
-          <ac:chgData name="Alberto Petillo" userId="dd35f5627cdd12a4" providerId="LiveId" clId="{514C5F3D-6B4E-4B78-B9D3-D5CDB336FC85}" dt="2024-07-17T00:15:55.615" v="419" actId="1076"/>
-          <ac:spMkLst>
-            <pc:docMk/>
-            <pc:sldMk cId="873735008" sldId="260"/>
-            <ac:spMk id="13" creationId="{5A76815C-F29C-1CC0-1984-5145B3A91550}"/>
-          </ac:spMkLst>
-        </pc:spChg>
-        <pc:spChg chg="mod">
-          <ac:chgData name="Alberto Petillo" userId="dd35f5627cdd12a4" providerId="LiveId" clId="{514C5F3D-6B4E-4B78-B9D3-D5CDB336FC85}" dt="2024-07-17T00:16:03.725" v="428" actId="20577"/>
-          <ac:spMkLst>
-            <pc:docMk/>
-            <pc:sldMk cId="873735008" sldId="260"/>
-            <ac:spMk id="15" creationId="{AB43B3C9-79FB-529A-FE28-B875E462B044}"/>
-          </ac:spMkLst>
-        </pc:spChg>
-        <pc:picChg chg="mod">
-          <ac:chgData name="Alberto Petillo" userId="dd35f5627cdd12a4" providerId="LiveId" clId="{514C5F3D-6B4E-4B78-B9D3-D5CDB336FC85}" dt="2024-07-17T00:43:53.898" v="713" actId="14826"/>
-          <ac:picMkLst>
-            <pc:docMk/>
-            <pc:sldMk cId="873735008" sldId="260"/>
-            <ac:picMk id="36" creationId="{36315388-C7A8-C316-F71A-E27A7975FD71}"/>
-          </ac:picMkLst>
-        </pc:picChg>
-      </pc:sldChg>
-      <pc:sldChg chg="addSp delSp modSp mod">
-        <pc:chgData name="Alberto Petillo" userId="dd35f5627cdd12a4" providerId="LiveId" clId="{514C5F3D-6B4E-4B78-B9D3-D5CDB336FC85}" dt="2024-07-17T13:51:08.036" v="5198" actId="20577"/>
-        <pc:sldMkLst>
-          <pc:docMk/>
-          <pc:sldMk cId="2717282040" sldId="261"/>
-        </pc:sldMkLst>
-        <pc:spChg chg="mod">
-          <ac:chgData name="Alberto Petillo" userId="dd35f5627cdd12a4" providerId="LiveId" clId="{514C5F3D-6B4E-4B78-B9D3-D5CDB336FC85}" dt="2024-07-17T00:18:28.750" v="473" actId="14100"/>
-          <ac:spMkLst>
-            <pc:docMk/>
-            <pc:sldMk cId="2717282040" sldId="261"/>
-            <ac:spMk id="5" creationId="{F14A83D6-31A8-DD28-D043-F9A554DE18A2}"/>
-          </ac:spMkLst>
-        </pc:spChg>
-        <pc:spChg chg="add mod">
-          <ac:chgData name="Alberto Petillo" userId="dd35f5627cdd12a4" providerId="LiveId" clId="{514C5F3D-6B4E-4B78-B9D3-D5CDB336FC85}" dt="2024-07-17T13:51:08.036" v="5198" actId="20577"/>
-          <ac:spMkLst>
-            <pc:docMk/>
-            <pc:sldMk cId="2717282040" sldId="261"/>
-            <ac:spMk id="7" creationId="{6AF6B5EE-68E7-5BB7-34A6-08ADDC19177C}"/>
-          </ac:spMkLst>
-        </pc:spChg>
-        <pc:spChg chg="add mod">
-          <ac:chgData name="Alberto Petillo" userId="dd35f5627cdd12a4" providerId="LiveId" clId="{514C5F3D-6B4E-4B78-B9D3-D5CDB336FC85}" dt="2024-07-17T00:59:41.819" v="1657" actId="1076"/>
-          <ac:spMkLst>
-            <pc:docMk/>
-            <pc:sldMk cId="2717282040" sldId="261"/>
-            <ac:spMk id="11" creationId="{75AE95B0-AA93-9246-DF20-C0AB521018A0}"/>
-          </ac:spMkLst>
-        </pc:spChg>
-        <pc:spChg chg="del mod">
-          <ac:chgData name="Alberto Petillo" userId="dd35f5627cdd12a4" providerId="LiveId" clId="{514C5F3D-6B4E-4B78-B9D3-D5CDB336FC85}" dt="2024-07-17T00:17:35.774" v="434" actId="478"/>
-          <ac:spMkLst>
-            <pc:docMk/>
-            <pc:sldMk cId="2717282040" sldId="261"/>
-            <ac:spMk id="15" creationId="{E3E3DB95-9824-D85F-8C59-8C6ADA213809}"/>
-          </ac:spMkLst>
-        </pc:spChg>
-        <pc:spChg chg="del">
-          <ac:chgData name="Alberto Petillo" userId="dd35f5627cdd12a4" providerId="LiveId" clId="{514C5F3D-6B4E-4B78-B9D3-D5CDB336FC85}" dt="2024-07-17T00:17:42.150" v="438" actId="478"/>
-          <ac:spMkLst>
-            <pc:docMk/>
-            <pc:sldMk cId="2717282040" sldId="261"/>
-            <ac:spMk id="25" creationId="{52991539-AD64-265A-A35E-607540F6B80D}"/>
-          </ac:spMkLst>
-        </pc:spChg>
-        <pc:spChg chg="del">
-          <ac:chgData name="Alberto Petillo" userId="dd35f5627cdd12a4" providerId="LiveId" clId="{514C5F3D-6B4E-4B78-B9D3-D5CDB336FC85}" dt="2024-07-17T00:17:29.715" v="431" actId="478"/>
-          <ac:spMkLst>
-            <pc:docMk/>
-            <pc:sldMk cId="2717282040" sldId="261"/>
-            <ac:spMk id="26" creationId="{B5B4A5FC-3F28-6F74-A21E-425659F8439F}"/>
-          </ac:spMkLst>
-        </pc:spChg>
-        <pc:spChg chg="del">
-          <ac:chgData name="Alberto Petillo" userId="dd35f5627cdd12a4" providerId="LiveId" clId="{514C5F3D-6B4E-4B78-B9D3-D5CDB336FC85}" dt="2024-07-17T00:17:29.715" v="431" actId="478"/>
-          <ac:spMkLst>
-            <pc:docMk/>
-            <pc:sldMk cId="2717282040" sldId="261"/>
-            <ac:spMk id="28" creationId="{1DE6F09F-57FB-F43A-10A3-EABAB609014E}"/>
-          </ac:spMkLst>
-        </pc:spChg>
-        <pc:spChg chg="del">
-          <ac:chgData name="Alberto Petillo" userId="dd35f5627cdd12a4" providerId="LiveId" clId="{514C5F3D-6B4E-4B78-B9D3-D5CDB336FC85}" dt="2024-07-17T00:17:29.715" v="431" actId="478"/>
-          <ac:spMkLst>
-            <pc:docMk/>
-            <pc:sldMk cId="2717282040" sldId="261"/>
-            <ac:spMk id="31" creationId="{D6A9520F-76B7-0898-5F1D-654D3AA2E6B4}"/>
-          </ac:spMkLst>
-        </pc:spChg>
-        <pc:spChg chg="del">
-          <ac:chgData name="Alberto Petillo" userId="dd35f5627cdd12a4" providerId="LiveId" clId="{514C5F3D-6B4E-4B78-B9D3-D5CDB336FC85}" dt="2024-07-17T00:17:29.715" v="431" actId="478"/>
-          <ac:spMkLst>
-            <pc:docMk/>
-            <pc:sldMk cId="2717282040" sldId="261"/>
-            <ac:spMk id="32" creationId="{48824D27-8F9D-356A-0BE6-6AACC80C5F40}"/>
-          </ac:spMkLst>
-        </pc:spChg>
-        <pc:spChg chg="del">
-          <ac:chgData name="Alberto Petillo" userId="dd35f5627cdd12a4" providerId="LiveId" clId="{514C5F3D-6B4E-4B78-B9D3-D5CDB336FC85}" dt="2024-07-17T00:17:29.715" v="431" actId="478"/>
-          <ac:spMkLst>
-            <pc:docMk/>
-            <pc:sldMk cId="2717282040" sldId="261"/>
-            <ac:spMk id="33" creationId="{FC5664F6-CE4A-8C14-3695-CAAAC600187C}"/>
-          </ac:spMkLst>
-        </pc:spChg>
-        <pc:spChg chg="del">
-          <ac:chgData name="Alberto Petillo" userId="dd35f5627cdd12a4" providerId="LiveId" clId="{514C5F3D-6B4E-4B78-B9D3-D5CDB336FC85}" dt="2024-07-17T00:17:38.994" v="435" actId="478"/>
-          <ac:spMkLst>
-            <pc:docMk/>
-            <pc:sldMk cId="2717282040" sldId="261"/>
-            <ac:spMk id="37" creationId="{105C7653-9F88-F5DA-E53D-13B07F585539}"/>
-          </ac:spMkLst>
-        </pc:spChg>
-        <pc:spChg chg="del">
-          <ac:chgData name="Alberto Petillo" userId="dd35f5627cdd12a4" providerId="LiveId" clId="{514C5F3D-6B4E-4B78-B9D3-D5CDB336FC85}" dt="2024-07-17T00:17:29.715" v="431" actId="478"/>
-          <ac:spMkLst>
-            <pc:docMk/>
-            <pc:sldMk cId="2717282040" sldId="261"/>
-            <ac:spMk id="38" creationId="{0EEBA6B3-911E-29E6-7AB9-7A780E140C35}"/>
-          </ac:spMkLst>
-        </pc:spChg>
-        <pc:spChg chg="del">
-          <ac:chgData name="Alberto Petillo" userId="dd35f5627cdd12a4" providerId="LiveId" clId="{514C5F3D-6B4E-4B78-B9D3-D5CDB336FC85}" dt="2024-07-17T00:17:29.715" v="431" actId="478"/>
-          <ac:spMkLst>
-            <pc:docMk/>
-            <pc:sldMk cId="2717282040" sldId="261"/>
-            <ac:spMk id="40" creationId="{29EFD983-963E-0FED-6F58-0E863BE3DA07}"/>
-          </ac:spMkLst>
-        </pc:spChg>
-        <pc:spChg chg="del">
-          <ac:chgData name="Alberto Petillo" userId="dd35f5627cdd12a4" providerId="LiveId" clId="{514C5F3D-6B4E-4B78-B9D3-D5CDB336FC85}" dt="2024-07-17T00:17:29.715" v="431" actId="478"/>
-          <ac:spMkLst>
-            <pc:docMk/>
-            <pc:sldMk cId="2717282040" sldId="261"/>
-            <ac:spMk id="45" creationId="{8C559D4D-AE03-2296-34C8-A1F1C7D3FEB3}"/>
-          </ac:spMkLst>
-        </pc:spChg>
-        <pc:spChg chg="del">
-          <ac:chgData name="Alberto Petillo" userId="dd35f5627cdd12a4" providerId="LiveId" clId="{514C5F3D-6B4E-4B78-B9D3-D5CDB336FC85}" dt="2024-07-17T00:17:29.715" v="431" actId="478"/>
-          <ac:spMkLst>
-            <pc:docMk/>
-            <pc:sldMk cId="2717282040" sldId="261"/>
-            <ac:spMk id="47" creationId="{FD6DBE6E-C5EC-AE5E-E08A-89743B507A49}"/>
-          </ac:spMkLst>
-        </pc:spChg>
-        <pc:spChg chg="del">
-          <ac:chgData name="Alberto Petillo" userId="dd35f5627cdd12a4" providerId="LiveId" clId="{514C5F3D-6B4E-4B78-B9D3-D5CDB336FC85}" dt="2024-07-17T00:17:29.715" v="431" actId="478"/>
-          <ac:spMkLst>
-            <pc:docMk/>
-            <pc:sldMk cId="2717282040" sldId="261"/>
-            <ac:spMk id="48" creationId="{6DF97E3D-7038-5C7E-671F-1D58C5974778}"/>
-          </ac:spMkLst>
-        </pc:spChg>
-        <pc:spChg chg="del">
-          <ac:chgData name="Alberto Petillo" userId="dd35f5627cdd12a4" providerId="LiveId" clId="{514C5F3D-6B4E-4B78-B9D3-D5CDB336FC85}" dt="2024-07-17T00:17:33.051" v="432" actId="478"/>
-          <ac:spMkLst>
-            <pc:docMk/>
-            <pc:sldMk cId="2717282040" sldId="261"/>
-            <ac:spMk id="50" creationId="{52777C97-3C85-553A-28F7-FDD3B98E4AE5}"/>
-          </ac:spMkLst>
-        </pc:spChg>
-        <pc:spChg chg="del">
-          <ac:chgData name="Alberto Petillo" userId="dd35f5627cdd12a4" providerId="LiveId" clId="{514C5F3D-6B4E-4B78-B9D3-D5CDB336FC85}" dt="2024-07-17T00:17:33.051" v="432" actId="478"/>
-          <ac:spMkLst>
-            <pc:docMk/>
-            <pc:sldMk cId="2717282040" sldId="261"/>
-            <ac:spMk id="51" creationId="{2E6B065F-8170-2388-0C0F-3855F2A934D9}"/>
-          </ac:spMkLst>
-        </pc:spChg>
-        <pc:spChg chg="del">
-          <ac:chgData name="Alberto Petillo" userId="dd35f5627cdd12a4" providerId="LiveId" clId="{514C5F3D-6B4E-4B78-B9D3-D5CDB336FC85}" dt="2024-07-17T00:17:29.715" v="431" actId="478"/>
-          <ac:spMkLst>
-            <pc:docMk/>
-            <pc:sldMk cId="2717282040" sldId="261"/>
-            <ac:spMk id="52" creationId="{55689D89-3665-6CAB-2059-618ABF98A86B}"/>
-          </ac:spMkLst>
-        </pc:spChg>
-        <pc:picChg chg="del mod">
-          <ac:chgData name="Alberto Petillo" userId="dd35f5627cdd12a4" providerId="LiveId" clId="{514C5F3D-6B4E-4B78-B9D3-D5CDB336FC85}" dt="2024-07-17T00:17:29.715" v="431" actId="478"/>
-          <ac:picMkLst>
-            <pc:docMk/>
-            <pc:sldMk cId="2717282040" sldId="261"/>
-            <ac:picMk id="3" creationId="{24986B83-923E-3773-3551-21A3DBF171E5}"/>
-          </ac:picMkLst>
-        </pc:picChg>
-        <pc:picChg chg="del">
-          <ac:chgData name="Alberto Petillo" userId="dd35f5627cdd12a4" providerId="LiveId" clId="{514C5F3D-6B4E-4B78-B9D3-D5CDB336FC85}" dt="2024-07-17T00:17:29.715" v="431" actId="478"/>
-          <ac:picMkLst>
-            <pc:docMk/>
-            <pc:sldMk cId="2717282040" sldId="261"/>
-            <ac:picMk id="6" creationId="{16744E4C-4D10-070E-8B40-0246DE3E4677}"/>
-          </ac:picMkLst>
-        </pc:picChg>
-        <pc:picChg chg="del">
-          <ac:chgData name="Alberto Petillo" userId="dd35f5627cdd12a4" providerId="LiveId" clId="{514C5F3D-6B4E-4B78-B9D3-D5CDB336FC85}" dt="2024-07-17T00:17:29.715" v="431" actId="478"/>
-          <ac:picMkLst>
-            <pc:docMk/>
-            <pc:sldMk cId="2717282040" sldId="261"/>
-            <ac:picMk id="8" creationId="{D6EAE19F-891A-7666-B20F-AFD5279FC348}"/>
-          </ac:picMkLst>
-        </pc:picChg>
-        <pc:picChg chg="del">
-          <ac:chgData name="Alberto Petillo" userId="dd35f5627cdd12a4" providerId="LiveId" clId="{514C5F3D-6B4E-4B78-B9D3-D5CDB336FC85}" dt="2024-07-17T00:17:29.715" v="431" actId="478"/>
-          <ac:picMkLst>
-            <pc:docMk/>
-            <pc:sldMk cId="2717282040" sldId="261"/>
-            <ac:picMk id="9" creationId="{1FE8E761-2F4E-5100-30DC-2DF2DC27E4CD}"/>
-          </ac:picMkLst>
-        </pc:picChg>
-        <pc:picChg chg="del">
-          <ac:chgData name="Alberto Petillo" userId="dd35f5627cdd12a4" providerId="LiveId" clId="{514C5F3D-6B4E-4B78-B9D3-D5CDB336FC85}" dt="2024-07-17T00:17:40.603" v="437" actId="478"/>
-          <ac:picMkLst>
-            <pc:docMk/>
-            <pc:sldMk cId="2717282040" sldId="261"/>
-            <ac:picMk id="21" creationId="{12026642-04C9-F107-1554-8D536AA1E4CC}"/>
-          </ac:picMkLst>
-        </pc:picChg>
-        <pc:picChg chg="del">
-          <ac:chgData name="Alberto Petillo" userId="dd35f5627cdd12a4" providerId="LiveId" clId="{514C5F3D-6B4E-4B78-B9D3-D5CDB336FC85}" dt="2024-07-17T00:17:40.040" v="436" actId="478"/>
-          <ac:picMkLst>
-            <pc:docMk/>
-            <pc:sldMk cId="2717282040" sldId="261"/>
-            <ac:picMk id="1026" creationId="{9A0DA9DC-0730-83FC-1F81-1FC298BB807C}"/>
-          </ac:picMkLst>
-        </pc:picChg>
-        <pc:cxnChg chg="del">
-          <ac:chgData name="Alberto Petillo" userId="dd35f5627cdd12a4" providerId="LiveId" clId="{514C5F3D-6B4E-4B78-B9D3-D5CDB336FC85}" dt="2024-07-17T00:17:29.715" v="431" actId="478"/>
-          <ac:cxnSpMkLst>
-            <pc:docMk/>
-            <pc:sldMk cId="2717282040" sldId="261"/>
-            <ac:cxnSpMk id="2" creationId="{4675FCFC-C9F4-3E17-FA11-4088E26A8DF8}"/>
-          </ac:cxnSpMkLst>
-        </pc:cxnChg>
-        <pc:cxnChg chg="del mod">
-          <ac:chgData name="Alberto Petillo" userId="dd35f5627cdd12a4" providerId="LiveId" clId="{514C5F3D-6B4E-4B78-B9D3-D5CDB336FC85}" dt="2024-07-17T00:17:29.715" v="431" actId="478"/>
-          <ac:cxnSpMkLst>
-            <pc:docMk/>
-            <pc:sldMk cId="2717282040" sldId="261"/>
-            <ac:cxnSpMk id="13" creationId="{440BD6E9-1ADC-C8C7-CDC9-D3D12E1B523F}"/>
-          </ac:cxnSpMkLst>
-        </pc:cxnChg>
-        <pc:cxnChg chg="del">
-          <ac:chgData name="Alberto Petillo" userId="dd35f5627cdd12a4" providerId="LiveId" clId="{514C5F3D-6B4E-4B78-B9D3-D5CDB336FC85}" dt="2024-07-17T00:17:29.715" v="431" actId="478"/>
-          <ac:cxnSpMkLst>
-            <pc:docMk/>
-            <pc:sldMk cId="2717282040" sldId="261"/>
-            <ac:cxnSpMk id="16" creationId="{4165FECF-2463-3CD3-20EB-AF7016743DAE}"/>
-          </ac:cxnSpMkLst>
-        </pc:cxnChg>
-        <pc:cxnChg chg="del">
-          <ac:chgData name="Alberto Petillo" userId="dd35f5627cdd12a4" providerId="LiveId" clId="{514C5F3D-6B4E-4B78-B9D3-D5CDB336FC85}" dt="2024-07-17T00:17:29.715" v="431" actId="478"/>
-          <ac:cxnSpMkLst>
-            <pc:docMk/>
-            <pc:sldMk cId="2717282040" sldId="261"/>
-            <ac:cxnSpMk id="17" creationId="{FA69C446-7F58-531B-7F5B-28002A205049}"/>
-          </ac:cxnSpMkLst>
-        </pc:cxnChg>
-        <pc:cxnChg chg="del">
-          <ac:chgData name="Alberto Petillo" userId="dd35f5627cdd12a4" providerId="LiveId" clId="{514C5F3D-6B4E-4B78-B9D3-D5CDB336FC85}" dt="2024-07-17T00:17:29.715" v="431" actId="478"/>
-          <ac:cxnSpMkLst>
-            <pc:docMk/>
-            <pc:sldMk cId="2717282040" sldId="261"/>
-            <ac:cxnSpMk id="27" creationId="{07D10BD3-6157-731B-334D-A7B004E22BFE}"/>
-          </ac:cxnSpMkLst>
-        </pc:cxnChg>
-        <pc:cxnChg chg="del">
-          <ac:chgData name="Alberto Petillo" userId="dd35f5627cdd12a4" providerId="LiveId" clId="{514C5F3D-6B4E-4B78-B9D3-D5CDB336FC85}" dt="2024-07-17T00:17:29.715" v="431" actId="478"/>
-          <ac:cxnSpMkLst>
-            <pc:docMk/>
-            <pc:sldMk cId="2717282040" sldId="261"/>
-            <ac:cxnSpMk id="30" creationId="{C7CAA3A0-752F-A787-453B-5BCC28887461}"/>
-          </ac:cxnSpMkLst>
-        </pc:cxnChg>
-        <pc:cxnChg chg="del">
-          <ac:chgData name="Alberto Petillo" userId="dd35f5627cdd12a4" providerId="LiveId" clId="{514C5F3D-6B4E-4B78-B9D3-D5CDB336FC85}" dt="2024-07-17T00:17:29.715" v="431" actId="478"/>
-          <ac:cxnSpMkLst>
-            <pc:docMk/>
-            <pc:sldMk cId="2717282040" sldId="261"/>
-            <ac:cxnSpMk id="39" creationId="{7890BC5B-EDDE-C947-C7C3-2FED7BFB00D4}"/>
-          </ac:cxnSpMkLst>
-        </pc:cxnChg>
-      </pc:sldChg>
-      <pc:sldChg chg="del">
-        <pc:chgData name="Alberto Petillo" userId="dd35f5627cdd12a4" providerId="LiveId" clId="{514C5F3D-6B4E-4B78-B9D3-D5CDB336FC85}" dt="2024-07-17T00:18:54.331" v="479" actId="47"/>
-        <pc:sldMkLst>
-          <pc:docMk/>
-          <pc:sldMk cId="2262218340" sldId="262"/>
-        </pc:sldMkLst>
-      </pc:sldChg>
-      <pc:sldChg chg="addSp delSp modSp mod">
-        <pc:chgData name="Alberto Petillo" userId="dd35f5627cdd12a4" providerId="LiveId" clId="{514C5F3D-6B4E-4B78-B9D3-D5CDB336FC85}" dt="2024-07-17T01:14:31.954" v="2194" actId="1076"/>
-        <pc:sldMkLst>
-          <pc:docMk/>
-          <pc:sldMk cId="1762465598" sldId="263"/>
-        </pc:sldMkLst>
-        <pc:spChg chg="del">
-          <ac:chgData name="Alberto Petillo" userId="dd35f5627cdd12a4" providerId="LiveId" clId="{514C5F3D-6B4E-4B78-B9D3-D5CDB336FC85}" dt="2024-07-17T00:24:29.662" v="481" actId="478"/>
-          <ac:spMkLst>
-            <pc:docMk/>
-            <pc:sldMk cId="1762465598" sldId="263"/>
-            <ac:spMk id="3" creationId="{4183AB8D-563B-D207-2DB6-2B7EEBACAE59}"/>
-          </ac:spMkLst>
-        </pc:spChg>
-        <pc:spChg chg="mod">
-          <ac:chgData name="Alberto Petillo" userId="dd35f5627cdd12a4" providerId="LiveId" clId="{514C5F3D-6B4E-4B78-B9D3-D5CDB336FC85}" dt="2024-07-17T01:14:31.954" v="2194" actId="1076"/>
-          <ac:spMkLst>
-            <pc:docMk/>
-            <pc:sldMk cId="1762465598" sldId="263"/>
-            <ac:spMk id="5" creationId="{F14A83D6-31A8-DD28-D043-F9A554DE18A2}"/>
-          </ac:spMkLst>
-        </pc:spChg>
-        <pc:spChg chg="add mod">
-          <ac:chgData name="Alberto Petillo" userId="dd35f5627cdd12a4" providerId="LiveId" clId="{514C5F3D-6B4E-4B78-B9D3-D5CDB336FC85}" dt="2024-07-17T01:12:42.868" v="2155" actId="1582"/>
-          <ac:spMkLst>
-            <pc:docMk/>
-            <pc:sldMk cId="1762465598" sldId="263"/>
-            <ac:spMk id="6" creationId="{0495862F-7652-CC16-EF94-774363236B63}"/>
-          </ac:spMkLst>
-        </pc:spChg>
-        <pc:spChg chg="add mod">
-          <ac:chgData name="Alberto Petillo" userId="dd35f5627cdd12a4" providerId="LiveId" clId="{514C5F3D-6B4E-4B78-B9D3-D5CDB336FC85}" dt="2024-07-17T01:14:11.953" v="2192" actId="1076"/>
-          <ac:spMkLst>
-            <pc:docMk/>
-            <pc:sldMk cId="1762465598" sldId="263"/>
-            <ac:spMk id="11" creationId="{5EBD49FF-1BC2-E63F-E678-BC99D2995259}"/>
-          </ac:spMkLst>
-        </pc:spChg>
-        <pc:picChg chg="add mod">
-          <ac:chgData name="Alberto Petillo" userId="dd35f5627cdd12a4" providerId="LiveId" clId="{514C5F3D-6B4E-4B78-B9D3-D5CDB336FC85}" dt="2024-07-17T01:12:10.853" v="2148" actId="1076"/>
-          <ac:picMkLst>
-            <pc:docMk/>
-            <pc:sldMk cId="1762465598" sldId="263"/>
-            <ac:picMk id="4" creationId="{F839231F-68DC-7A15-19DE-0CCB311CBFD1}"/>
-          </ac:picMkLst>
-        </pc:picChg>
-        <pc:picChg chg="del">
-          <ac:chgData name="Alberto Petillo" userId="dd35f5627cdd12a4" providerId="LiveId" clId="{514C5F3D-6B4E-4B78-B9D3-D5CDB336FC85}" dt="2024-07-17T00:24:54.725" v="508" actId="478"/>
-          <ac:picMkLst>
-            <pc:docMk/>
-            <pc:sldMk cId="1762465598" sldId="263"/>
-            <ac:picMk id="36" creationId="{36315388-C7A8-C316-F71A-E27A7975FD71}"/>
-          </ac:picMkLst>
-        </pc:picChg>
-        <pc:cxnChg chg="add mod">
-          <ac:chgData name="Alberto Petillo" userId="dd35f5627cdd12a4" providerId="LiveId" clId="{514C5F3D-6B4E-4B78-B9D3-D5CDB336FC85}" dt="2024-07-17T01:13:16.276" v="2161" actId="14100"/>
-          <ac:cxnSpMkLst>
-            <pc:docMk/>
-            <pc:sldMk cId="1762465598" sldId="263"/>
-            <ac:cxnSpMk id="8" creationId="{3A0AF004-8001-2727-CA8E-E451A70C2288}"/>
-          </ac:cxnSpMkLst>
-        </pc:cxnChg>
-      </pc:sldChg>
-      <pc:sldChg chg="modSp del mod">
-        <pc:chgData name="Alberto Petillo" userId="dd35f5627cdd12a4" providerId="LiveId" clId="{514C5F3D-6B4E-4B78-B9D3-D5CDB336FC85}" dt="2024-07-17T00:28:28.084" v="528" actId="2696"/>
-        <pc:sldMkLst>
-          <pc:docMk/>
-          <pc:sldMk cId="3596977676" sldId="264"/>
-        </pc:sldMkLst>
-        <pc:picChg chg="mod">
-          <ac:chgData name="Alberto Petillo" userId="dd35f5627cdd12a4" providerId="LiveId" clId="{514C5F3D-6B4E-4B78-B9D3-D5CDB336FC85}" dt="2024-07-17T00:28:03.650" v="524" actId="14826"/>
-          <ac:picMkLst>
-            <pc:docMk/>
-            <pc:sldMk cId="3596977676" sldId="264"/>
-            <ac:picMk id="36" creationId="{36315388-C7A8-C316-F71A-E27A7975FD71}"/>
-          </ac:picMkLst>
-        </pc:picChg>
-      </pc:sldChg>
-      <pc:sldChg chg="addSp delSp modSp mod">
-        <pc:chgData name="Alberto Petillo" userId="dd35f5627cdd12a4" providerId="LiveId" clId="{514C5F3D-6B4E-4B78-B9D3-D5CDB336FC85}" dt="2024-07-17T11:06:11.443" v="3470" actId="20577"/>
-        <pc:sldMkLst>
-          <pc:docMk/>
-          <pc:sldMk cId="2664025553" sldId="265"/>
-        </pc:sldMkLst>
-        <pc:spChg chg="add mod">
-          <ac:chgData name="Alberto Petillo" userId="dd35f5627cdd12a4" providerId="LiveId" clId="{514C5F3D-6B4E-4B78-B9D3-D5CDB336FC85}" dt="2024-07-17T11:06:11.443" v="3470" actId="20577"/>
-          <ac:spMkLst>
-            <pc:docMk/>
-            <pc:sldMk cId="2664025553" sldId="265"/>
-            <ac:spMk id="2" creationId="{111A2658-754B-D200-A693-A80788A12823}"/>
-          </ac:spMkLst>
-        </pc:spChg>
-        <pc:spChg chg="mod">
-          <ac:chgData name="Alberto Petillo" userId="dd35f5627cdd12a4" providerId="LiveId" clId="{514C5F3D-6B4E-4B78-B9D3-D5CDB336FC85}" dt="2024-07-17T00:28:42.360" v="541" actId="20577"/>
-          <ac:spMkLst>
-            <pc:docMk/>
-            <pc:sldMk cId="2664025553" sldId="265"/>
-            <ac:spMk id="5" creationId="{F14A83D6-31A8-DD28-D043-F9A554DE18A2}"/>
-          </ac:spMkLst>
-        </pc:spChg>
-        <pc:picChg chg="del">
-          <ac:chgData name="Alberto Petillo" userId="dd35f5627cdd12a4" providerId="LiveId" clId="{514C5F3D-6B4E-4B78-B9D3-D5CDB336FC85}" dt="2024-07-17T00:28:12.760" v="525" actId="478"/>
-          <ac:picMkLst>
-            <pc:docMk/>
-            <pc:sldMk cId="2664025553" sldId="265"/>
-            <ac:picMk id="4" creationId="{A573CA6D-7F7E-DB25-D160-DB48DDBB92CE}"/>
-          </ac:picMkLst>
-        </pc:picChg>
-        <pc:picChg chg="del">
-          <ac:chgData name="Alberto Petillo" userId="dd35f5627cdd12a4" providerId="LiveId" clId="{514C5F3D-6B4E-4B78-B9D3-D5CDB336FC85}" dt="2024-07-17T00:28:13.815" v="526" actId="478"/>
-          <ac:picMkLst>
-            <pc:docMk/>
-            <pc:sldMk cId="2664025553" sldId="265"/>
-            <ac:picMk id="36" creationId="{36315388-C7A8-C316-F71A-E27A7975FD71}"/>
-          </ac:picMkLst>
-        </pc:picChg>
-      </pc:sldChg>
-      <pc:sldChg chg="addSp delSp modSp mod">
-        <pc:chgData name="Alberto Petillo" userId="dd35f5627cdd12a4" providerId="LiveId" clId="{514C5F3D-6B4E-4B78-B9D3-D5CDB336FC85}" dt="2024-07-17T13:50:44.876" v="5195" actId="1076"/>
-        <pc:sldMkLst>
-          <pc:docMk/>
-          <pc:sldMk cId="3808001517" sldId="267"/>
-        </pc:sldMkLst>
-        <pc:spChg chg="del">
-          <ac:chgData name="Alberto Petillo" userId="dd35f5627cdd12a4" providerId="LiveId" clId="{514C5F3D-6B4E-4B78-B9D3-D5CDB336FC85}" dt="2024-07-17T00:29:42.257" v="593" actId="478"/>
-          <ac:spMkLst>
-            <pc:docMk/>
-            <pc:sldMk cId="3808001517" sldId="267"/>
-            <ac:spMk id="2" creationId="{C8B23DC9-4A7D-3C23-0A51-792080647F5D}"/>
-          </ac:spMkLst>
-        </pc:spChg>
-        <pc:spChg chg="mod">
-          <ac:chgData name="Alberto Petillo" userId="dd35f5627cdd12a4" providerId="LiveId" clId="{514C5F3D-6B4E-4B78-B9D3-D5CDB336FC85}" dt="2024-07-17T00:29:38.335" v="591" actId="20577"/>
-          <ac:spMkLst>
-            <pc:docMk/>
-            <pc:sldMk cId="3808001517" sldId="267"/>
-            <ac:spMk id="5" creationId="{F14A83D6-31A8-DD28-D043-F9A554DE18A2}"/>
-          </ac:spMkLst>
-        </pc:spChg>
-        <pc:picChg chg="add mod">
-          <ac:chgData name="Alberto Petillo" userId="dd35f5627cdd12a4" providerId="LiveId" clId="{514C5F3D-6B4E-4B78-B9D3-D5CDB336FC85}" dt="2024-07-17T13:50:44.876" v="5195" actId="1076"/>
-          <ac:picMkLst>
-            <pc:docMk/>
-            <pc:sldMk cId="3808001517" sldId="267"/>
-            <ac:picMk id="3" creationId="{07AF32DA-EE0E-CDA1-8B2B-FADD2773FF3D}"/>
-          </ac:picMkLst>
-        </pc:picChg>
-        <pc:picChg chg="del">
-          <ac:chgData name="Alberto Petillo" userId="dd35f5627cdd12a4" providerId="LiveId" clId="{514C5F3D-6B4E-4B78-B9D3-D5CDB336FC85}" dt="2024-07-17T00:29:40.707" v="592" actId="478"/>
-          <ac:picMkLst>
-            <pc:docMk/>
-            <pc:sldMk cId="3808001517" sldId="267"/>
-            <ac:picMk id="36" creationId="{36315388-C7A8-C316-F71A-E27A7975FD71}"/>
-          </ac:picMkLst>
-        </pc:picChg>
-      </pc:sldChg>
-      <pc:sldChg chg="del">
-        <pc:chgData name="Alberto Petillo" userId="dd35f5627cdd12a4" providerId="LiveId" clId="{514C5F3D-6B4E-4B78-B9D3-D5CDB336FC85}" dt="2024-07-17T00:29:58.293" v="599" actId="2696"/>
-        <pc:sldMkLst>
-          <pc:docMk/>
-          <pc:sldMk cId="3004536009" sldId="268"/>
-        </pc:sldMkLst>
-      </pc:sldChg>
-      <pc:sldChg chg="addSp delSp modSp mod">
-        <pc:chgData name="Alberto Petillo" userId="dd35f5627cdd12a4" providerId="LiveId" clId="{514C5F3D-6B4E-4B78-B9D3-D5CDB336FC85}" dt="2024-07-17T13:26:10.533" v="4945" actId="1076"/>
-        <pc:sldMkLst>
-          <pc:docMk/>
-          <pc:sldMk cId="3366925797" sldId="269"/>
-        </pc:sldMkLst>
-        <pc:spChg chg="del">
-          <ac:chgData name="Alberto Petillo" userId="dd35f5627cdd12a4" providerId="LiveId" clId="{514C5F3D-6B4E-4B78-B9D3-D5CDB336FC85}" dt="2024-07-17T00:30:26.526" v="622" actId="478"/>
-          <ac:spMkLst>
-            <pc:docMk/>
-            <pc:sldMk cId="3366925797" sldId="269"/>
-            <ac:spMk id="3" creationId="{584223DC-2E07-B9A1-B7D6-B6819DF0E8CD}"/>
-          </ac:spMkLst>
-        </pc:spChg>
-        <pc:spChg chg="del mod">
-          <ac:chgData name="Alberto Petillo" userId="dd35f5627cdd12a4" providerId="LiveId" clId="{514C5F3D-6B4E-4B78-B9D3-D5CDB336FC85}" dt="2024-07-17T13:25:57.555" v="4941" actId="478"/>
-          <ac:spMkLst>
-            <pc:docMk/>
-            <pc:sldMk cId="3366925797" sldId="269"/>
-            <ac:spMk id="5" creationId="{F14A83D6-31A8-DD28-D043-F9A554DE18A2}"/>
-          </ac:spMkLst>
-        </pc:spChg>
-        <pc:spChg chg="del">
-          <ac:chgData name="Alberto Petillo" userId="dd35f5627cdd12a4" providerId="LiveId" clId="{514C5F3D-6B4E-4B78-B9D3-D5CDB336FC85}" dt="2024-07-17T13:25:29.205" v="4932" actId="478"/>
-          <ac:spMkLst>
-            <pc:docMk/>
-            <pc:sldMk cId="3366925797" sldId="269"/>
-            <ac:spMk id="19" creationId="{DE3D8727-D0CE-5245-F7FE-FA1D53E5B18A}"/>
-          </ac:spMkLst>
-        </pc:spChg>
-        <pc:spChg chg="del">
-          <ac:chgData name="Alberto Petillo" userId="dd35f5627cdd12a4" providerId="LiveId" clId="{514C5F3D-6B4E-4B78-B9D3-D5CDB336FC85}" dt="2024-07-17T13:25:28.022" v="4930" actId="478"/>
-          <ac:spMkLst>
-            <pc:docMk/>
-            <pc:sldMk cId="3366925797" sldId="269"/>
-            <ac:spMk id="20" creationId="{06FCE0EE-0A36-3044-832D-78BBCED390A5}"/>
-          </ac:spMkLst>
-        </pc:spChg>
-        <pc:spChg chg="del">
-          <ac:chgData name="Alberto Petillo" userId="dd35f5627cdd12a4" providerId="LiveId" clId="{514C5F3D-6B4E-4B78-B9D3-D5CDB336FC85}" dt="2024-07-17T13:25:28.618" v="4931" actId="478"/>
-          <ac:spMkLst>
-            <pc:docMk/>
-            <pc:sldMk cId="3366925797" sldId="269"/>
-            <ac:spMk id="29" creationId="{1BF09B6D-E38C-C71C-2407-04DA001BCD1F}"/>
-          </ac:spMkLst>
-        </pc:spChg>
-        <pc:picChg chg="add del mod">
-          <ac:chgData name="Alberto Petillo" userId="dd35f5627cdd12a4" providerId="LiveId" clId="{514C5F3D-6B4E-4B78-B9D3-D5CDB336FC85}" dt="2024-07-17T13:20:56.571" v="4901" actId="478"/>
-          <ac:picMkLst>
-            <pc:docMk/>
-            <pc:sldMk cId="3366925797" sldId="269"/>
-            <ac:picMk id="3" creationId="{5A0932F2-910F-3869-02E5-23A14E75651C}"/>
-          </ac:picMkLst>
-        </pc:picChg>
-        <pc:picChg chg="add del mod">
-          <ac:chgData name="Alberto Petillo" userId="dd35f5627cdd12a4" providerId="LiveId" clId="{514C5F3D-6B4E-4B78-B9D3-D5CDB336FC85}" dt="2024-07-17T13:21:04.462" v="4903" actId="478"/>
-          <ac:picMkLst>
-            <pc:docMk/>
-            <pc:sldMk cId="3366925797" sldId="269"/>
-            <ac:picMk id="6" creationId="{79271C95-0310-3D25-1BC6-E7251C9B27F0}"/>
-          </ac:picMkLst>
-        </pc:picChg>
-        <pc:picChg chg="add del mod">
-          <ac:chgData name="Alberto Petillo" userId="dd35f5627cdd12a4" providerId="LiveId" clId="{514C5F3D-6B4E-4B78-B9D3-D5CDB336FC85}" dt="2024-07-17T13:24:09.517" v="4922" actId="478"/>
-          <ac:picMkLst>
-            <pc:docMk/>
-            <pc:sldMk cId="3366925797" sldId="269"/>
-            <ac:picMk id="8" creationId="{64FB0211-2EFA-4BEF-7820-D6935BE16671}"/>
-          </ac:picMkLst>
-        </pc:picChg>
-        <pc:picChg chg="add del mod">
-          <ac:chgData name="Alberto Petillo" userId="dd35f5627cdd12a4" providerId="LiveId" clId="{514C5F3D-6B4E-4B78-B9D3-D5CDB336FC85}" dt="2024-07-17T13:24:09.002" v="4921" actId="478"/>
-          <ac:picMkLst>
-            <pc:docMk/>
-            <pc:sldMk cId="3366925797" sldId="269"/>
-            <ac:picMk id="10" creationId="{5413F5D6-68DC-96D3-A397-2618C97CFF5C}"/>
-          </ac:picMkLst>
-        </pc:picChg>
-        <pc:picChg chg="add mod">
-          <ac:chgData name="Alberto Petillo" userId="dd35f5627cdd12a4" providerId="LiveId" clId="{514C5F3D-6B4E-4B78-B9D3-D5CDB336FC85}" dt="2024-07-17T13:26:08.252" v="4944" actId="1076"/>
-          <ac:picMkLst>
-            <pc:docMk/>
-            <pc:sldMk cId="3366925797" sldId="269"/>
-            <ac:picMk id="12" creationId="{47E10A40-D663-A076-6CEB-F95E59AB3517}"/>
-          </ac:picMkLst>
-        </pc:picChg>
-        <pc:picChg chg="add mod">
-          <ac:chgData name="Alberto Petillo" userId="dd35f5627cdd12a4" providerId="LiveId" clId="{514C5F3D-6B4E-4B78-B9D3-D5CDB336FC85}" dt="2024-07-17T13:26:10.533" v="4945" actId="1076"/>
-          <ac:picMkLst>
-            <pc:docMk/>
-            <pc:sldMk cId="3366925797" sldId="269"/>
-            <ac:picMk id="14" creationId="{8EFB7249-18CE-BD84-5544-30B7C9E88B89}"/>
-          </ac:picMkLst>
-        </pc:picChg>
-        <pc:picChg chg="del">
-          <ac:chgData name="Alberto Petillo" userId="dd35f5627cdd12a4" providerId="LiveId" clId="{514C5F3D-6B4E-4B78-B9D3-D5CDB336FC85}" dt="2024-07-17T00:30:14.699" v="621" actId="478"/>
-          <ac:picMkLst>
-            <pc:docMk/>
-            <pc:sldMk cId="3366925797" sldId="269"/>
-            <ac:picMk id="36" creationId="{36315388-C7A8-C316-F71A-E27A7975FD71}"/>
-          </ac:picMkLst>
-        </pc:picChg>
-      </pc:sldChg>
-      <pc:sldChg chg="del">
-        <pc:chgData name="Alberto Petillo" userId="dd35f5627cdd12a4" providerId="LiveId" clId="{514C5F3D-6B4E-4B78-B9D3-D5CDB336FC85}" dt="2024-07-17T00:30:42.217" v="628" actId="2696"/>
-        <pc:sldMkLst>
-          <pc:docMk/>
-          <pc:sldMk cId="204200013" sldId="270"/>
-        </pc:sldMkLst>
-      </pc:sldChg>
-      <pc:sldChg chg="addSp delSp modSp mod">
-        <pc:chgData name="Alberto Petillo" userId="dd35f5627cdd12a4" providerId="LiveId" clId="{514C5F3D-6B4E-4B78-B9D3-D5CDB336FC85}" dt="2024-07-17T13:49:33.572" v="5194" actId="1076"/>
-        <pc:sldMkLst>
-          <pc:docMk/>
-          <pc:sldMk cId="1664662738" sldId="271"/>
-        </pc:sldMkLst>
-        <pc:spChg chg="mod">
-          <ac:chgData name="Alberto Petillo" userId="dd35f5627cdd12a4" providerId="LiveId" clId="{514C5F3D-6B4E-4B78-B9D3-D5CDB336FC85}" dt="2024-07-17T13:13:29.084" v="4880" actId="20577"/>
-          <ac:spMkLst>
-            <pc:docMk/>
-            <pc:sldMk cId="1664662738" sldId="271"/>
-            <ac:spMk id="5" creationId="{F14A83D6-31A8-DD28-D043-F9A554DE18A2}"/>
-          </ac:spMkLst>
-        </pc:spChg>
-        <pc:spChg chg="del">
-          <ac:chgData name="Alberto Petillo" userId="dd35f5627cdd12a4" providerId="LiveId" clId="{514C5F3D-6B4E-4B78-B9D3-D5CDB336FC85}" dt="2024-07-17T00:33:48.755" v="687" actId="478"/>
-          <ac:spMkLst>
-            <pc:docMk/>
-            <pc:sldMk cId="1664662738" sldId="271"/>
-            <ac:spMk id="6" creationId="{B2FEBC91-CBD3-F511-4423-006C96656076}"/>
-          </ac:spMkLst>
-        </pc:spChg>
-        <pc:spChg chg="add mod">
-          <ac:chgData name="Alberto Petillo" userId="dd35f5627cdd12a4" providerId="LiveId" clId="{514C5F3D-6B4E-4B78-B9D3-D5CDB336FC85}" dt="2024-07-17T13:48:58.479" v="5187" actId="20577"/>
-          <ac:spMkLst>
-            <pc:docMk/>
-            <pc:sldMk cId="1664662738" sldId="271"/>
-            <ac:spMk id="8" creationId="{D8EA9DFB-D246-A1F0-8C42-FC83D0D9DB0B}"/>
-          </ac:spMkLst>
-        </pc:spChg>
-        <pc:picChg chg="add del mod">
-          <ac:chgData name="Alberto Petillo" userId="dd35f5627cdd12a4" providerId="LiveId" clId="{514C5F3D-6B4E-4B78-B9D3-D5CDB336FC85}" dt="2024-07-17T13:49:10.355" v="5190" actId="478"/>
-          <ac:picMkLst>
-            <pc:docMk/>
-            <pc:sldMk cId="1664662738" sldId="271"/>
-            <ac:picMk id="7" creationId="{1AA94B51-FD59-DB79-BB67-BBDE77509D86}"/>
-          </ac:picMkLst>
-        </pc:picChg>
-        <pc:picChg chg="add mod">
-          <ac:chgData name="Alberto Petillo" userId="dd35f5627cdd12a4" providerId="LiveId" clId="{514C5F3D-6B4E-4B78-B9D3-D5CDB336FC85}" dt="2024-07-17T13:49:33.572" v="5194" actId="1076"/>
-          <ac:picMkLst>
-            <pc:docMk/>
-            <pc:sldMk cId="1664662738" sldId="271"/>
-            <ac:picMk id="10" creationId="{4FA99335-FE60-C7A8-8BE9-9F0E84B8D897}"/>
-          </ac:picMkLst>
-        </pc:picChg>
-        <pc:picChg chg="del">
-          <ac:chgData name="Alberto Petillo" userId="dd35f5627cdd12a4" providerId="LiveId" clId="{514C5F3D-6B4E-4B78-B9D3-D5CDB336FC85}" dt="2024-07-17T00:33:47.148" v="686" actId="478"/>
-          <ac:picMkLst>
-            <pc:docMk/>
-            <pc:sldMk cId="1664662738" sldId="271"/>
-            <ac:picMk id="36" creationId="{36315388-C7A8-C316-F71A-E27A7975FD71}"/>
-          </ac:picMkLst>
-        </pc:picChg>
-      </pc:sldChg>
-      <pc:sldChg chg="del">
-        <pc:chgData name="Alberto Petillo" userId="dd35f5627cdd12a4" providerId="LiveId" clId="{514C5F3D-6B4E-4B78-B9D3-D5CDB336FC85}" dt="2024-07-17T00:31:04.135" v="631" actId="2696"/>
-        <pc:sldMkLst>
-          <pc:docMk/>
-          <pc:sldMk cId="2668145571" sldId="272"/>
-        </pc:sldMkLst>
-      </pc:sldChg>
-      <pc:sldChg chg="del">
-        <pc:chgData name="Alberto Petillo" userId="dd35f5627cdd12a4" providerId="LiveId" clId="{514C5F3D-6B4E-4B78-B9D3-D5CDB336FC85}" dt="2024-07-17T00:31:11.209" v="633" actId="2696"/>
-        <pc:sldMkLst>
-          <pc:docMk/>
-          <pc:sldMk cId="2033737664" sldId="273"/>
-        </pc:sldMkLst>
-      </pc:sldChg>
-      <pc:sldChg chg="del">
-        <pc:chgData name="Alberto Petillo" userId="dd35f5627cdd12a4" providerId="LiveId" clId="{514C5F3D-6B4E-4B78-B9D3-D5CDB336FC85}" dt="2024-07-17T00:31:08.683" v="632" actId="2696"/>
-        <pc:sldMkLst>
-          <pc:docMk/>
-          <pc:sldMk cId="4130813961" sldId="274"/>
-        </pc:sldMkLst>
-      </pc:sldChg>
-      <pc:sldChg chg="delSp modSp mod">
-        <pc:chgData name="Alberto Petillo" userId="dd35f5627cdd12a4" providerId="LiveId" clId="{514C5F3D-6B4E-4B78-B9D3-D5CDB336FC85}" dt="2024-07-17T00:50:59.850" v="732" actId="113"/>
-        <pc:sldMkLst>
-          <pc:docMk/>
-          <pc:sldMk cId="994272838" sldId="275"/>
-        </pc:sldMkLst>
-        <pc:spChg chg="mod">
-          <ac:chgData name="Alberto Petillo" userId="dd35f5627cdd12a4" providerId="LiveId" clId="{514C5F3D-6B4E-4B78-B9D3-D5CDB336FC85}" dt="2024-07-17T00:50:59.850" v="732" actId="113"/>
-          <ac:spMkLst>
-            <pc:docMk/>
-            <pc:sldMk cId="994272838" sldId="275"/>
-            <ac:spMk id="2" creationId="{36190BE1-9C8F-D687-004A-F9B3CCAAF58B}"/>
-          </ac:spMkLst>
-        </pc:spChg>
-        <pc:spChg chg="mod">
-          <ac:chgData name="Alberto Petillo" userId="dd35f5627cdd12a4" providerId="LiveId" clId="{514C5F3D-6B4E-4B78-B9D3-D5CDB336FC85}" dt="2024-07-17T00:39:41.549" v="705" actId="1076"/>
-          <ac:spMkLst>
-            <pc:docMk/>
-            <pc:sldMk cId="994272838" sldId="275"/>
-            <ac:spMk id="3" creationId="{5AD5A10C-FFB8-A048-374F-41CE93CC036D}"/>
-          </ac:spMkLst>
-        </pc:spChg>
-        <pc:spChg chg="mod">
-          <ac:chgData name="Alberto Petillo" userId="dd35f5627cdd12a4" providerId="LiveId" clId="{514C5F3D-6B4E-4B78-B9D3-D5CDB336FC85}" dt="2024-07-17T00:43:41.655" v="712" actId="1076"/>
-          <ac:spMkLst>
-            <pc:docMk/>
-            <pc:sldMk cId="994272838" sldId="275"/>
-            <ac:spMk id="4" creationId="{E8735628-8230-BCF2-6A64-392372D3BFFF}"/>
-          </ac:spMkLst>
-        </pc:spChg>
-        <pc:spChg chg="del">
-          <ac:chgData name="Alberto Petillo" userId="dd35f5627cdd12a4" providerId="LiveId" clId="{514C5F3D-6B4E-4B78-B9D3-D5CDB336FC85}" dt="2024-07-17T00:31:34.646" v="641" actId="478"/>
-          <ac:spMkLst>
-            <pc:docMk/>
-            <pc:sldMk cId="994272838" sldId="275"/>
-            <ac:spMk id="5" creationId="{A6CCB402-F6F5-19F1-79F5-4410FFEAF3BE}"/>
-          </ac:spMkLst>
-        </pc:spChg>
-        <pc:picChg chg="del">
-          <ac:chgData name="Alberto Petillo" userId="dd35f5627cdd12a4" providerId="LiveId" clId="{514C5F3D-6B4E-4B78-B9D3-D5CDB336FC85}" dt="2024-07-17T00:31:24.351" v="634" actId="478"/>
-          <ac:picMkLst>
-            <pc:docMk/>
-            <pc:sldMk cId="994272838" sldId="275"/>
-            <ac:picMk id="6" creationId="{021142E1-3B9B-6A76-830C-3ABEEF5AE6EE}"/>
-          </ac:picMkLst>
-        </pc:picChg>
-      </pc:sldChg>
-      <pc:sldChg chg="del">
-        <pc:chgData name="Alberto Petillo" userId="dd35f5627cdd12a4" providerId="LiveId" clId="{514C5F3D-6B4E-4B78-B9D3-D5CDB336FC85}" dt="2024-07-17T00:18:47.626" v="477" actId="47"/>
-        <pc:sldMkLst>
-          <pc:docMk/>
-          <pc:sldMk cId="4164122960" sldId="276"/>
-        </pc:sldMkLst>
-      </pc:sldChg>
-      <pc:sldChg chg="del">
-        <pc:chgData name="Alberto Petillo" userId="dd35f5627cdd12a4" providerId="LiveId" clId="{514C5F3D-6B4E-4B78-B9D3-D5CDB336FC85}" dt="2024-07-17T00:27:54.583" v="523" actId="2696"/>
-        <pc:sldMkLst>
-          <pc:docMk/>
-          <pc:sldMk cId="2959257463" sldId="277"/>
-        </pc:sldMkLst>
-      </pc:sldChg>
-      <pc:sldChg chg="del">
-        <pc:chgData name="Alberto Petillo" userId="dd35f5627cdd12a4" providerId="LiveId" clId="{514C5F3D-6B4E-4B78-B9D3-D5CDB336FC85}" dt="2024-07-17T00:29:07.244" v="562" actId="2696"/>
-        <pc:sldMkLst>
-          <pc:docMk/>
-          <pc:sldMk cId="1874150125" sldId="278"/>
-        </pc:sldMkLst>
-      </pc:sldChg>
-      <pc:sldChg chg="del">
-        <pc:chgData name="Alberto Petillo" userId="dd35f5627cdd12a4" providerId="LiveId" clId="{514C5F3D-6B4E-4B78-B9D3-D5CDB336FC85}" dt="2024-07-17T00:29:56.487" v="598" actId="2696"/>
-        <pc:sldMkLst>
-          <pc:docMk/>
-          <pc:sldMk cId="3759172941" sldId="279"/>
-        </pc:sldMkLst>
-      </pc:sldChg>
-      <pc:sldChg chg="del">
-        <pc:chgData name="Alberto Petillo" userId="dd35f5627cdd12a4" providerId="LiveId" clId="{514C5F3D-6B4E-4B78-B9D3-D5CDB336FC85}" dt="2024-07-17T00:30:37.190" v="626" actId="2696"/>
-        <pc:sldMkLst>
-          <pc:docMk/>
-          <pc:sldMk cId="1149479093" sldId="280"/>
-        </pc:sldMkLst>
-      </pc:sldChg>
-      <pc:sldChg chg="del">
-        <pc:chgData name="Alberto Petillo" userId="dd35f5627cdd12a4" providerId="LiveId" clId="{514C5F3D-6B4E-4B78-B9D3-D5CDB336FC85}" dt="2024-07-17T00:29:12.588" v="564" actId="2696"/>
-        <pc:sldMkLst>
-          <pc:docMk/>
-          <pc:sldMk cId="609982123" sldId="281"/>
-        </pc:sldMkLst>
-      </pc:sldChg>
-      <pc:sldChg chg="delSp modSp del mod">
-        <pc:chgData name="Alberto Petillo" userId="dd35f5627cdd12a4" providerId="LiveId" clId="{514C5F3D-6B4E-4B78-B9D3-D5CDB336FC85}" dt="2024-07-17T00:50:39.646" v="728" actId="2696"/>
-        <pc:sldMkLst>
-          <pc:docMk/>
-          <pc:sldMk cId="352654332" sldId="282"/>
-        </pc:sldMkLst>
-        <pc:spChg chg="mod">
-          <ac:chgData name="Alberto Petillo" userId="dd35f5627cdd12a4" providerId="LiveId" clId="{514C5F3D-6B4E-4B78-B9D3-D5CDB336FC85}" dt="2024-07-17T00:28:54.256" v="558" actId="20577"/>
-          <ac:spMkLst>
-            <pc:docMk/>
-            <pc:sldMk cId="352654332" sldId="282"/>
-            <ac:spMk id="5" creationId="{F14A83D6-31A8-DD28-D043-F9A554DE18A2}"/>
-          </ac:spMkLst>
-        </pc:spChg>
-        <pc:picChg chg="del">
-          <ac:chgData name="Alberto Petillo" userId="dd35f5627cdd12a4" providerId="LiveId" clId="{514C5F3D-6B4E-4B78-B9D3-D5CDB336FC85}" dt="2024-07-17T00:28:45.173" v="542" actId="478"/>
-          <ac:picMkLst>
-            <pc:docMk/>
-            <pc:sldMk cId="352654332" sldId="282"/>
-            <ac:picMk id="7" creationId="{3EA03083-E881-FC6E-88AE-BBD52EA5FB18}"/>
-          </ac:picMkLst>
-        </pc:picChg>
-        <pc:picChg chg="del">
-          <ac:chgData name="Alberto Petillo" userId="dd35f5627cdd12a4" providerId="LiveId" clId="{514C5F3D-6B4E-4B78-B9D3-D5CDB336FC85}" dt="2024-07-17T00:28:45.717" v="543" actId="478"/>
-          <ac:picMkLst>
-            <pc:docMk/>
-            <pc:sldMk cId="352654332" sldId="282"/>
-            <ac:picMk id="9" creationId="{74BE7EFD-AAC9-C90A-270F-D2FCFEA17B94}"/>
-          </ac:picMkLst>
-        </pc:picChg>
-        <pc:picChg chg="del">
-          <ac:chgData name="Alberto Petillo" userId="dd35f5627cdd12a4" providerId="LiveId" clId="{514C5F3D-6B4E-4B78-B9D3-D5CDB336FC85}" dt="2024-07-17T00:28:46.982" v="544" actId="478"/>
-          <ac:picMkLst>
-            <pc:docMk/>
-            <pc:sldMk cId="352654332" sldId="282"/>
-            <ac:picMk id="36" creationId="{36315388-C7A8-C316-F71A-E27A7975FD71}"/>
-          </ac:picMkLst>
-        </pc:picChg>
-      </pc:sldChg>
-      <pc:sldChg chg="del">
-        <pc:chgData name="Alberto Petillo" userId="dd35f5627cdd12a4" providerId="LiveId" clId="{514C5F3D-6B4E-4B78-B9D3-D5CDB336FC85}" dt="2024-07-17T00:31:00.298" v="630" actId="2696"/>
-        <pc:sldMkLst>
-          <pc:docMk/>
-          <pc:sldMk cId="1395479401" sldId="283"/>
-        </pc:sldMkLst>
-      </pc:sldChg>
-      <pc:sldChg chg="addSp delSp modSp add mod ord">
-        <pc:chgData name="Alberto Petillo" userId="dd35f5627cdd12a4" providerId="LiveId" clId="{514C5F3D-6B4E-4B78-B9D3-D5CDB336FC85}" dt="2024-07-17T00:34:11.446" v="691" actId="20577"/>
-        <pc:sldMkLst>
-          <pc:docMk/>
-          <pc:sldMk cId="2709074457" sldId="284"/>
-        </pc:sldMkLst>
-        <pc:spChg chg="mod">
-          <ac:chgData name="Alberto Petillo" userId="dd35f5627cdd12a4" providerId="LiveId" clId="{514C5F3D-6B4E-4B78-B9D3-D5CDB336FC85}" dt="2024-07-17T00:34:11.446" v="691" actId="20577"/>
-          <ac:spMkLst>
-            <pc:docMk/>
-            <pc:sldMk cId="2709074457" sldId="284"/>
-            <ac:spMk id="2" creationId="{0B805834-EC27-AEB6-6EA2-9790EC436306}"/>
-          </ac:spMkLst>
-        </pc:spChg>
-        <pc:graphicFrameChg chg="add mod">
-          <ac:chgData name="Alberto Petillo" userId="dd35f5627cdd12a4" providerId="LiveId" clId="{514C5F3D-6B4E-4B78-B9D3-D5CDB336FC85}" dt="2024-07-17T00:26:44.747" v="510"/>
-          <ac:graphicFrameMkLst>
-            <pc:docMk/>
-            <pc:sldMk cId="2709074457" sldId="284"/>
-            <ac:graphicFrameMk id="3" creationId="{AE8FA16B-F14C-FADA-8212-58FF377A0443}"/>
-          </ac:graphicFrameMkLst>
-        </pc:graphicFrameChg>
-        <pc:picChg chg="del">
-          <ac:chgData name="Alberto Petillo" userId="dd35f5627cdd12a4" providerId="LiveId" clId="{514C5F3D-6B4E-4B78-B9D3-D5CDB336FC85}" dt="2024-07-17T00:27:02.988" v="513" actId="478"/>
-          <ac:picMkLst>
-            <pc:docMk/>
-            <pc:sldMk cId="2709074457" sldId="284"/>
-            <ac:picMk id="36" creationId="{36315388-C7A8-C316-F71A-E27A7975FD71}"/>
-          </ac:picMkLst>
-        </pc:picChg>
-        <pc:picChg chg="add mod">
-          <ac:chgData name="Alberto Petillo" userId="dd35f5627cdd12a4" providerId="LiveId" clId="{514C5F3D-6B4E-4B78-B9D3-D5CDB336FC85}" dt="2024-07-17T00:27:14.654" v="516" actId="1076"/>
-          <ac:picMkLst>
-            <pc:docMk/>
-            <pc:sldMk cId="2709074457" sldId="284"/>
-            <ac:picMk id="1026" creationId="{BB89D965-2134-CA66-E915-D006B8E96AD7}"/>
-          </ac:picMkLst>
-        </pc:picChg>
-      </pc:sldChg>
-      <pc:sldChg chg="addSp delSp modSp add mod">
-        <pc:chgData name="Alberto Petillo" userId="dd35f5627cdd12a4" providerId="LiveId" clId="{514C5F3D-6B4E-4B78-B9D3-D5CDB336FC85}" dt="2024-07-17T01:09:56.711" v="2104" actId="20577"/>
-        <pc:sldMkLst>
-          <pc:docMk/>
-          <pc:sldMk cId="1013069643" sldId="285"/>
-        </pc:sldMkLst>
-        <pc:spChg chg="mod">
-          <ac:chgData name="Alberto Petillo" userId="dd35f5627cdd12a4" providerId="LiveId" clId="{514C5F3D-6B4E-4B78-B9D3-D5CDB336FC85}" dt="2024-07-17T00:34:08.148" v="690" actId="20577"/>
-          <ac:spMkLst>
-            <pc:docMk/>
-            <pc:sldMk cId="1013069643" sldId="285"/>
-            <ac:spMk id="2" creationId="{0B805834-EC27-AEB6-6EA2-9790EC436306}"/>
-          </ac:spMkLst>
-        </pc:spChg>
-        <pc:spChg chg="mod">
-          <ac:chgData name="Alberto Petillo" userId="dd35f5627cdd12a4" providerId="LiveId" clId="{514C5F3D-6B4E-4B78-B9D3-D5CDB336FC85}" dt="2024-07-17T01:09:56.711" v="2104" actId="20577"/>
-          <ac:spMkLst>
-            <pc:docMk/>
-            <pc:sldMk cId="1013069643" sldId="285"/>
-            <ac:spMk id="7" creationId="{238C4671-386C-FDC8-68D9-89D0898B4C7A}"/>
-          </ac:spMkLst>
-        </pc:spChg>
-        <pc:picChg chg="add mod">
-          <ac:chgData name="Alberto Petillo" userId="dd35f5627cdd12a4" providerId="LiveId" clId="{514C5F3D-6B4E-4B78-B9D3-D5CDB336FC85}" dt="2024-07-17T00:27:34.734" v="519" actId="1076"/>
-          <ac:picMkLst>
-            <pc:docMk/>
-            <pc:sldMk cId="1013069643" sldId="285"/>
-            <ac:picMk id="3" creationId="{A4417E34-7724-C048-F1F1-8D0994F17880}"/>
-          </ac:picMkLst>
-        </pc:picChg>
-        <pc:picChg chg="del mod">
-          <ac:chgData name="Alberto Petillo" userId="dd35f5627cdd12a4" providerId="LiveId" clId="{514C5F3D-6B4E-4B78-B9D3-D5CDB336FC85}" dt="2024-07-17T00:27:26.389" v="518" actId="478"/>
-          <ac:picMkLst>
-            <pc:docMk/>
-            <pc:sldMk cId="1013069643" sldId="285"/>
-            <ac:picMk id="36" creationId="{36315388-C7A8-C316-F71A-E27A7975FD71}"/>
-          </ac:picMkLst>
-        </pc:picChg>
-      </pc:sldChg>
-      <pc:sldChg chg="modSp add mod ord">
-        <pc:chgData name="Alberto Petillo" userId="dd35f5627cdd12a4" providerId="LiveId" clId="{514C5F3D-6B4E-4B78-B9D3-D5CDB336FC85}" dt="2024-07-17T00:34:04.305" v="689" actId="20577"/>
-        <pc:sldMkLst>
-          <pc:docMk/>
-          <pc:sldMk cId="3912166734" sldId="286"/>
-        </pc:sldMkLst>
-        <pc:spChg chg="mod">
-          <ac:chgData name="Alberto Petillo" userId="dd35f5627cdd12a4" providerId="LiveId" clId="{514C5F3D-6B4E-4B78-B9D3-D5CDB336FC85}" dt="2024-07-17T00:34:04.305" v="689" actId="20577"/>
-          <ac:spMkLst>
-            <pc:docMk/>
-            <pc:sldMk cId="3912166734" sldId="286"/>
-            <ac:spMk id="2" creationId="{0B805834-EC27-AEB6-6EA2-9790EC436306}"/>
-          </ac:spMkLst>
-        </pc:spChg>
-      </pc:sldChg>
-      <pc:sldChg chg="modSp add mod">
-        <pc:chgData name="Alberto Petillo" userId="dd35f5627cdd12a4" providerId="LiveId" clId="{514C5F3D-6B4E-4B78-B9D3-D5CDB336FC85}" dt="2024-07-17T00:34:00.814" v="688" actId="20577"/>
-        <pc:sldMkLst>
-          <pc:docMk/>
-          <pc:sldMk cId="166570785" sldId="287"/>
-        </pc:sldMkLst>
-        <pc:spChg chg="mod">
-          <ac:chgData name="Alberto Petillo" userId="dd35f5627cdd12a4" providerId="LiveId" clId="{514C5F3D-6B4E-4B78-B9D3-D5CDB336FC85}" dt="2024-07-17T00:34:00.814" v="688" actId="20577"/>
-          <ac:spMkLst>
-            <pc:docMk/>
-            <pc:sldMk cId="166570785" sldId="287"/>
-            <ac:spMk id="2" creationId="{0B805834-EC27-AEB6-6EA2-9790EC436306}"/>
-          </ac:spMkLst>
-        </pc:spChg>
-        <pc:picChg chg="mod">
-          <ac:chgData name="Alberto Petillo" userId="dd35f5627cdd12a4" providerId="LiveId" clId="{514C5F3D-6B4E-4B78-B9D3-D5CDB336FC85}" dt="2024-07-17T00:28:34.228" v="529" actId="1076"/>
-          <ac:picMkLst>
-            <pc:docMk/>
-            <pc:sldMk cId="166570785" sldId="287"/>
-            <ac:picMk id="3" creationId="{A4417E34-7724-C048-F1F1-8D0994F17880}"/>
-          </ac:picMkLst>
-        </pc:picChg>
-      </pc:sldChg>
-      <pc:sldChg chg="modSp add mod ord">
-        <pc:chgData name="Alberto Petillo" userId="dd35f5627cdd12a4" providerId="LiveId" clId="{514C5F3D-6B4E-4B78-B9D3-D5CDB336FC85}" dt="2024-07-17T00:34:19.486" v="693" actId="20577"/>
-        <pc:sldMkLst>
-          <pc:docMk/>
-          <pc:sldMk cId="1217317745" sldId="288"/>
-        </pc:sldMkLst>
-        <pc:spChg chg="mod">
-          <ac:chgData name="Alberto Petillo" userId="dd35f5627cdd12a4" providerId="LiveId" clId="{514C5F3D-6B4E-4B78-B9D3-D5CDB336FC85}" dt="2024-07-17T00:34:19.486" v="693" actId="20577"/>
-          <ac:spMkLst>
-            <pc:docMk/>
-            <pc:sldMk cId="1217317745" sldId="288"/>
-            <ac:spMk id="2" creationId="{0B805834-EC27-AEB6-6EA2-9790EC436306}"/>
-          </ac:spMkLst>
-        </pc:spChg>
-      </pc:sldChg>
-      <pc:sldChg chg="modSp add mod">
-        <pc:chgData name="Alberto Petillo" userId="dd35f5627cdd12a4" providerId="LiveId" clId="{514C5F3D-6B4E-4B78-B9D3-D5CDB336FC85}" dt="2024-07-17T00:34:22.778" v="694" actId="20577"/>
-        <pc:sldMkLst>
-          <pc:docMk/>
-          <pc:sldMk cId="3827503628" sldId="289"/>
-        </pc:sldMkLst>
-        <pc:spChg chg="mod">
-          <ac:chgData name="Alberto Petillo" userId="dd35f5627cdd12a4" providerId="LiveId" clId="{514C5F3D-6B4E-4B78-B9D3-D5CDB336FC85}" dt="2024-07-17T00:34:22.778" v="694" actId="20577"/>
-          <ac:spMkLst>
-            <pc:docMk/>
-            <pc:sldMk cId="3827503628" sldId="289"/>
-            <ac:spMk id="2" creationId="{0B805834-EC27-AEB6-6EA2-9790EC436306}"/>
-          </ac:spMkLst>
-        </pc:spChg>
-        <pc:picChg chg="mod">
-          <ac:chgData name="Alberto Petillo" userId="dd35f5627cdd12a4" providerId="LiveId" clId="{514C5F3D-6B4E-4B78-B9D3-D5CDB336FC85}" dt="2024-07-17T00:29:27.999" v="565" actId="1076"/>
-          <ac:picMkLst>
-            <pc:docMk/>
-            <pc:sldMk cId="3827503628" sldId="289"/>
-            <ac:picMk id="3" creationId="{A4417E34-7724-C048-F1F1-8D0994F17880}"/>
-          </ac:picMkLst>
-        </pc:picChg>
-      </pc:sldChg>
-      <pc:sldChg chg="modSp add mod ord">
-        <pc:chgData name="Alberto Petillo" userId="dd35f5627cdd12a4" providerId="LiveId" clId="{514C5F3D-6B4E-4B78-B9D3-D5CDB336FC85}" dt="2024-07-17T00:34:25.950" v="695" actId="20577"/>
-        <pc:sldMkLst>
-          <pc:docMk/>
-          <pc:sldMk cId="1922928954" sldId="290"/>
-        </pc:sldMkLst>
-        <pc:spChg chg="mod">
-          <ac:chgData name="Alberto Petillo" userId="dd35f5627cdd12a4" providerId="LiveId" clId="{514C5F3D-6B4E-4B78-B9D3-D5CDB336FC85}" dt="2024-07-17T00:34:25.950" v="695" actId="20577"/>
-          <ac:spMkLst>
-            <pc:docMk/>
-            <pc:sldMk cId="1922928954" sldId="290"/>
-            <ac:spMk id="2" creationId="{0B805834-EC27-AEB6-6EA2-9790EC436306}"/>
-          </ac:spMkLst>
-        </pc:spChg>
-      </pc:sldChg>
-      <pc:sldChg chg="modSp add mod">
-        <pc:chgData name="Alberto Petillo" userId="dd35f5627cdd12a4" providerId="LiveId" clId="{514C5F3D-6B4E-4B78-B9D3-D5CDB336FC85}" dt="2024-07-17T00:34:28.432" v="696" actId="20577"/>
-        <pc:sldMkLst>
-          <pc:docMk/>
-          <pc:sldMk cId="163243411" sldId="291"/>
-        </pc:sldMkLst>
-        <pc:spChg chg="mod">
-          <ac:chgData name="Alberto Petillo" userId="dd35f5627cdd12a4" providerId="LiveId" clId="{514C5F3D-6B4E-4B78-B9D3-D5CDB336FC85}" dt="2024-07-17T00:34:28.432" v="696" actId="20577"/>
-          <ac:spMkLst>
-            <pc:docMk/>
-            <pc:sldMk cId="163243411" sldId="291"/>
-            <ac:spMk id="2" creationId="{0B805834-EC27-AEB6-6EA2-9790EC436306}"/>
-          </ac:spMkLst>
-        </pc:spChg>
-        <pc:picChg chg="mod">
-          <ac:chgData name="Alberto Petillo" userId="dd35f5627cdd12a4" providerId="LiveId" clId="{514C5F3D-6B4E-4B78-B9D3-D5CDB336FC85}" dt="2024-07-17T00:30:03.580" v="600" actId="1076"/>
-          <ac:picMkLst>
-            <pc:docMk/>
-            <pc:sldMk cId="163243411" sldId="291"/>
-            <ac:picMk id="3" creationId="{A4417E34-7724-C048-F1F1-8D0994F17880}"/>
-          </ac:picMkLst>
-        </pc:picChg>
-      </pc:sldChg>
-      <pc:sldChg chg="modSp add mod ord">
-        <pc:chgData name="Alberto Petillo" userId="dd35f5627cdd12a4" providerId="LiveId" clId="{514C5F3D-6B4E-4B78-B9D3-D5CDB336FC85}" dt="2024-07-17T00:34:32.800" v="697" actId="20577"/>
-        <pc:sldMkLst>
-          <pc:docMk/>
-          <pc:sldMk cId="775994417" sldId="292"/>
-        </pc:sldMkLst>
-        <pc:spChg chg="mod">
-          <ac:chgData name="Alberto Petillo" userId="dd35f5627cdd12a4" providerId="LiveId" clId="{514C5F3D-6B4E-4B78-B9D3-D5CDB336FC85}" dt="2024-07-17T00:34:32.800" v="697" actId="20577"/>
-          <ac:spMkLst>
-            <pc:docMk/>
-            <pc:sldMk cId="775994417" sldId="292"/>
-            <ac:spMk id="2" creationId="{0B805834-EC27-AEB6-6EA2-9790EC436306}"/>
-          </ac:spMkLst>
-        </pc:spChg>
-      </pc:sldChg>
-      <pc:sldChg chg="modSp add mod">
-        <pc:chgData name="Alberto Petillo" userId="dd35f5627cdd12a4" providerId="LiveId" clId="{514C5F3D-6B4E-4B78-B9D3-D5CDB336FC85}" dt="2024-07-17T00:34:35.511" v="698" actId="20577"/>
-        <pc:sldMkLst>
-          <pc:docMk/>
-          <pc:sldMk cId="1104373232" sldId="293"/>
-        </pc:sldMkLst>
-        <pc:spChg chg="mod">
-          <ac:chgData name="Alberto Petillo" userId="dd35f5627cdd12a4" providerId="LiveId" clId="{514C5F3D-6B4E-4B78-B9D3-D5CDB336FC85}" dt="2024-07-17T00:34:35.511" v="698" actId="20577"/>
-          <ac:spMkLst>
-            <pc:docMk/>
-            <pc:sldMk cId="1104373232" sldId="293"/>
-            <ac:spMk id="2" creationId="{0B805834-EC27-AEB6-6EA2-9790EC436306}"/>
-          </ac:spMkLst>
-        </pc:spChg>
-        <pc:picChg chg="mod">
-          <ac:chgData name="Alberto Petillo" userId="dd35f5627cdd12a4" providerId="LiveId" clId="{514C5F3D-6B4E-4B78-B9D3-D5CDB336FC85}" dt="2024-07-17T00:30:52.196" v="629" actId="1076"/>
-          <ac:picMkLst>
-            <pc:docMk/>
-            <pc:sldMk cId="1104373232" sldId="293"/>
-            <ac:picMk id="3" creationId="{A4417E34-7724-C048-F1F1-8D0994F17880}"/>
-          </ac:picMkLst>
-        </pc:picChg>
-      </pc:sldChg>
-      <pc:sldChg chg="addSp delSp modSp add mod">
-        <pc:chgData name="Alberto Petillo" userId="dd35f5627cdd12a4" providerId="LiveId" clId="{514C5F3D-6B4E-4B78-B9D3-D5CDB336FC85}" dt="2024-07-17T13:12:32.773" v="4850" actId="20577"/>
-        <pc:sldMkLst>
-          <pc:docMk/>
-          <pc:sldMk cId="1984177155" sldId="294"/>
-        </pc:sldMkLst>
-        <pc:spChg chg="mod">
-          <ac:chgData name="Alberto Petillo" userId="dd35f5627cdd12a4" providerId="LiveId" clId="{514C5F3D-6B4E-4B78-B9D3-D5CDB336FC85}" dt="2024-07-17T13:12:32.773" v="4850" actId="20577"/>
-          <ac:spMkLst>
-            <pc:docMk/>
-            <pc:sldMk cId="1984177155" sldId="294"/>
-            <ac:spMk id="7" creationId="{6AF6B5EE-68E7-5BB7-34A6-08ADDC19177C}"/>
-          </ac:spMkLst>
-        </pc:spChg>
-        <pc:spChg chg="del">
-          <ac:chgData name="Alberto Petillo" userId="dd35f5627cdd12a4" providerId="LiveId" clId="{514C5F3D-6B4E-4B78-B9D3-D5CDB336FC85}" dt="2024-07-17T01:00:41.185" v="1679" actId="478"/>
-          <ac:spMkLst>
-            <pc:docMk/>
-            <pc:sldMk cId="1984177155" sldId="294"/>
-            <ac:spMk id="11" creationId="{75AE95B0-AA93-9246-DF20-C0AB521018A0}"/>
-          </ac:spMkLst>
-        </pc:spChg>
-        <pc:picChg chg="add del mod">
-          <ac:chgData name="Alberto Petillo" userId="dd35f5627cdd12a4" providerId="LiveId" clId="{514C5F3D-6B4E-4B78-B9D3-D5CDB336FC85}" dt="2024-07-17T01:09:24.817" v="2091" actId="478"/>
-          <ac:picMkLst>
-            <pc:docMk/>
-            <pc:sldMk cId="1984177155" sldId="294"/>
-            <ac:picMk id="3" creationId="{CC9B51B5-3DDA-6ECB-0A57-5372649071A5}"/>
-          </ac:picMkLst>
-        </pc:picChg>
-      </pc:sldChg>
-      <pc:sldChg chg="add del">
-        <pc:chgData name="Alberto Petillo" userId="dd35f5627cdd12a4" providerId="LiveId" clId="{514C5F3D-6B4E-4B78-B9D3-D5CDB336FC85}" dt="2024-07-17T00:50:37.785" v="727" actId="2696"/>
-        <pc:sldMkLst>
-          <pc:docMk/>
-          <pc:sldMk cId="2621033017" sldId="294"/>
-        </pc:sldMkLst>
-      </pc:sldChg>
-      <pc:sldChg chg="new del">
-        <pc:chgData name="Alberto Petillo" userId="dd35f5627cdd12a4" providerId="LiveId" clId="{514C5F3D-6B4E-4B78-B9D3-D5CDB336FC85}" dt="2024-07-17T01:00:34.466" v="1677" actId="2696"/>
-        <pc:sldMkLst>
-          <pc:docMk/>
-          <pc:sldMk cId="3545411564" sldId="294"/>
-        </pc:sldMkLst>
-      </pc:sldChg>
-      <pc:sldChg chg="addSp delSp modSp add mod">
-        <pc:chgData name="Alberto Petillo" userId="dd35f5627cdd12a4" providerId="LiveId" clId="{514C5F3D-6B4E-4B78-B9D3-D5CDB336FC85}" dt="2024-07-17T01:15:24.225" v="2211" actId="14100"/>
-        <pc:sldMkLst>
-          <pc:docMk/>
-          <pc:sldMk cId="4081885967" sldId="295"/>
-        </pc:sldMkLst>
-        <pc:spChg chg="mod">
-          <ac:chgData name="Alberto Petillo" userId="dd35f5627cdd12a4" providerId="LiveId" clId="{514C5F3D-6B4E-4B78-B9D3-D5CDB336FC85}" dt="2024-07-17T01:10:24.574" v="2143" actId="14100"/>
-          <ac:spMkLst>
-            <pc:docMk/>
-            <pc:sldMk cId="4081885967" sldId="295"/>
-            <ac:spMk id="5" creationId="{F14A83D6-31A8-DD28-D043-F9A554DE18A2}"/>
-          </ac:spMkLst>
-        </pc:spChg>
-        <pc:spChg chg="add mod">
-          <ac:chgData name="Alberto Petillo" userId="dd35f5627cdd12a4" providerId="LiveId" clId="{514C5F3D-6B4E-4B78-B9D3-D5CDB336FC85}" dt="2024-07-17T01:14:56.236" v="2201" actId="1076"/>
-          <ac:spMkLst>
-            <pc:docMk/>
-            <pc:sldMk cId="4081885967" sldId="295"/>
-            <ac:spMk id="8" creationId="{F07783BB-3C6B-4F77-2499-DF990426F0A2}"/>
-          </ac:spMkLst>
-        </pc:spChg>
-        <pc:spChg chg="add mod">
-          <ac:chgData name="Alberto Petillo" userId="dd35f5627cdd12a4" providerId="LiveId" clId="{514C5F3D-6B4E-4B78-B9D3-D5CDB336FC85}" dt="2024-07-17T01:15:24.225" v="2211" actId="14100"/>
-          <ac:spMkLst>
-            <pc:docMk/>
-            <pc:sldMk cId="4081885967" sldId="295"/>
-            <ac:spMk id="10" creationId="{D124525C-6534-BAEB-4BA1-A4191402DDD5}"/>
-          </ac:spMkLst>
-        </pc:spChg>
-        <pc:picChg chg="add del">
-          <ac:chgData name="Alberto Petillo" userId="dd35f5627cdd12a4" providerId="LiveId" clId="{514C5F3D-6B4E-4B78-B9D3-D5CDB336FC85}" dt="2024-07-17T01:10:20.902" v="2142" actId="478"/>
-          <ac:picMkLst>
-            <pc:docMk/>
-            <pc:sldMk cId="4081885967" sldId="295"/>
-            <ac:picMk id="3" creationId="{66382191-448C-7FF1-D437-5600BCB86A47}"/>
-          </ac:picMkLst>
-        </pc:picChg>
-        <pc:picChg chg="del">
-          <ac:chgData name="Alberto Petillo" userId="dd35f5627cdd12a4" providerId="LiveId" clId="{514C5F3D-6B4E-4B78-B9D3-D5CDB336FC85}" dt="2024-07-17T01:10:19.246" v="2140" actId="478"/>
-          <ac:picMkLst>
-            <pc:docMk/>
-            <pc:sldMk cId="4081885967" sldId="295"/>
-            <ac:picMk id="4" creationId="{F839231F-68DC-7A15-19DE-0CCB311CBFD1}"/>
-          </ac:picMkLst>
-        </pc:picChg>
-        <pc:picChg chg="add mod">
-          <ac:chgData name="Alberto Petillo" userId="dd35f5627cdd12a4" providerId="LiveId" clId="{514C5F3D-6B4E-4B78-B9D3-D5CDB336FC85}" dt="2024-07-17T01:14:53.079" v="2200" actId="1076"/>
-          <ac:picMkLst>
-            <pc:docMk/>
-            <pc:sldMk cId="4081885967" sldId="295"/>
-            <ac:picMk id="7" creationId="{6FEEB91D-2D9F-8561-001C-85FCE982E4C5}"/>
-          </ac:picMkLst>
-        </pc:picChg>
-        <pc:cxnChg chg="add mod">
-          <ac:chgData name="Alberto Petillo" userId="dd35f5627cdd12a4" providerId="LiveId" clId="{514C5F3D-6B4E-4B78-B9D3-D5CDB336FC85}" dt="2024-07-17T01:15:24.225" v="2211" actId="14100"/>
-          <ac:cxnSpMkLst>
-            <pc:docMk/>
-            <pc:sldMk cId="4081885967" sldId="295"/>
-            <ac:cxnSpMk id="9" creationId="{11E3966C-1BF8-69B1-5EC2-58739B711E7E}"/>
-          </ac:cxnSpMkLst>
-        </pc:cxnChg>
-      </pc:sldChg>
-      <pc:sldChg chg="modSp add mod">
-        <pc:chgData name="Alberto Petillo" userId="dd35f5627cdd12a4" providerId="LiveId" clId="{514C5F3D-6B4E-4B78-B9D3-D5CDB336FC85}" dt="2024-07-17T13:04:55.154" v="4508" actId="20577"/>
-        <pc:sldMkLst>
-          <pc:docMk/>
-          <pc:sldMk cId="562551869" sldId="296"/>
-        </pc:sldMkLst>
-        <pc:spChg chg="mod">
-          <ac:chgData name="Alberto Petillo" userId="dd35f5627cdd12a4" providerId="LiveId" clId="{514C5F3D-6B4E-4B78-B9D3-D5CDB336FC85}" dt="2024-07-17T13:04:55.154" v="4508" actId="20577"/>
-          <ac:spMkLst>
-            <pc:docMk/>
-            <pc:sldMk cId="562551869" sldId="296"/>
-            <ac:spMk id="2" creationId="{111A2658-754B-D200-A693-A80788A12823}"/>
-          </ac:spMkLst>
-        </pc:spChg>
-        <pc:spChg chg="mod">
-          <ac:chgData name="Alberto Petillo" userId="dd35f5627cdd12a4" providerId="LiveId" clId="{514C5F3D-6B4E-4B78-B9D3-D5CDB336FC85}" dt="2024-07-17T11:06:28.054" v="3471" actId="1076"/>
-          <ac:spMkLst>
-            <pc:docMk/>
-            <pc:sldMk cId="562551869" sldId="296"/>
-            <ac:spMk id="5" creationId="{F14A83D6-31A8-DD28-D043-F9A554DE18A2}"/>
-          </ac:spMkLst>
-        </pc:spChg>
-      </pc:sldChg>
-      <pc:sldChg chg="addSp delSp modSp add del mod">
-        <pc:chgData name="Alberto Petillo" userId="dd35f5627cdd12a4" providerId="LiveId" clId="{514C5F3D-6B4E-4B78-B9D3-D5CDB336FC85}" dt="2024-07-17T01:26:39.612" v="2650" actId="2696"/>
-        <pc:sldMkLst>
-          <pc:docMk/>
-          <pc:sldMk cId="1610035180" sldId="297"/>
-        </pc:sldMkLst>
-        <pc:spChg chg="del">
-          <ac:chgData name="Alberto Petillo" userId="dd35f5627cdd12a4" providerId="LiveId" clId="{514C5F3D-6B4E-4B78-B9D3-D5CDB336FC85}" dt="2024-07-17T01:25:51.705" v="2616" actId="478"/>
-          <ac:spMkLst>
-            <pc:docMk/>
-            <pc:sldMk cId="1610035180" sldId="297"/>
-            <ac:spMk id="2" creationId="{111A2658-754B-D200-A693-A80788A12823}"/>
-          </ac:spMkLst>
-        </pc:spChg>
-        <pc:spChg chg="add del mod">
-          <ac:chgData name="Alberto Petillo" userId="dd35f5627cdd12a4" providerId="LiveId" clId="{514C5F3D-6B4E-4B78-B9D3-D5CDB336FC85}" dt="2024-07-17T01:26:34.065" v="2648" actId="478"/>
-          <ac:spMkLst>
-            <pc:docMk/>
-            <pc:sldMk cId="1610035180" sldId="297"/>
-            <ac:spMk id="4" creationId="{A090979B-69AC-5B75-4EBF-B48688F1D288}"/>
-          </ac:spMkLst>
-        </pc:spChg>
-        <pc:spChg chg="mod">
-          <ac:chgData name="Alberto Petillo" userId="dd35f5627cdd12a4" providerId="LiveId" clId="{514C5F3D-6B4E-4B78-B9D3-D5CDB336FC85}" dt="2024-07-17T01:25:54.783" v="2623" actId="20577"/>
-          <ac:spMkLst>
-            <pc:docMk/>
-            <pc:sldMk cId="1610035180" sldId="297"/>
-            <ac:spMk id="5" creationId="{F14A83D6-31A8-DD28-D043-F9A554DE18A2}"/>
-          </ac:spMkLst>
-        </pc:spChg>
-      </pc:sldChg>
-      <pc:sldChg chg="modSp add mod">
-        <pc:chgData name="Alberto Petillo" userId="dd35f5627cdd12a4" providerId="LiveId" clId="{514C5F3D-6B4E-4B78-B9D3-D5CDB336FC85}" dt="2024-07-17T13:54:36.450" v="5200" actId="20577"/>
-        <pc:sldMkLst>
-          <pc:docMk/>
-          <pc:sldMk cId="2427260620" sldId="298"/>
-        </pc:sldMkLst>
-        <pc:spChg chg="mod">
-          <ac:chgData name="Alberto Petillo" userId="dd35f5627cdd12a4" providerId="LiveId" clId="{514C5F3D-6B4E-4B78-B9D3-D5CDB336FC85}" dt="2024-07-17T13:54:36.450" v="5200" actId="20577"/>
-          <ac:spMkLst>
-            <pc:docMk/>
-            <pc:sldMk cId="2427260620" sldId="298"/>
-            <ac:spMk id="2" creationId="{111A2658-754B-D200-A693-A80788A12823}"/>
-          </ac:spMkLst>
-        </pc:spChg>
-        <pc:spChg chg="mod">
-          <ac:chgData name="Alberto Petillo" userId="dd35f5627cdd12a4" providerId="LiveId" clId="{514C5F3D-6B4E-4B78-B9D3-D5CDB336FC85}" dt="2024-07-17T01:26:03.987" v="2641" actId="20577"/>
-          <ac:spMkLst>
-            <pc:docMk/>
-            <pc:sldMk cId="2427260620" sldId="298"/>
-            <ac:spMk id="5" creationId="{F14A83D6-31A8-DD28-D043-F9A554DE18A2}"/>
-          </ac:spMkLst>
-        </pc:spChg>
-      </pc:sldChg>
-      <pc:sldChg chg="modSp add mod ord">
-        <pc:chgData name="Alberto Petillo" userId="dd35f5627cdd12a4" providerId="LiveId" clId="{514C5F3D-6B4E-4B78-B9D3-D5CDB336FC85}" dt="2024-07-17T11:03:43.460" v="3277" actId="20577"/>
-        <pc:sldMkLst>
-          <pc:docMk/>
-          <pc:sldMk cId="2065769225" sldId="299"/>
-        </pc:sldMkLst>
-        <pc:spChg chg="mod">
-          <ac:chgData name="Alberto Petillo" userId="dd35f5627cdd12a4" providerId="LiveId" clId="{514C5F3D-6B4E-4B78-B9D3-D5CDB336FC85}" dt="2024-07-17T11:03:43.460" v="3277" actId="20577"/>
-          <ac:spMkLst>
-            <pc:docMk/>
-            <pc:sldMk cId="2065769225" sldId="299"/>
-            <ac:spMk id="2" creationId="{111A2658-754B-D200-A693-A80788A12823}"/>
-          </ac:spMkLst>
-        </pc:spChg>
-      </pc:sldChg>
-      <pc:sldChg chg="new del">
-        <pc:chgData name="Alberto Petillo" userId="dd35f5627cdd12a4" providerId="LiveId" clId="{514C5F3D-6B4E-4B78-B9D3-D5CDB336FC85}" dt="2024-07-17T12:57:54.493" v="4250" actId="2696"/>
-        <pc:sldMkLst>
-          <pc:docMk/>
-          <pc:sldMk cId="1425834493" sldId="300"/>
-        </pc:sldMkLst>
-      </pc:sldChg>
-      <pc:sldChg chg="modSp add mod">
-        <pc:chgData name="Alberto Petillo" userId="dd35f5627cdd12a4" providerId="LiveId" clId="{514C5F3D-6B4E-4B78-B9D3-D5CDB336FC85}" dt="2024-07-17T13:04:13.521" v="4459" actId="20577"/>
-        <pc:sldMkLst>
-          <pc:docMk/>
-          <pc:sldMk cId="2545523130" sldId="300"/>
-        </pc:sldMkLst>
-        <pc:spChg chg="mod">
-          <ac:chgData name="Alberto Petillo" userId="dd35f5627cdd12a4" providerId="LiveId" clId="{514C5F3D-6B4E-4B78-B9D3-D5CDB336FC85}" dt="2024-07-17T13:04:13.521" v="4459" actId="20577"/>
-          <ac:spMkLst>
-            <pc:docMk/>
-            <pc:sldMk cId="2545523130" sldId="300"/>
-            <ac:spMk id="2" creationId="{111A2658-754B-D200-A693-A80788A12823}"/>
-          </ac:spMkLst>
-        </pc:spChg>
-      </pc:sldChg>
-      <pc:sldChg chg="delSp modSp add mod ord">
-        <pc:chgData name="Alberto Petillo" userId="dd35f5627cdd12a4" providerId="LiveId" clId="{514C5F3D-6B4E-4B78-B9D3-D5CDB336FC85}" dt="2024-07-17T13:20:55.040" v="4900"/>
-        <pc:sldMkLst>
-          <pc:docMk/>
-          <pc:sldMk cId="4272856044" sldId="301"/>
-        </pc:sldMkLst>
-        <pc:picChg chg="mod">
-          <ac:chgData name="Alberto Petillo" userId="dd35f5627cdd12a4" providerId="LiveId" clId="{514C5F3D-6B4E-4B78-B9D3-D5CDB336FC85}" dt="2024-07-17T13:20:50.055" v="4898" actId="1076"/>
-          <ac:picMkLst>
-            <pc:docMk/>
-            <pc:sldMk cId="4272856044" sldId="301"/>
-            <ac:picMk id="3" creationId="{5A0932F2-910F-3869-02E5-23A14E75651C}"/>
-          </ac:picMkLst>
-        </pc:picChg>
-        <pc:picChg chg="del">
-          <ac:chgData name="Alberto Petillo" userId="dd35f5627cdd12a4" providerId="LiveId" clId="{514C5F3D-6B4E-4B78-B9D3-D5CDB336FC85}" dt="2024-07-17T13:20:41.899" v="4896" actId="478"/>
-          <ac:picMkLst>
-            <pc:docMk/>
-            <pc:sldMk cId="4272856044" sldId="301"/>
-            <ac:picMk id="6" creationId="{79271C95-0310-3D25-1BC6-E7251C9B27F0}"/>
-          </ac:picMkLst>
-        </pc:picChg>
-      </pc:sldChg>
-    </pc:docChg>
-  </pc:docChgLst>
-</pc:chgInfo>
 </file>
 
 <file path=ppt/slideLayouts/slideLayout1.xml><?xml version="1.0" encoding="utf-8"?>
@@ -6359,6 +3767,41 @@
           </a:fontRef>
         </p:style>
       </p:cxnSp>
+      <p:sp>
+        <p:nvSpPr>
+          <p:cNvPr id="3" name="CasellaDiTesto 2">
+            <a:extLst>
+              <a:ext uri="{FF2B5EF4-FFF2-40B4-BE49-F238E27FC236}">
+                <a16:creationId xmlns:a16="http://schemas.microsoft.com/office/drawing/2014/main" id="{A085B2BB-63BB-DB68-0B22-B839523BD6F6}"/>
+              </a:ext>
+            </a:extLst>
+          </p:cNvPr>
+          <p:cNvSpPr txBox="1"/>
+          <p:nvPr/>
+        </p:nvSpPr>
+        <p:spPr>
+          <a:xfrm>
+            <a:off x="7154489" y="6201107"/>
+            <a:ext cx="5475474" cy="584775"/>
+          </a:xfrm>
+          <a:prstGeom prst="rect">
+            <a:avLst/>
+          </a:prstGeom>
+          <a:noFill/>
+        </p:spPr>
+        <p:txBody>
+          <a:bodyPr wrap="square" rtlCol="0">
+            <a:spAutoFit/>
+          </a:bodyPr>
+          <a:lstStyle/>
+          <a:p>
+            <a:r>
+              <a:rPr lang="it-IT" sz="3200" b="1" dirty="0"/>
+              <a:t>Alberto Petillo M63001604</a:t>
+            </a:r>
+          </a:p>
+        </p:txBody>
+      </p:sp>
     </p:spTree>
     <p:extLst>
       <p:ext uri="{BB962C8B-B14F-4D97-AF65-F5344CB8AC3E}">
@@ -6411,7 +3854,7 @@
           <a:lstStyle/>
           <a:p>
             <a:r>
-              <a:rPr lang="it-IT" dirty="0"/>
+              <a:rPr lang="it-IT" b="1" dirty="0"/>
               <a:t>roadmap</a:t>
             </a:r>
           </a:p>
@@ -8527,7 +5970,7 @@
           <a:lstStyle/>
           <a:p>
             <a:r>
-              <a:rPr lang="it-IT" dirty="0"/>
+              <a:rPr lang="it-IT" b="1" dirty="0"/>
               <a:t>roadmap</a:t>
             </a:r>
           </a:p>
@@ -10635,7 +8078,7 @@
         </p:nvSpPr>
         <p:spPr>
           <a:xfrm>
-            <a:off x="57751" y="823318"/>
+            <a:off x="111017" y="823580"/>
             <a:ext cx="4710297" cy="707886"/>
           </a:xfrm>
           <a:prstGeom prst="rect">
@@ -11042,7 +8485,7 @@
         </p:nvSpPr>
         <p:spPr>
           <a:xfrm>
-            <a:off x="57751" y="854095"/>
+            <a:off x="497366" y="854357"/>
             <a:ext cx="4710297" cy="646331"/>
           </a:xfrm>
           <a:prstGeom prst="rect">
@@ -11057,6 +8500,19 @@
           <a:lstStyle/>
           <a:p>
             <a:pPr algn="ctr"/>
+            <a:r>
+              <a:rPr lang="en-US" altLang="ko-KR" sz="3600" b="1" dirty="0">
+                <a:solidFill>
+                  <a:schemeClr val="tx1">
+                    <a:lumMod val="85000"/>
+                    <a:lumOff val="15000"/>
+                  </a:schemeClr>
+                </a:solidFill>
+                <a:latin typeface="Univers Condensed (Titoli)"/>
+                <a:cs typeface="Arial" pitchFamily="34" charset="0"/>
+              </a:rPr>
+              <a:t>1) </a:t>
+            </a:r>
             <a:r>
               <a:rPr lang="en-US" altLang="ko-KR" sz="3600" b="1" dirty="0" err="1">
                 <a:solidFill>
@@ -11383,8 +8839,8 @@
           </a:p>
         </p:txBody>
       </p:sp>
-      <mc:AlternateContent xmlns:mc="http://schemas.openxmlformats.org/markup-compatibility/2006">
-        <mc:Choice xmlns:a14="http://schemas.microsoft.com/office/drawing/2010/main" Requires="a14">
+      <mc:AlternateContent xmlns:mc="http://schemas.openxmlformats.org/markup-compatibility/2006" xmlns:a14="http://schemas.microsoft.com/office/drawing/2010/main">
+        <mc:Choice Requires="a14">
           <p:sp>
             <p:nvSpPr>
               <p:cNvPr id="2" name="CasellaDiTesto 1">
@@ -11807,7 +9263,7 @@
             </p:txBody>
           </p:sp>
         </mc:Choice>
-        <mc:Fallback>
+        <mc:Fallback xmlns="">
           <p:sp>
             <p:nvSpPr>
               <p:cNvPr id="2" name="CasellaDiTesto 1">
@@ -11908,7 +9364,7 @@
         </p:nvSpPr>
         <p:spPr>
           <a:xfrm>
-            <a:off x="-839065" y="854357"/>
+            <a:off x="-714777" y="854357"/>
             <a:ext cx="4710297" cy="646331"/>
           </a:xfrm>
           <a:prstGeom prst="rect">
@@ -11923,6 +9379,19 @@
           <a:lstStyle/>
           <a:p>
             <a:pPr algn="ctr"/>
+            <a:r>
+              <a:rPr lang="en-US" altLang="ko-KR" sz="3600" b="1" dirty="0">
+                <a:solidFill>
+                  <a:schemeClr val="tx1">
+                    <a:lumMod val="85000"/>
+                    <a:lumOff val="15000"/>
+                  </a:schemeClr>
+                </a:solidFill>
+                <a:latin typeface="Univers Condensed (Titoli)"/>
+                <a:cs typeface="Arial" pitchFamily="34" charset="0"/>
+              </a:rPr>
+              <a:t>2) </a:t>
+            </a:r>
             <a:r>
               <a:rPr lang="en-US" altLang="ko-KR" sz="3600" b="1" dirty="0" err="1">
                 <a:solidFill>
@@ -12223,8 +9692,8 @@
           </a:p>
         </p:txBody>
       </p:sp>
-      <mc:AlternateContent xmlns:mc="http://schemas.openxmlformats.org/markup-compatibility/2006">
-        <mc:Choice xmlns:a14="http://schemas.microsoft.com/office/drawing/2010/main" Requires="a14">
+      <mc:AlternateContent xmlns:mc="http://schemas.openxmlformats.org/markup-compatibility/2006" xmlns:a14="http://schemas.microsoft.com/office/drawing/2010/main">
+        <mc:Choice Requires="a14">
           <p:sp>
             <p:nvSpPr>
               <p:cNvPr id="2" name="CasellaDiTesto 1">
@@ -13001,7 +10470,7 @@
             </p:txBody>
           </p:sp>
         </mc:Choice>
-        <mc:Fallback>
+        <mc:Fallback xmlns="">
           <p:sp>
             <p:nvSpPr>
               <p:cNvPr id="2" name="CasellaDiTesto 1">
@@ -13118,6 +10587,19 @@
           <a:p>
             <a:pPr algn="ctr"/>
             <a:r>
+              <a:rPr lang="en-US" altLang="ko-KR" sz="3600" b="1" dirty="0">
+                <a:solidFill>
+                  <a:schemeClr val="tx1">
+                    <a:lumMod val="85000"/>
+                    <a:lumOff val="15000"/>
+                  </a:schemeClr>
+                </a:solidFill>
+                <a:latin typeface="Univers Condensed (Titoli)"/>
+                <a:cs typeface="Arial" pitchFamily="34" charset="0"/>
+              </a:rPr>
+              <a:t>  2) </a:t>
+            </a:r>
+            <a:r>
               <a:rPr lang="en-US" altLang="ko-KR" sz="3600" b="1" dirty="0" err="1">
                 <a:solidFill>
                   <a:schemeClr val="tx1">
@@ -13417,8 +10899,8 @@
           </a:p>
         </p:txBody>
       </p:sp>
-      <mc:AlternateContent xmlns:mc="http://schemas.openxmlformats.org/markup-compatibility/2006">
-        <mc:Choice xmlns:a14="http://schemas.microsoft.com/office/drawing/2010/main" Requires="a14">
+      <mc:AlternateContent xmlns:mc="http://schemas.openxmlformats.org/markup-compatibility/2006" xmlns:a14="http://schemas.microsoft.com/office/drawing/2010/main">
+        <mc:Choice Requires="a14">
           <p:sp>
             <p:nvSpPr>
               <p:cNvPr id="2" name="CasellaDiTesto 1">
@@ -14017,7 +11499,7 @@
             </p:txBody>
           </p:sp>
         </mc:Choice>
-        <mc:Fallback>
+        <mc:Fallback xmlns="">
           <p:sp>
             <p:nvSpPr>
               <p:cNvPr id="2" name="CasellaDiTesto 1">
@@ -14072,13 +11554,13 @@
   <p:clrMapOvr>
     <a:masterClrMapping/>
   </p:clrMapOvr>
-  <mc:AlternateContent xmlns:mc="http://schemas.openxmlformats.org/markup-compatibility/2006">
-    <mc:Choice xmlns:p159="http://schemas.microsoft.com/office/powerpoint/2015/09/main" Requires="p159">
+  <mc:AlternateContent xmlns:mc="http://schemas.openxmlformats.org/markup-compatibility/2006" xmlns:p159="http://schemas.microsoft.com/office/powerpoint/2015/09/main">
+    <mc:Choice Requires="p159">
       <p:transition xmlns:p14="http://schemas.microsoft.com/office/powerpoint/2010/main" spd="slow" p14:dur="2000">
         <p159:morph option="byObject"/>
       </p:transition>
     </mc:Choice>
-    <mc:Fallback>
+    <mc:Fallback xmlns="">
       <p:transition spd="slow">
         <p:fade/>
       </p:transition>
@@ -14133,6 +11615,19 @@
           <a:lstStyle/>
           <a:p>
             <a:pPr algn="ctr"/>
+            <a:r>
+              <a:rPr lang="en-US" altLang="ko-KR" sz="3600" b="1" dirty="0">
+                <a:solidFill>
+                  <a:schemeClr val="tx1">
+                    <a:lumMod val="85000"/>
+                    <a:lumOff val="15000"/>
+                  </a:schemeClr>
+                </a:solidFill>
+                <a:latin typeface="Univers Condensed (Titoli)"/>
+                <a:cs typeface="Arial" pitchFamily="34" charset="0"/>
+              </a:rPr>
+              <a:t>     3) </a:t>
+            </a:r>
             <a:r>
               <a:rPr lang="en-US" altLang="ko-KR" sz="3600" b="1" dirty="0" err="1">
                 <a:solidFill>
@@ -14459,8 +11954,8 @@
           </a:p>
         </p:txBody>
       </p:sp>
-      <mc:AlternateContent xmlns:mc="http://schemas.openxmlformats.org/markup-compatibility/2006">
-        <mc:Choice xmlns:a14="http://schemas.microsoft.com/office/drawing/2010/main" Requires="a14">
+      <mc:AlternateContent xmlns:mc="http://schemas.openxmlformats.org/markup-compatibility/2006" xmlns:a14="http://schemas.microsoft.com/office/drawing/2010/main">
+        <mc:Choice Requires="a14">
           <p:sp>
             <p:nvSpPr>
               <p:cNvPr id="2" name="CasellaDiTesto 1">
@@ -14869,7 +12364,7 @@
             </p:txBody>
           </p:sp>
         </mc:Choice>
-        <mc:Fallback>
+        <mc:Fallback xmlns="">
           <p:sp>
             <p:nvSpPr>
               <p:cNvPr id="2" name="CasellaDiTesto 1">
@@ -14978,7 +12473,7 @@
           <a:lstStyle/>
           <a:p>
             <a:r>
-              <a:rPr lang="it-IT" dirty="0"/>
+              <a:rPr lang="it-IT" b="1" dirty="0"/>
               <a:t>roadmap</a:t>
             </a:r>
           </a:p>
@@ -17094,7 +14589,7 @@
           <a:lstStyle/>
           <a:p>
             <a:r>
-              <a:rPr lang="it-IT" dirty="0"/>
+              <a:rPr lang="it-IT" b="1" dirty="0"/>
               <a:t>roadmap</a:t>
             </a:r>
           </a:p>
@@ -19202,7 +16697,7 @@
         </p:nvSpPr>
         <p:spPr>
           <a:xfrm>
-            <a:off x="57751" y="823318"/>
+            <a:off x="525860" y="788149"/>
             <a:ext cx="4710297" cy="707886"/>
           </a:xfrm>
           <a:prstGeom prst="rect">
@@ -19611,7 +17106,7 @@
           <a:lstStyle/>
           <a:p>
             <a:r>
-              <a:rPr lang="it-IT" dirty="0"/>
+              <a:rPr lang="it-IT" b="1" dirty="0"/>
               <a:t>roadmap</a:t>
             </a:r>
           </a:p>
@@ -21715,7 +19210,7 @@
           <a:lstStyle/>
           <a:p>
             <a:r>
-              <a:rPr lang="it-IT" dirty="0"/>
+              <a:rPr lang="it-IT" b="1" dirty="0"/>
               <a:t>roadmap</a:t>
             </a:r>
           </a:p>
@@ -23831,7 +21326,7 @@
           <a:lstStyle/>
           <a:p>
             <a:r>
-              <a:rPr lang="it-IT" dirty="0"/>
+              <a:rPr lang="it-IT" b="1" dirty="0"/>
               <a:t>roadmap</a:t>
             </a:r>
           </a:p>
@@ -25939,7 +23434,7 @@
         </p:nvSpPr>
         <p:spPr>
           <a:xfrm>
-            <a:off x="57751" y="823318"/>
+            <a:off x="514951" y="822469"/>
             <a:ext cx="4710297" cy="707886"/>
           </a:xfrm>
           <a:prstGeom prst="rect">
@@ -26294,13 +23789,13 @@
   <p:clrMapOvr>
     <a:masterClrMapping/>
   </p:clrMapOvr>
-  <mc:AlternateContent xmlns:mc="http://schemas.openxmlformats.org/markup-compatibility/2006">
-    <mc:Choice xmlns:p159="http://schemas.microsoft.com/office/powerpoint/2015/09/main" Requires="p159">
+  <mc:AlternateContent xmlns:mc="http://schemas.openxmlformats.org/markup-compatibility/2006" xmlns:p159="http://schemas.microsoft.com/office/powerpoint/2015/09/main">
+    <mc:Choice Requires="p159">
       <p:transition xmlns:p14="http://schemas.microsoft.com/office/powerpoint/2010/main" spd="slow" p14:dur="2000">
         <p159:morph option="byObject"/>
       </p:transition>
     </mc:Choice>
-    <mc:Fallback>
+    <mc:Fallback xmlns="">
       <p:transition spd="slow">
         <p:fade/>
       </p:transition>
@@ -26450,7 +23945,7 @@
           <a:lstStyle/>
           <a:p>
             <a:r>
-              <a:rPr lang="it-IT" dirty="0"/>
+              <a:rPr lang="it-IT" b="1" dirty="0"/>
               <a:t>roadmap</a:t>
             </a:r>
           </a:p>
@@ -28566,7 +26061,7 @@
           <a:lstStyle/>
           <a:p>
             <a:r>
-              <a:rPr lang="it-IT" dirty="0"/>
+              <a:rPr lang="it-IT" b="1" dirty="0"/>
               <a:t>roadmap</a:t>
             </a:r>
           </a:p>
@@ -30674,7 +28169,7 @@
         </p:nvSpPr>
         <p:spPr>
           <a:xfrm>
-            <a:off x="57751" y="823318"/>
+            <a:off x="-276356" y="823318"/>
             <a:ext cx="4710297" cy="707886"/>
           </a:xfrm>
           <a:prstGeom prst="rect">
@@ -30986,8 +28481,8 @@
           </a:p>
         </p:txBody>
       </p:sp>
-      <mc:AlternateContent xmlns:mc="http://schemas.openxmlformats.org/markup-compatibility/2006">
-        <mc:Choice xmlns:a14="http://schemas.microsoft.com/office/drawing/2010/main" Requires="a14">
+      <mc:AlternateContent xmlns:mc="http://schemas.openxmlformats.org/markup-compatibility/2006" xmlns:a14="http://schemas.microsoft.com/office/drawing/2010/main">
+        <mc:Choice Requires="a14">
           <p:sp>
             <p:nvSpPr>
               <p:cNvPr id="8" name="CasellaDiTesto 7">
@@ -31027,6 +28522,7 @@
                 <a:endParaRPr lang="it-IT" dirty="0"/>
               </a:p>
               <a:p>
+                <a:pPr/>
                 <a14:m>
                   <m:oMathPara xmlns:m="http://schemas.openxmlformats.org/officeDocument/2006/math">
                     <m:oMathParaPr>
@@ -31102,7 +28598,7 @@
             </p:txBody>
           </p:sp>
         </mc:Choice>
-        <mc:Fallback>
+        <mc:Fallback xmlns="">
           <p:sp>
             <p:nvSpPr>
               <p:cNvPr id="8" name="CasellaDiTesto 7">
@@ -31292,45 +28788,6 @@
           </a:p>
         </p:txBody>
       </p:sp>
-      <p:sp>
-        <p:nvSpPr>
-          <p:cNvPr id="4" name="CasellaDiTesto 3">
-            <a:extLst>
-              <a:ext uri="{FF2B5EF4-FFF2-40B4-BE49-F238E27FC236}">
-                <a16:creationId xmlns:a16="http://schemas.microsoft.com/office/drawing/2014/main" id="{E8735628-8230-BCF2-6A64-392372D3BFFF}"/>
-              </a:ext>
-            </a:extLst>
-          </p:cNvPr>
-          <p:cNvSpPr txBox="1"/>
-          <p:nvPr/>
-        </p:nvSpPr>
-        <p:spPr>
-          <a:xfrm>
-            <a:off x="6453153" y="5561914"/>
-            <a:ext cx="5475474" cy="584775"/>
-          </a:xfrm>
-          <a:prstGeom prst="rect">
-            <a:avLst/>
-          </a:prstGeom>
-          <a:noFill/>
-        </p:spPr>
-        <p:txBody>
-          <a:bodyPr wrap="square" rtlCol="0">
-            <a:spAutoFit/>
-          </a:bodyPr>
-          <a:lstStyle/>
-          <a:p>
-            <a:r>
-              <a:rPr lang="it-IT" sz="3200" b="1" dirty="0">
-                <a:solidFill>
-                  <a:srgbClr val="FF0000"/>
-                </a:solidFill>
-              </a:rPr>
-              <a:t>Alberto Petillo M63001604</a:t>
-            </a:r>
-          </a:p>
-        </p:txBody>
-      </p:sp>
     </p:spTree>
     <p:extLst>
       <p:ext uri="{BB962C8B-B14F-4D97-AF65-F5344CB8AC3E}">
@@ -31375,7 +28832,7 @@
         </p:nvSpPr>
         <p:spPr>
           <a:xfrm>
-            <a:off x="57751" y="823318"/>
+            <a:off x="409443" y="821210"/>
             <a:ext cx="6949718" cy="707886"/>
           </a:xfrm>
           <a:prstGeom prst="rect">
@@ -31938,7 +29395,7 @@
         </p:nvSpPr>
         <p:spPr>
           <a:xfrm>
-            <a:off x="57751" y="823318"/>
+            <a:off x="400651" y="779770"/>
             <a:ext cx="6949718" cy="707886"/>
           </a:xfrm>
           <a:prstGeom prst="rect">
@@ -32731,7 +30188,7 @@
           <a:lstStyle/>
           <a:p>
             <a:r>
-              <a:rPr lang="it-IT" dirty="0"/>
+              <a:rPr lang="it-IT" b="1" dirty="0"/>
               <a:t>roadmap</a:t>
             </a:r>
           </a:p>
@@ -34847,7 +32304,7 @@
           <a:lstStyle/>
           <a:p>
             <a:r>
-              <a:rPr lang="it-IT" dirty="0"/>
+              <a:rPr lang="it-IT" b="1" dirty="0"/>
               <a:t>roadmap</a:t>
             </a:r>
           </a:p>
@@ -36955,7 +34412,7 @@
         </p:nvSpPr>
         <p:spPr>
           <a:xfrm>
-            <a:off x="57751" y="823318"/>
+            <a:off x="374274" y="803843"/>
             <a:ext cx="4710297" cy="707886"/>
           </a:xfrm>
           <a:prstGeom prst="rect">
@@ -37432,6 +34889,282 @@
                 </a:solidFill>
               </a:rPr>
               <a:t>(R,S,U,P,M)</a:t>
+            </a:r>
+          </a:p>
+        </p:txBody>
+      </p:sp>
+      <p:sp>
+        <p:nvSpPr>
+          <p:cNvPr id="2" name="Ovale 1">
+            <a:extLst>
+              <a:ext uri="{FF2B5EF4-FFF2-40B4-BE49-F238E27FC236}">
+                <a16:creationId xmlns:a16="http://schemas.microsoft.com/office/drawing/2014/main" id="{1A327548-9490-425B-BB9E-CB5C8EFAEDB8}"/>
+              </a:ext>
+            </a:extLst>
+          </p:cNvPr>
+          <p:cNvSpPr/>
+          <p:nvPr/>
+        </p:nvSpPr>
+        <p:spPr>
+          <a:xfrm>
+            <a:off x="4364592" y="1940209"/>
+            <a:ext cx="441192" cy="134809"/>
+          </a:xfrm>
+          <a:prstGeom prst="ellipse">
+            <a:avLst/>
+          </a:prstGeom>
+          <a:noFill/>
+          <a:ln w="28575">
+            <a:solidFill>
+              <a:srgbClr val="00B0F0"/>
+            </a:solidFill>
+          </a:ln>
+        </p:spPr>
+        <p:style>
+          <a:lnRef idx="2">
+            <a:schemeClr val="accent1">
+              <a:shade val="15000"/>
+            </a:schemeClr>
+          </a:lnRef>
+          <a:fillRef idx="1">
+            <a:schemeClr val="accent1"/>
+          </a:fillRef>
+          <a:effectRef idx="0">
+            <a:schemeClr val="accent1"/>
+          </a:effectRef>
+          <a:fontRef idx="minor">
+            <a:schemeClr val="lt1"/>
+          </a:fontRef>
+        </p:style>
+        <p:txBody>
+          <a:bodyPr rtlCol="0" anchor="ctr"/>
+          <a:lstStyle/>
+          <a:p>
+            <a:pPr algn="ctr"/>
+            <a:endParaRPr lang="it-IT"/>
+          </a:p>
+        </p:txBody>
+      </p:sp>
+      <p:cxnSp>
+        <p:nvCxnSpPr>
+          <p:cNvPr id="3" name="Connettore curvo 2">
+            <a:extLst>
+              <a:ext uri="{FF2B5EF4-FFF2-40B4-BE49-F238E27FC236}">
+                <a16:creationId xmlns:a16="http://schemas.microsoft.com/office/drawing/2014/main" id="{B0E31605-CA2E-6906-48E3-5A7042715901}"/>
+              </a:ext>
+            </a:extLst>
+          </p:cNvPr>
+          <p:cNvCxnSpPr>
+            <a:cxnSpLocks/>
+            <a:stCxn id="2" idx="6"/>
+          </p:cNvCxnSpPr>
+          <p:nvPr/>
+        </p:nvCxnSpPr>
+        <p:spPr>
+          <a:xfrm flipV="1">
+            <a:off x="4805784" y="1407670"/>
+            <a:ext cx="1688534" cy="599944"/>
+          </a:xfrm>
+          <a:prstGeom prst="curvedConnector3">
+            <a:avLst>
+              <a:gd name="adj1" fmla="val 50000"/>
+            </a:avLst>
+          </a:prstGeom>
+          <a:ln w="19050">
+            <a:solidFill>
+              <a:srgbClr val="00B0F0"/>
+            </a:solidFill>
+            <a:tailEnd type="triangle"/>
+          </a:ln>
+        </p:spPr>
+        <p:style>
+          <a:lnRef idx="1">
+            <a:schemeClr val="accent1"/>
+          </a:lnRef>
+          <a:fillRef idx="0">
+            <a:schemeClr val="accent1"/>
+          </a:fillRef>
+          <a:effectRef idx="0">
+            <a:schemeClr val="accent1"/>
+          </a:effectRef>
+          <a:fontRef idx="minor">
+            <a:schemeClr val="tx1"/>
+          </a:fontRef>
+        </p:style>
+      </p:cxnSp>
+      <p:sp>
+        <p:nvSpPr>
+          <p:cNvPr id="12" name="CasellaDiTesto 11">
+            <a:extLst>
+              <a:ext uri="{FF2B5EF4-FFF2-40B4-BE49-F238E27FC236}">
+                <a16:creationId xmlns:a16="http://schemas.microsoft.com/office/drawing/2014/main" id="{DC4E9A13-8538-C450-BEE0-9823AD14732D}"/>
+              </a:ext>
+            </a:extLst>
+          </p:cNvPr>
+          <p:cNvSpPr txBox="1"/>
+          <p:nvPr/>
+        </p:nvSpPr>
+        <p:spPr>
+          <a:xfrm>
+            <a:off x="6494318" y="1253781"/>
+            <a:ext cx="1507880" cy="307777"/>
+          </a:xfrm>
+          <a:prstGeom prst="rect">
+            <a:avLst/>
+          </a:prstGeom>
+          <a:noFill/>
+        </p:spPr>
+        <p:txBody>
+          <a:bodyPr wrap="square" rtlCol="0">
+            <a:spAutoFit/>
+          </a:bodyPr>
+          <a:lstStyle/>
+          <a:p>
+            <a:r>
+              <a:rPr lang="it-IT" sz="1400" b="1" dirty="0">
+                <a:solidFill>
+                  <a:srgbClr val="00B0F0"/>
+                </a:solidFill>
+              </a:rPr>
+              <a:t>non disponibili</a:t>
+            </a:r>
+          </a:p>
+        </p:txBody>
+      </p:sp>
+      <p:sp>
+        <p:nvSpPr>
+          <p:cNvPr id="13" name="Ovale 12">
+            <a:extLst>
+              <a:ext uri="{FF2B5EF4-FFF2-40B4-BE49-F238E27FC236}">
+                <a16:creationId xmlns:a16="http://schemas.microsoft.com/office/drawing/2014/main" id="{86C2A466-9C1B-1B25-B6D3-FAB87F9170C9}"/>
+              </a:ext>
+            </a:extLst>
+          </p:cNvPr>
+          <p:cNvSpPr/>
+          <p:nvPr/>
+        </p:nvSpPr>
+        <p:spPr>
+          <a:xfrm>
+            <a:off x="4397728" y="2108844"/>
+            <a:ext cx="441192" cy="134809"/>
+          </a:xfrm>
+          <a:prstGeom prst="ellipse">
+            <a:avLst/>
+          </a:prstGeom>
+          <a:noFill/>
+          <a:ln w="28575">
+            <a:solidFill>
+              <a:srgbClr val="92D050"/>
+            </a:solidFill>
+          </a:ln>
+        </p:spPr>
+        <p:style>
+          <a:lnRef idx="2">
+            <a:schemeClr val="accent1">
+              <a:shade val="15000"/>
+            </a:schemeClr>
+          </a:lnRef>
+          <a:fillRef idx="1">
+            <a:schemeClr val="accent1"/>
+          </a:fillRef>
+          <a:effectRef idx="0">
+            <a:schemeClr val="accent1"/>
+          </a:effectRef>
+          <a:fontRef idx="minor">
+            <a:schemeClr val="lt1"/>
+          </a:fontRef>
+        </p:style>
+        <p:txBody>
+          <a:bodyPr rtlCol="0" anchor="ctr"/>
+          <a:lstStyle/>
+          <a:p>
+            <a:pPr algn="ctr"/>
+            <a:endParaRPr lang="it-IT"/>
+          </a:p>
+        </p:txBody>
+      </p:sp>
+      <p:cxnSp>
+        <p:nvCxnSpPr>
+          <p:cNvPr id="14" name="Connettore curvo 13">
+            <a:extLst>
+              <a:ext uri="{FF2B5EF4-FFF2-40B4-BE49-F238E27FC236}">
+                <a16:creationId xmlns:a16="http://schemas.microsoft.com/office/drawing/2014/main" id="{6E3638CC-36E2-BA66-33D2-96DF48A2D389}"/>
+              </a:ext>
+            </a:extLst>
+          </p:cNvPr>
+          <p:cNvCxnSpPr>
+            <a:cxnSpLocks/>
+            <a:stCxn id="13" idx="4"/>
+          </p:cNvCxnSpPr>
+          <p:nvPr/>
+        </p:nvCxnSpPr>
+        <p:spPr>
+          <a:xfrm rot="16200000" flipH="1">
+            <a:off x="3588082" y="3273894"/>
+            <a:ext cx="2526733" cy="466249"/>
+          </a:xfrm>
+          <a:prstGeom prst="curvedConnector3">
+            <a:avLst>
+              <a:gd name="adj1" fmla="val 50000"/>
+            </a:avLst>
+          </a:prstGeom>
+          <a:ln w="19050">
+            <a:solidFill>
+              <a:srgbClr val="92D050"/>
+            </a:solidFill>
+            <a:tailEnd type="triangle"/>
+          </a:ln>
+        </p:spPr>
+        <p:style>
+          <a:lnRef idx="1">
+            <a:schemeClr val="accent1"/>
+          </a:lnRef>
+          <a:fillRef idx="0">
+            <a:schemeClr val="accent1"/>
+          </a:fillRef>
+          <a:effectRef idx="0">
+            <a:schemeClr val="accent1"/>
+          </a:effectRef>
+          <a:fontRef idx="minor">
+            <a:schemeClr val="tx1"/>
+          </a:fontRef>
+        </p:style>
+      </p:cxnSp>
+      <p:sp>
+        <p:nvSpPr>
+          <p:cNvPr id="17" name="CasellaDiTesto 16">
+            <a:extLst>
+              <a:ext uri="{FF2B5EF4-FFF2-40B4-BE49-F238E27FC236}">
+                <a16:creationId xmlns:a16="http://schemas.microsoft.com/office/drawing/2014/main" id="{67E4B6CD-5C49-F5DF-B321-80DF53F57C53}"/>
+              </a:ext>
+            </a:extLst>
+          </p:cNvPr>
+          <p:cNvSpPr txBox="1"/>
+          <p:nvPr/>
+        </p:nvSpPr>
+        <p:spPr>
+          <a:xfrm>
+            <a:off x="4312379" y="4741599"/>
+            <a:ext cx="1507880" cy="954107"/>
+          </a:xfrm>
+          <a:prstGeom prst="rect">
+            <a:avLst/>
+          </a:prstGeom>
+          <a:noFill/>
+        </p:spPr>
+        <p:txBody>
+          <a:bodyPr wrap="square" rtlCol="0">
+            <a:spAutoFit/>
+          </a:bodyPr>
+          <a:lstStyle/>
+          <a:p>
+            <a:r>
+              <a:rPr lang="it-IT" sz="1400" b="1" dirty="0">
+                <a:solidFill>
+                  <a:srgbClr val="92D050"/>
+                </a:solidFill>
+              </a:rPr>
+              <a:t>da qui i server con grandezza e capacità in ordine</a:t>
             </a:r>
           </a:p>
         </p:txBody>
@@ -37492,7 +35225,7 @@
         </p:nvSpPr>
         <p:spPr>
           <a:xfrm>
-            <a:off x="57751" y="823318"/>
+            <a:off x="549342" y="819012"/>
             <a:ext cx="6202372" cy="707886"/>
           </a:xfrm>
           <a:prstGeom prst="rect">
